--- a/Presentation.pptx
+++ b/Presentation.pptx
@@ -249,7 +249,7 @@
           <a:p>
             <a:fld id="{D5E4D04E-A147-4C8A-94A7-F57754D1BB44}" type="datetimeFigureOut">
               <a:rPr lang="en-US" smtClean="0"/>
-              <a:t>7/26/2023</a:t>
+              <a:t>7/27/2023</a:t>
             </a:fld>
             <a:endParaRPr lang="en-US"/>
           </a:p>
@@ -2645,7 +2645,7 @@
           <a:p>
             <a:fld id="{969F799F-711D-4AAC-9630-4A4951459738}" type="datetime1">
               <a:rPr lang="en-US" smtClean="0"/>
-              <a:t>7/26/2023</a:t>
+              <a:t>7/27/2023</a:t>
             </a:fld>
             <a:endParaRPr lang="en-US"/>
           </a:p>
@@ -2819,7 +2819,7 @@
           <a:p>
             <a:fld id="{A441326F-0BD8-47B2-B629-53F059A893D2}" type="datetime1">
               <a:rPr lang="en-US" smtClean="0"/>
-              <a:t>7/26/2023</a:t>
+              <a:t>7/27/2023</a:t>
             </a:fld>
             <a:endParaRPr lang="en-US"/>
           </a:p>
@@ -3003,7 +3003,7 @@
           <a:p>
             <a:fld id="{95F82B43-351D-404A-8122-6E359CCAFFEF}" type="datetime1">
               <a:rPr lang="en-US" smtClean="0"/>
-              <a:t>7/26/2023</a:t>
+              <a:t>7/27/2023</a:t>
             </a:fld>
             <a:endParaRPr lang="en-US"/>
           </a:p>
@@ -3177,7 +3177,7 @@
           <a:p>
             <a:fld id="{C5DA54C9-2123-4872-A824-375C0DC2B20B}" type="datetime1">
               <a:rPr lang="en-US" smtClean="0"/>
-              <a:t>7/26/2023</a:t>
+              <a:t>7/27/2023</a:t>
             </a:fld>
             <a:endParaRPr lang="en-US"/>
           </a:p>
@@ -3427,7 +3427,7 @@
           <a:p>
             <a:fld id="{1726678C-D213-4395-B4F2-919CE7EA7F38}" type="datetime1">
               <a:rPr lang="en-US" smtClean="0"/>
-              <a:t>7/26/2023</a:t>
+              <a:t>7/27/2023</a:t>
             </a:fld>
             <a:endParaRPr lang="en-US"/>
           </a:p>
@@ -3663,7 +3663,7 @@
           <a:p>
             <a:fld id="{32003B9E-BD94-4E9B-96AC-AD0D3906BB91}" type="datetime1">
               <a:rPr lang="en-US" smtClean="0"/>
-              <a:t>7/26/2023</a:t>
+              <a:t>7/27/2023</a:t>
             </a:fld>
             <a:endParaRPr lang="en-US"/>
           </a:p>
@@ -4034,7 +4034,7 @@
           <a:p>
             <a:fld id="{E8B540CE-B6AA-47C8-A583-FFACC6B760BD}" type="datetime1">
               <a:rPr lang="en-US" smtClean="0"/>
-              <a:t>7/26/2023</a:t>
+              <a:t>7/27/2023</a:t>
             </a:fld>
             <a:endParaRPr lang="en-US"/>
           </a:p>
@@ -4156,7 +4156,7 @@
           <a:p>
             <a:fld id="{B281AC48-1C3C-4141-8B3A-FB5C5DFBC1CD}" type="datetime1">
               <a:rPr lang="en-US" smtClean="0"/>
-              <a:t>7/26/2023</a:t>
+              <a:t>7/27/2023</a:t>
             </a:fld>
             <a:endParaRPr lang="en-US"/>
           </a:p>
@@ -4255,7 +4255,7 @@
           <a:p>
             <a:fld id="{0E616707-81DB-4BAE-AB03-0ACE2E802F36}" type="datetime1">
               <a:rPr lang="en-US" smtClean="0"/>
-              <a:t>7/26/2023</a:t>
+              <a:t>7/27/2023</a:t>
             </a:fld>
             <a:endParaRPr lang="en-US"/>
           </a:p>
@@ -4536,7 +4536,7 @@
           <a:p>
             <a:fld id="{C68E0C2D-6637-4F6D-BCAA-808E5463DCD6}" type="datetime1">
               <a:rPr lang="en-US" smtClean="0"/>
-              <a:t>7/26/2023</a:t>
+              <a:t>7/27/2023</a:t>
             </a:fld>
             <a:endParaRPr lang="en-US"/>
           </a:p>
@@ -4797,7 +4797,7 @@
           <a:p>
             <a:fld id="{2E8019EF-C720-4725-8237-AE20117B811F}" type="datetime1">
               <a:rPr lang="en-US" smtClean="0"/>
-              <a:t>7/26/2023</a:t>
+              <a:t>7/27/2023</a:t>
             </a:fld>
             <a:endParaRPr lang="en-US"/>
           </a:p>
@@ -5039,7 +5039,7 @@
           <a:p>
             <a:fld id="{B133FD41-418E-4014-81D8-4634A5331B18}" type="datetime1">
               <a:rPr lang="en-US" smtClean="0"/>
-              <a:t>7/26/2023</a:t>
+              <a:t>7/27/2023</a:t>
             </a:fld>
             <a:endParaRPr lang="en-US"/>
           </a:p>
@@ -15017,7 +15017,23 @@
                   <a:srgbClr val="F8A28B"/>
                 </a:solidFill>
               </a:rPr>
-              <a:t>f apple = 6 then puts “</a:t>
+              <a:t>f </a:t>
+            </a:r>
+            <a:r>
+              <a:rPr lang="en-US" sz="1500" smtClean="0">
+                <a:solidFill>
+                  <a:srgbClr val="F8A28B"/>
+                </a:solidFill>
+              </a:rPr>
+              <a:t>apple == </a:t>
+            </a:r>
+            <a:r>
+              <a:rPr lang="en-US" sz="1500" dirty="0" smtClean="0">
+                <a:solidFill>
+                  <a:srgbClr val="F8A28B"/>
+                </a:solidFill>
+              </a:rPr>
+              <a:t>6 then puts “</a:t>
             </a:r>
             <a:r>
               <a:rPr lang="en-US" sz="1500" dirty="0" err="1" smtClean="0">
@@ -17235,12 +17251,21 @@
                 </a:solidFill>
                 <a:cs typeface="Times New Roman" panose="02020603050405020304" pitchFamily="18" charset="0"/>
               </a:rPr>
-              <a:t>Provide examples, info to start programming in these languages   (to gen up a Linux laptop, </a:t>
+              <a:t>Provide examples, info to start programming in these languages   </a:t>
+            </a:r>
+            <a:r>
+              <a:rPr lang="en-US" sz="1800" dirty="0" smtClean="0">
+                <a:solidFill>
+                  <a:srgbClr val="00B050"/>
+                </a:solidFill>
+                <a:cs typeface="Times New Roman" panose="02020603050405020304" pitchFamily="18" charset="0"/>
+              </a:rPr>
+              <a:t>(to gen up a Linux laptop, </a:t>
             </a:r>
             <a:r>
               <a:rPr lang="en-US" sz="1800" i="1" dirty="0" smtClean="0">
                 <a:solidFill>
-                  <a:srgbClr val="ECDA2D"/>
+                  <a:srgbClr val="00B050"/>
                 </a:solidFill>
                 <a:cs typeface="Times New Roman" panose="02020603050405020304" pitchFamily="18" charset="0"/>
               </a:rPr>
@@ -17249,7 +17274,7 @@
             <a:r>
               <a:rPr lang="en-US" sz="1800" i="1" dirty="0">
                 <a:solidFill>
-                  <a:srgbClr val="ECDA2D"/>
+                  <a:srgbClr val="00B050"/>
                 </a:solidFill>
                 <a:cs typeface="Times New Roman" panose="02020603050405020304" pitchFamily="18" charset="0"/>
               </a:rPr>
@@ -17258,7 +17283,7 @@
             <a:r>
               <a:rPr lang="en-US" sz="1800" i="1" dirty="0" smtClean="0">
                 <a:solidFill>
-                  <a:srgbClr val="ECDA2D"/>
+                  <a:srgbClr val="00B050"/>
                 </a:solidFill>
                 <a:cs typeface="Times New Roman" panose="02020603050405020304" pitchFamily="18" charset="0"/>
               </a:rPr>
@@ -17267,13 +17292,17 @@
             <a:r>
               <a:rPr lang="en-US" sz="1800" dirty="0" smtClean="0">
                 <a:solidFill>
-                  <a:srgbClr val="ECDA2D"/>
+                  <a:srgbClr val="00B050"/>
                 </a:solidFill>
                 <a:cs typeface="Times New Roman" panose="02020603050405020304" pitchFamily="18" charset="0"/>
               </a:rPr>
               <a:t>)</a:t>
             </a:r>
-            <a:endParaRPr lang="en-US" sz="1800" dirty="0"/>
+            <a:endParaRPr lang="en-US" sz="1800" dirty="0">
+              <a:solidFill>
+                <a:srgbClr val="00B050"/>
+              </a:solidFill>
+            </a:endParaRPr>
           </a:p>
         </p:txBody>
       </p:sp>
@@ -34659,7 +34688,25 @@
                 </a:solidFill>
                 <a:cs typeface="Times New Roman" panose="02020603050405020304" pitchFamily="18" charset="0"/>
               </a:rPr>
-              <a:t>No Clear Winner</a:t>
+              <a:t>No </a:t>
+            </a:r>
+            <a:r>
+              <a:rPr lang="en-US" sz="1800" b="1" dirty="0" smtClean="0">
+                <a:solidFill>
+                  <a:srgbClr val="81C8BD"/>
+                </a:solidFill>
+                <a:cs typeface="Times New Roman" panose="02020603050405020304" pitchFamily="18" charset="0"/>
+              </a:rPr>
+              <a:t>Single</a:t>
+            </a:r>
+            <a:r>
+              <a:rPr lang="en-US" sz="1800" b="1" dirty="0" smtClean="0">
+                <a:solidFill>
+                  <a:srgbClr val="81C8BD"/>
+                </a:solidFill>
+                <a:cs typeface="Times New Roman" panose="02020603050405020304" pitchFamily="18" charset="0"/>
+              </a:rPr>
+              <a:t> Winner.  But </a:t>
             </a:r>
             <a:r>
               <a:rPr lang="en-US" sz="1800" dirty="0" smtClean="0">
@@ -34668,13 +34715,55 @@
                 </a:solidFill>
                 <a:cs typeface="Times New Roman" panose="02020603050405020304" pitchFamily="18" charset="0"/>
               </a:rPr>
-              <a:t>…</a:t>
-            </a:r>
-          </a:p>
-          <a:p>
-            <a:pPr marL="0" indent="0">
-              <a:buNone/>
-            </a:pPr>
+              <a:t>… …</a:t>
+            </a:r>
+            <a:endParaRPr lang="en-US" sz="1800" dirty="0" smtClean="0">
+              <a:solidFill>
+                <a:srgbClr val="81C8BD"/>
+              </a:solidFill>
+              <a:cs typeface="Times New Roman" panose="02020603050405020304" pitchFamily="18" charset="0"/>
+            </a:endParaRPr>
+          </a:p>
+          <a:p>
+            <a:pPr marL="0" indent="0">
+              <a:buNone/>
+            </a:pPr>
+            <a:r>
+              <a:rPr lang="en-US" sz="1800" dirty="0">
+                <a:solidFill>
+                  <a:srgbClr val="81C8BD"/>
+                </a:solidFill>
+                <a:cs typeface="Times New Roman" panose="02020603050405020304" pitchFamily="18" charset="0"/>
+              </a:rPr>
+              <a:t>Newer languages (e.g. </a:t>
+            </a:r>
+            <a:r>
+              <a:rPr lang="en-US" sz="1800" dirty="0" err="1">
+                <a:solidFill>
+                  <a:srgbClr val="00B050"/>
+                </a:solidFill>
+                <a:cs typeface="Times New Roman" panose="02020603050405020304" pitchFamily="18" charset="0"/>
+              </a:rPr>
+              <a:t>Kotlin</a:t>
+            </a:r>
+            <a:r>
+              <a:rPr lang="en-US" sz="1800" dirty="0">
+                <a:solidFill>
+                  <a:srgbClr val="00B050"/>
+                </a:solidFill>
+                <a:cs typeface="Times New Roman" panose="02020603050405020304" pitchFamily="18" charset="0"/>
+              </a:rPr>
+              <a:t>, Swift, Go, Rust</a:t>
+            </a:r>
+            <a:r>
+              <a:rPr lang="en-US" sz="1800" dirty="0">
+                <a:solidFill>
+                  <a:srgbClr val="81C8BD"/>
+                </a:solidFill>
+                <a:cs typeface="Times New Roman" panose="02020603050405020304" pitchFamily="18" charset="0"/>
+              </a:rPr>
+              <a:t>) provide some features that reduce bugs in some </a:t>
+            </a:r>
             <a:r>
               <a:rPr lang="en-US" sz="1800" dirty="0" smtClean="0">
                 <a:solidFill>
@@ -34682,8 +34771,114 @@
                 </a:solidFill>
                 <a:cs typeface="Times New Roman" panose="02020603050405020304" pitchFamily="18" charset="0"/>
               </a:rPr>
-              <a:t>The exploitation of a vulnerability depends on the C-I-A element that is compromised</a:t>
-            </a:r>
+              <a:t>cases</a:t>
+            </a:r>
+            <a:endParaRPr lang="en-US" sz="1800" dirty="0">
+              <a:solidFill>
+                <a:srgbClr val="81C8BD"/>
+              </a:solidFill>
+              <a:cs typeface="Times New Roman" panose="02020603050405020304" pitchFamily="18" charset="0"/>
+            </a:endParaRPr>
+          </a:p>
+          <a:p>
+            <a:r>
+              <a:rPr lang="en-US" sz="1400" dirty="0" smtClean="0">
+                <a:solidFill>
+                  <a:srgbClr val="ECDA2D"/>
+                </a:solidFill>
+                <a:cs typeface="Times New Roman" panose="02020603050405020304" pitchFamily="18" charset="0"/>
+              </a:rPr>
+              <a:t>Objects / OO-</a:t>
+            </a:r>
+            <a:r>
+              <a:rPr lang="en-US" sz="1400" dirty="0" err="1" smtClean="0">
+                <a:solidFill>
+                  <a:srgbClr val="ECDA2D"/>
+                </a:solidFill>
+                <a:cs typeface="Times New Roman" panose="02020603050405020304" pitchFamily="18" charset="0"/>
+              </a:rPr>
+              <a:t>ish</a:t>
+            </a:r>
+            <a:r>
+              <a:rPr lang="en-US" sz="1400" dirty="0" smtClean="0">
+                <a:solidFill>
+                  <a:srgbClr val="ECDA2D"/>
+                </a:solidFill>
+                <a:cs typeface="Times New Roman" panose="02020603050405020304" pitchFamily="18" charset="0"/>
+              </a:rPr>
+              <a:t> behavior </a:t>
+            </a:r>
+            <a:r>
+              <a:rPr lang="en-US" sz="1400" dirty="0">
+                <a:solidFill>
+                  <a:srgbClr val="ECDA2D"/>
+                </a:solidFill>
+                <a:cs typeface="Times New Roman" panose="02020603050405020304" pitchFamily="18" charset="0"/>
+              </a:rPr>
+              <a:t>(they don’t overrun easily</a:t>
+            </a:r>
+            <a:r>
+              <a:rPr lang="en-US" sz="1400" dirty="0" smtClean="0">
+                <a:solidFill>
+                  <a:srgbClr val="ECDA2D"/>
+                </a:solidFill>
+                <a:cs typeface="Times New Roman" panose="02020603050405020304" pitchFamily="18" charset="0"/>
+              </a:rPr>
+              <a:t>);  </a:t>
+            </a:r>
+            <a:r>
+              <a:rPr lang="en-US" sz="1400" dirty="0">
+                <a:solidFill>
+                  <a:srgbClr val="ECDA2D"/>
+                </a:solidFill>
+                <a:cs typeface="Times New Roman" panose="02020603050405020304" pitchFamily="18" charset="0"/>
+              </a:rPr>
+              <a:t>Better/easier object </a:t>
+            </a:r>
+            <a:r>
+              <a:rPr lang="en-US" sz="1400" dirty="0" smtClean="0">
+                <a:solidFill>
+                  <a:srgbClr val="ECDA2D"/>
+                </a:solidFill>
+                <a:cs typeface="Times New Roman" panose="02020603050405020304" pitchFamily="18" charset="0"/>
+              </a:rPr>
+              <a:t>handling;  intelligent, efficient </a:t>
+            </a:r>
+            <a:r>
+              <a:rPr lang="en-US" sz="1400" dirty="0">
+                <a:solidFill>
+                  <a:srgbClr val="ECDA2D"/>
+                </a:solidFill>
+                <a:cs typeface="Times New Roman" panose="02020603050405020304" pitchFamily="18" charset="0"/>
+              </a:rPr>
+              <a:t>garbage collection</a:t>
+            </a:r>
+          </a:p>
+          <a:p>
+            <a:r>
+              <a:rPr lang="en-US" sz="1400" dirty="0">
+                <a:solidFill>
+                  <a:srgbClr val="ECDA2D"/>
+                </a:solidFill>
+                <a:cs typeface="Times New Roman" panose="02020603050405020304" pitchFamily="18" charset="0"/>
+              </a:rPr>
+              <a:t>Less dependence on </a:t>
+            </a:r>
+            <a:r>
+              <a:rPr lang="en-US" sz="1400" dirty="0" smtClean="0">
+                <a:solidFill>
+                  <a:srgbClr val="ECDA2D"/>
+                </a:solidFill>
+                <a:cs typeface="Times New Roman" panose="02020603050405020304" pitchFamily="18" charset="0"/>
+              </a:rPr>
+              <a:t>pointers</a:t>
+            </a:r>
+            <a:endParaRPr lang="en-US" sz="1400" dirty="0" smtClean="0">
+              <a:solidFill>
+                <a:srgbClr val="81C8BD"/>
+              </a:solidFill>
+              <a:cs typeface="Times New Roman" panose="02020603050405020304" pitchFamily="18" charset="0"/>
+            </a:endParaRPr>
           </a:p>
           <a:p>
             <a:pPr marL="0" indent="0">
@@ -34696,11 +34891,97 @@
                 </a:solidFill>
                 <a:cs typeface="Times New Roman" panose="02020603050405020304" pitchFamily="18" charset="0"/>
               </a:rPr>
-              <a:t>ALL languages have some desirable use-cases (even </a:t>
+              <a:t>Interpreters </a:t>
             </a:r>
             <a:r>
               <a:rPr lang="en-US" sz="1800" dirty="0" smtClean="0">
                 <a:solidFill>
+                  <a:srgbClr val="81C8BD"/>
+                </a:solidFill>
+                <a:cs typeface="Times New Roman" panose="02020603050405020304" pitchFamily="18" charset="0"/>
+              </a:rPr>
+              <a:t>offer good input protection </a:t>
+            </a:r>
+            <a:r>
+              <a:rPr lang="en-US" sz="1800" dirty="0" smtClean="0">
+                <a:solidFill>
+                  <a:srgbClr val="81C8BD"/>
+                </a:solidFill>
+                <a:cs typeface="Times New Roman" panose="02020603050405020304" pitchFamily="18" charset="0"/>
+              </a:rPr>
+              <a:t>&amp;</a:t>
+            </a:r>
+            <a:r>
+              <a:rPr lang="en-US" sz="1800" dirty="0" smtClean="0">
+                <a:solidFill>
+                  <a:srgbClr val="81C8BD"/>
+                </a:solidFill>
+                <a:cs typeface="Times New Roman" panose="02020603050405020304" pitchFamily="18" charset="0"/>
+              </a:rPr>
+              <a:t> </a:t>
+            </a:r>
+            <a:r>
+              <a:rPr lang="en-US" sz="1800" dirty="0" smtClean="0">
+                <a:solidFill>
+                  <a:srgbClr val="81C8BD"/>
+                </a:solidFill>
+                <a:cs typeface="Times New Roman" panose="02020603050405020304" pitchFamily="18" charset="0"/>
+              </a:rPr>
+              <a:t>protection </a:t>
+            </a:r>
+            <a:r>
+              <a:rPr lang="en-US" sz="1800" dirty="0" smtClean="0">
+                <a:solidFill>
+                  <a:srgbClr val="81C8BD"/>
+                </a:solidFill>
+                <a:cs typeface="Times New Roman" panose="02020603050405020304" pitchFamily="18" charset="0"/>
+              </a:rPr>
+              <a:t>of variables but </a:t>
+            </a:r>
+            <a:r>
+              <a:rPr lang="en-US" sz="1800" dirty="0" smtClean="0">
+                <a:solidFill>
+                  <a:srgbClr val="81C8BD"/>
+                </a:solidFill>
+                <a:cs typeface="Times New Roman" panose="02020603050405020304" pitchFamily="18" charset="0"/>
+              </a:rPr>
+              <a:t>are less suited for systems work</a:t>
+            </a:r>
+          </a:p>
+          <a:p>
+            <a:pPr marL="0" indent="0">
+              <a:buNone/>
+            </a:pPr>
+            <a:r>
+              <a:rPr lang="en-US" sz="1800" dirty="0">
+                <a:solidFill>
+                  <a:srgbClr val="81C8BD"/>
+                </a:solidFill>
+                <a:cs typeface="Times New Roman" panose="02020603050405020304" pitchFamily="18" charset="0"/>
+              </a:rPr>
+              <a:t>ALL languages have some desirable use-cases </a:t>
+            </a:r>
+            <a:r>
+              <a:rPr lang="en-US" sz="1800" dirty="0" smtClean="0">
+                <a:solidFill>
+                  <a:srgbClr val="81C8BD"/>
+                </a:solidFill>
+                <a:cs typeface="Times New Roman" panose="02020603050405020304" pitchFamily="18" charset="0"/>
+              </a:rPr>
+              <a:t>  (</a:t>
+            </a:r>
+            <a:r>
+              <a:rPr lang="en-US" sz="1800" dirty="0">
+                <a:solidFill>
+                  <a:srgbClr val="81C8BD"/>
+                </a:solidFill>
+                <a:cs typeface="Times New Roman" panose="02020603050405020304" pitchFamily="18" charset="0"/>
+              </a:rPr>
+              <a:t>even </a:t>
+            </a:r>
+            <a:r>
+              <a:rPr lang="en-US" sz="1800" dirty="0">
+                <a:solidFill>
                   <a:srgbClr val="C00000"/>
                 </a:solidFill>
                 <a:cs typeface="Times New Roman" panose="02020603050405020304" pitchFamily="18" charset="0"/>
@@ -34708,90 +34989,13 @@
               <a:t>C</a:t>
             </a:r>
             <a:r>
-              <a:rPr lang="en-US" sz="1800" dirty="0" smtClean="0">
+              <a:rPr lang="en-US" sz="1800" dirty="0">
                 <a:solidFill>
                   <a:srgbClr val="81C8BD"/>
                 </a:solidFill>
                 <a:cs typeface="Times New Roman" panose="02020603050405020304" pitchFamily="18" charset="0"/>
               </a:rPr>
               <a:t> for OSes and languages)</a:t>
-            </a:r>
-          </a:p>
-          <a:p>
-            <a:pPr marL="0" indent="0">
-              <a:buNone/>
-            </a:pPr>
-            <a:r>
-              <a:rPr lang="en-US" sz="1800" dirty="0" smtClean="0">
-                <a:solidFill>
-                  <a:srgbClr val="81C8BD"/>
-                </a:solidFill>
-                <a:cs typeface="Times New Roman" panose="02020603050405020304" pitchFamily="18" charset="0"/>
-              </a:rPr>
-              <a:t>Interpreters offer good input protection &amp; variable protection but are less suited for systems work</a:t>
-            </a:r>
-          </a:p>
-          <a:p>
-            <a:pPr marL="0" indent="0">
-              <a:buNone/>
-            </a:pPr>
-            <a:r>
-              <a:rPr lang="en-US" sz="1800" dirty="0" smtClean="0">
-                <a:solidFill>
-                  <a:srgbClr val="81C8BD"/>
-                </a:solidFill>
-                <a:cs typeface="Times New Roman" panose="02020603050405020304" pitchFamily="18" charset="0"/>
-              </a:rPr>
-              <a:t>Newer languages (e.g. </a:t>
-            </a:r>
-            <a:r>
-              <a:rPr lang="en-US" sz="1800" dirty="0" err="1" smtClean="0">
-                <a:solidFill>
-                  <a:srgbClr val="00B050"/>
-                </a:solidFill>
-                <a:cs typeface="Times New Roman" panose="02020603050405020304" pitchFamily="18" charset="0"/>
-              </a:rPr>
-              <a:t>Kotlin</a:t>
-            </a:r>
-            <a:r>
-              <a:rPr lang="en-US" sz="1800" dirty="0" smtClean="0">
-                <a:solidFill>
-                  <a:srgbClr val="00B050"/>
-                </a:solidFill>
-                <a:cs typeface="Times New Roman" panose="02020603050405020304" pitchFamily="18" charset="0"/>
-              </a:rPr>
-              <a:t>, Swift, Go, Rust</a:t>
-            </a:r>
-            <a:r>
-              <a:rPr lang="en-US" sz="1800" dirty="0" smtClean="0">
-                <a:solidFill>
-                  <a:srgbClr val="81C8BD"/>
-                </a:solidFill>
-                <a:cs typeface="Times New Roman" panose="02020603050405020304" pitchFamily="18" charset="0"/>
-              </a:rPr>
-              <a:t>) provide some features that reduce bugs in some cases e.g.</a:t>
-            </a:r>
-          </a:p>
-          <a:p>
-            <a:r>
-              <a:rPr lang="en-US" sz="1400" dirty="0" smtClean="0">
-                <a:solidFill>
-                  <a:srgbClr val="ECDA2D"/>
-                </a:solidFill>
-                <a:cs typeface="Times New Roman" panose="02020603050405020304" pitchFamily="18" charset="0"/>
-              </a:rPr>
-              <a:t>Objects (they don’t overrun easily), Better/easier object handling, more efficient garbage collection</a:t>
-            </a:r>
-          </a:p>
-          <a:p>
-            <a:r>
-              <a:rPr lang="en-US" sz="1400" dirty="0" smtClean="0">
-                <a:solidFill>
-                  <a:srgbClr val="ECDA2D"/>
-                </a:solidFill>
-                <a:cs typeface="Times New Roman" panose="02020603050405020304" pitchFamily="18" charset="0"/>
-              </a:rPr>
-              <a:t>Less dependence on pointers</a:t>
             </a:r>
           </a:p>
           <a:p>

--- a/Presentation.pptx
+++ b/Presentation.pptx
@@ -249,7 +249,7 @@
           <a:p>
             <a:fld id="{D5E4D04E-A147-4C8A-94A7-F57754D1BB44}" type="datetimeFigureOut">
               <a:rPr lang="en-US" smtClean="0"/>
-              <a:t>7/27/2023</a:t>
+              <a:t>7/29/2023</a:t>
             </a:fld>
             <a:endParaRPr lang="en-US"/>
           </a:p>
@@ -2645,7 +2645,7 @@
           <a:p>
             <a:fld id="{969F799F-711D-4AAC-9630-4A4951459738}" type="datetime1">
               <a:rPr lang="en-US" smtClean="0"/>
-              <a:t>7/27/2023</a:t>
+              <a:t>7/29/2023</a:t>
             </a:fld>
             <a:endParaRPr lang="en-US"/>
           </a:p>
@@ -2819,7 +2819,7 @@
           <a:p>
             <a:fld id="{A441326F-0BD8-47B2-B629-53F059A893D2}" type="datetime1">
               <a:rPr lang="en-US" smtClean="0"/>
-              <a:t>7/27/2023</a:t>
+              <a:t>7/29/2023</a:t>
             </a:fld>
             <a:endParaRPr lang="en-US"/>
           </a:p>
@@ -3003,7 +3003,7 @@
           <a:p>
             <a:fld id="{95F82B43-351D-404A-8122-6E359CCAFFEF}" type="datetime1">
               <a:rPr lang="en-US" smtClean="0"/>
-              <a:t>7/27/2023</a:t>
+              <a:t>7/29/2023</a:t>
             </a:fld>
             <a:endParaRPr lang="en-US"/>
           </a:p>
@@ -3177,7 +3177,7 @@
           <a:p>
             <a:fld id="{C5DA54C9-2123-4872-A824-375C0DC2B20B}" type="datetime1">
               <a:rPr lang="en-US" smtClean="0"/>
-              <a:t>7/27/2023</a:t>
+              <a:t>7/29/2023</a:t>
             </a:fld>
             <a:endParaRPr lang="en-US"/>
           </a:p>
@@ -3427,7 +3427,7 @@
           <a:p>
             <a:fld id="{1726678C-D213-4395-B4F2-919CE7EA7F38}" type="datetime1">
               <a:rPr lang="en-US" smtClean="0"/>
-              <a:t>7/27/2023</a:t>
+              <a:t>7/29/2023</a:t>
             </a:fld>
             <a:endParaRPr lang="en-US"/>
           </a:p>
@@ -3663,7 +3663,7 @@
           <a:p>
             <a:fld id="{32003B9E-BD94-4E9B-96AC-AD0D3906BB91}" type="datetime1">
               <a:rPr lang="en-US" smtClean="0"/>
-              <a:t>7/27/2023</a:t>
+              <a:t>7/29/2023</a:t>
             </a:fld>
             <a:endParaRPr lang="en-US"/>
           </a:p>
@@ -4034,7 +4034,7 @@
           <a:p>
             <a:fld id="{E8B540CE-B6AA-47C8-A583-FFACC6B760BD}" type="datetime1">
               <a:rPr lang="en-US" smtClean="0"/>
-              <a:t>7/27/2023</a:t>
+              <a:t>7/29/2023</a:t>
             </a:fld>
             <a:endParaRPr lang="en-US"/>
           </a:p>
@@ -4156,7 +4156,7 @@
           <a:p>
             <a:fld id="{B281AC48-1C3C-4141-8B3A-FB5C5DFBC1CD}" type="datetime1">
               <a:rPr lang="en-US" smtClean="0"/>
-              <a:t>7/27/2023</a:t>
+              <a:t>7/29/2023</a:t>
             </a:fld>
             <a:endParaRPr lang="en-US"/>
           </a:p>
@@ -4255,7 +4255,7 @@
           <a:p>
             <a:fld id="{0E616707-81DB-4BAE-AB03-0ACE2E802F36}" type="datetime1">
               <a:rPr lang="en-US" smtClean="0"/>
-              <a:t>7/27/2023</a:t>
+              <a:t>7/29/2023</a:t>
             </a:fld>
             <a:endParaRPr lang="en-US"/>
           </a:p>
@@ -4536,7 +4536,7 @@
           <a:p>
             <a:fld id="{C68E0C2D-6637-4F6D-BCAA-808E5463DCD6}" type="datetime1">
               <a:rPr lang="en-US" smtClean="0"/>
-              <a:t>7/27/2023</a:t>
+              <a:t>7/29/2023</a:t>
             </a:fld>
             <a:endParaRPr lang="en-US"/>
           </a:p>
@@ -4797,7 +4797,7 @@
           <a:p>
             <a:fld id="{2E8019EF-C720-4725-8237-AE20117B811F}" type="datetime1">
               <a:rPr lang="en-US" smtClean="0"/>
-              <a:t>7/27/2023</a:t>
+              <a:t>7/29/2023</a:t>
             </a:fld>
             <a:endParaRPr lang="en-US"/>
           </a:p>
@@ -5039,7 +5039,7 @@
           <a:p>
             <a:fld id="{B133FD41-418E-4014-81D8-4634A5331B18}" type="datetime1">
               <a:rPr lang="en-US" smtClean="0"/>
-              <a:t>7/27/2023</a:t>
+              <a:t>7/29/2023</a:t>
             </a:fld>
             <a:endParaRPr lang="en-US"/>
           </a:p>
@@ -8664,7 +8664,16 @@
                 </a:solidFill>
                 <a:latin typeface="Bahnschrift SemiBold SemiConden" panose="020B0502040204020203" pitchFamily="34" charset="0"/>
               </a:rPr>
-              <a:t>(#1 of 11)</a:t>
+              <a:t>(#1 of </a:t>
+            </a:r>
+            <a:r>
+              <a:rPr lang="en-US" sz="2400" dirty="0" smtClean="0">
+                <a:solidFill>
+                  <a:srgbClr val="ECDA2D"/>
+                </a:solidFill>
+                <a:latin typeface="Bahnschrift SemiBold SemiConden" panose="020B0502040204020203" pitchFamily="34" charset="0"/>
+              </a:rPr>
+              <a:t>12)</a:t>
             </a:r>
             <a:endParaRPr lang="en-US" sz="2400" dirty="0">
               <a:solidFill>
@@ -9924,8 +9933,23 @@
                 </a:solidFill>
                 <a:latin typeface="Bahnschrift SemiBold SemiConden" panose="020B0502040204020203" pitchFamily="34" charset="0"/>
               </a:rPr>
-              <a:t>of 11)</a:t>
-            </a:r>
+              <a:t>of </a:t>
+            </a:r>
+            <a:r>
+              <a:rPr lang="en-US" sz="2400" dirty="0" smtClean="0">
+                <a:solidFill>
+                  <a:srgbClr val="ECDA2D"/>
+                </a:solidFill>
+                <a:latin typeface="Bahnschrift SemiBold SemiConden" panose="020B0502040204020203" pitchFamily="34" charset="0"/>
+              </a:rPr>
+              <a:t>12)</a:t>
+            </a:r>
+            <a:endParaRPr lang="en-US" sz="2400" dirty="0">
+              <a:solidFill>
+                <a:srgbClr val="ECDA2D"/>
+              </a:solidFill>
+              <a:latin typeface="Bahnschrift SemiBold SemiConden" panose="020B0502040204020203" pitchFamily="34" charset="0"/>
+            </a:endParaRPr>
           </a:p>
         </p:txBody>
       </p:sp>
@@ -11358,8 +11382,23 @@
                 </a:solidFill>
                 <a:latin typeface="Bahnschrift SemiBold SemiConden" panose="020B0502040204020203" pitchFamily="34" charset="0"/>
               </a:rPr>
-              <a:t>of 11)</a:t>
-            </a:r>
+              <a:t>of </a:t>
+            </a:r>
+            <a:r>
+              <a:rPr lang="en-US" sz="2400" dirty="0" smtClean="0">
+                <a:solidFill>
+                  <a:srgbClr val="ECDA2D"/>
+                </a:solidFill>
+                <a:latin typeface="Bahnschrift SemiBold SemiConden" panose="020B0502040204020203" pitchFamily="34" charset="0"/>
+              </a:rPr>
+              <a:t>12)</a:t>
+            </a:r>
+            <a:endParaRPr lang="en-US" sz="2400" dirty="0">
+              <a:solidFill>
+                <a:srgbClr val="ECDA2D"/>
+              </a:solidFill>
+              <a:latin typeface="Bahnschrift SemiBold SemiConden" panose="020B0502040204020203" pitchFamily="34" charset="0"/>
+            </a:endParaRPr>
           </a:p>
         </p:txBody>
       </p:sp>
@@ -11716,7 +11755,15 @@
                   <a:srgbClr val="F8A28B"/>
                 </a:solidFill>
               </a:rPr>
-              <a:t>//</a:t>
+              <a:t>#!</a:t>
+            </a:r>
+            <a:r>
+              <a:rPr lang="en-US" sz="1500" dirty="0" smtClean="0">
+                <a:solidFill>
+                  <a:srgbClr val="F8A28B"/>
+                </a:solidFill>
+              </a:rPr>
+              <a:t>/</a:t>
             </a:r>
             <a:r>
               <a:rPr lang="en-US" sz="1500" dirty="0" err="1" smtClean="0">
@@ -11732,8 +11779,37 @@
                   <a:srgbClr val="F8A28B"/>
                 </a:solidFill>
               </a:rPr>
-              <a:t>/bin/python3    (on Linux)</a:t>
-            </a:r>
+              <a:t>/bin/python3   </a:t>
+            </a:r>
+            <a:r>
+              <a:rPr lang="en-US" sz="1500" dirty="0" smtClean="0">
+                <a:solidFill>
+                  <a:srgbClr val="F8A28B"/>
+                </a:solidFill>
+              </a:rPr>
+              <a:t>     </a:t>
+            </a:r>
+            <a:r>
+              <a:rPr lang="en-US" sz="1500" dirty="0" smtClean="0">
+                <a:solidFill>
+                  <a:srgbClr val="F8A28B"/>
+                </a:solidFill>
+              </a:rPr>
+              <a:t>(on </a:t>
+            </a:r>
+            <a:r>
+              <a:rPr lang="en-US" sz="1500" dirty="0" smtClean="0">
+                <a:solidFill>
+                  <a:srgbClr val="F8A28B"/>
+                </a:solidFill>
+              </a:rPr>
+              <a:t>Linux to specify the interpreter)</a:t>
+            </a:r>
+            <a:endParaRPr lang="en-US" sz="1500" dirty="0" smtClean="0">
+              <a:solidFill>
+                <a:srgbClr val="F8A28B"/>
+              </a:solidFill>
+            </a:endParaRPr>
           </a:p>
           <a:p>
             <a:pPr marL="0" indent="0">
@@ -11764,8 +11840,53 @@
                   <a:srgbClr val="F8A28B"/>
                 </a:solidFill>
               </a:rPr>
-              <a:t># To run on Linux: ./hello_py.py</a:t>
-            </a:r>
+              <a:t># To run on Linux</a:t>
+            </a:r>
+            <a:r>
+              <a:rPr lang="en-US" sz="1500" smtClean="0">
+                <a:solidFill>
+                  <a:srgbClr val="F8A28B"/>
+                </a:solidFill>
+              </a:rPr>
+              <a:t>: </a:t>
+            </a:r>
+            <a:r>
+              <a:rPr lang="en-US" sz="1500" smtClean="0">
+                <a:solidFill>
+                  <a:srgbClr val="F8A28B"/>
+                </a:solidFill>
+              </a:rPr>
+              <a:t> ./</a:t>
+            </a:r>
+            <a:r>
+              <a:rPr lang="en-US" sz="1500" dirty="0" smtClean="0">
+                <a:solidFill>
+                  <a:srgbClr val="F8A28B"/>
+                </a:solidFill>
+              </a:rPr>
+              <a:t>hello_py.py</a:t>
+            </a:r>
+          </a:p>
+          <a:p>
+            <a:pPr marL="0" indent="0">
+              <a:spcBef>
+                <a:spcPts val="0"/>
+              </a:spcBef>
+              <a:buNone/>
+            </a:pPr>
+            <a:r>
+              <a:rPr lang="en-US" sz="1500" dirty="0" smtClean="0">
+                <a:solidFill>
+                  <a:srgbClr val="F8A28B"/>
+                </a:solidFill>
+              </a:rPr>
+              <a:t># To run on Windows and Linux:  python3 hello_py.py</a:t>
+            </a:r>
+            <a:endParaRPr lang="en-US" sz="1500" dirty="0" smtClean="0">
+              <a:solidFill>
+                <a:srgbClr val="F8A28B"/>
+              </a:solidFill>
+            </a:endParaRPr>
           </a:p>
           <a:p>
             <a:pPr marL="0" indent="0">
@@ -12530,8 +12651,23 @@
                 </a:solidFill>
                 <a:latin typeface="Bahnschrift SemiBold SemiConden" panose="020B0502040204020203" pitchFamily="34" charset="0"/>
               </a:rPr>
-              <a:t>of 11)</a:t>
-            </a:r>
+              <a:t>of </a:t>
+            </a:r>
+            <a:r>
+              <a:rPr lang="en-US" sz="2400" dirty="0" smtClean="0">
+                <a:solidFill>
+                  <a:srgbClr val="ECDA2D"/>
+                </a:solidFill>
+                <a:latin typeface="Bahnschrift SemiBold SemiConden" panose="020B0502040204020203" pitchFamily="34" charset="0"/>
+              </a:rPr>
+              <a:t>12)</a:t>
+            </a:r>
+            <a:endParaRPr lang="en-US" sz="2400" dirty="0">
+              <a:solidFill>
+                <a:srgbClr val="ECDA2D"/>
+              </a:solidFill>
+              <a:latin typeface="Bahnschrift SemiBold SemiConden" panose="020B0502040204020203" pitchFamily="34" charset="0"/>
+            </a:endParaRPr>
           </a:p>
         </p:txBody>
       </p:sp>
@@ -13544,9 +13680,45 @@
                 </a:solidFill>
                 <a:latin typeface="Bahnschrift SemiBold SemiConden" panose="020B0502040204020203" pitchFamily="34" charset="0"/>
               </a:rPr>
-              <a:t>PHP  -  1995  -  interpreted</a:t>
-            </a:r>
-            <a:endParaRPr lang="en-US" dirty="0">
+              <a:t>PHP  -  1995  -  </a:t>
+            </a:r>
+            <a:r>
+              <a:rPr lang="en-US" dirty="0">
+                <a:solidFill>
+                  <a:srgbClr val="ECDA2D"/>
+                </a:solidFill>
+                <a:latin typeface="Bahnschrift SemiBold SemiConden" panose="020B0502040204020203" pitchFamily="34" charset="0"/>
+              </a:rPr>
+              <a:t>interpreted </a:t>
+            </a:r>
+            <a:r>
+              <a:rPr lang="en-US" sz="2400" dirty="0" smtClean="0">
+                <a:solidFill>
+                  <a:srgbClr val="ECDA2D"/>
+                </a:solidFill>
+                <a:latin typeface="Bahnschrift SemiBold SemiConden" panose="020B0502040204020203" pitchFamily="34" charset="0"/>
+              </a:rPr>
+              <a:t>(#5 </a:t>
+            </a:r>
+            <a:r>
+              <a:rPr lang="en-US" sz="2400" dirty="0">
+                <a:solidFill>
+                  <a:srgbClr val="ECDA2D"/>
+                </a:solidFill>
+                <a:latin typeface="Bahnschrift SemiBold SemiConden" panose="020B0502040204020203" pitchFamily="34" charset="0"/>
+              </a:rPr>
+              <a:t>of </a:t>
+            </a:r>
+            <a:r>
+              <a:rPr lang="en-US" sz="2400" dirty="0" smtClean="0">
+                <a:solidFill>
+                  <a:srgbClr val="ECDA2D"/>
+                </a:solidFill>
+                <a:latin typeface="Bahnschrift SemiBold SemiConden" panose="020B0502040204020203" pitchFamily="34" charset="0"/>
+              </a:rPr>
+              <a:t>12)</a:t>
+            </a:r>
+            <a:endParaRPr lang="en-US" sz="2400" dirty="0">
               <a:solidFill>
                 <a:srgbClr val="ECDA2D"/>
               </a:solidFill>
@@ -14498,9 +14670,45 @@
                 </a:solidFill>
                 <a:latin typeface="Bahnschrift SemiBold SemiConden" panose="020B0502040204020203" pitchFamily="34" charset="0"/>
               </a:rPr>
-              <a:t>Ruby  -  1995  -  Interpreted</a:t>
-            </a:r>
-            <a:endParaRPr lang="en-US" dirty="0">
+              <a:t>Ruby  -  1995  -  </a:t>
+            </a:r>
+            <a:r>
+              <a:rPr lang="en-US" dirty="0">
+                <a:solidFill>
+                  <a:srgbClr val="ECDA2D"/>
+                </a:solidFill>
+                <a:latin typeface="Bahnschrift SemiBold SemiConden" panose="020B0502040204020203" pitchFamily="34" charset="0"/>
+              </a:rPr>
+              <a:t>Interpreted </a:t>
+            </a:r>
+            <a:r>
+              <a:rPr lang="en-US" sz="2400" dirty="0" smtClean="0">
+                <a:solidFill>
+                  <a:srgbClr val="ECDA2D"/>
+                </a:solidFill>
+                <a:latin typeface="Bahnschrift SemiBold SemiConden" panose="020B0502040204020203" pitchFamily="34" charset="0"/>
+              </a:rPr>
+              <a:t>(#6 </a:t>
+            </a:r>
+            <a:r>
+              <a:rPr lang="en-US" sz="2400" dirty="0">
+                <a:solidFill>
+                  <a:srgbClr val="ECDA2D"/>
+                </a:solidFill>
+                <a:latin typeface="Bahnschrift SemiBold SemiConden" panose="020B0502040204020203" pitchFamily="34" charset="0"/>
+              </a:rPr>
+              <a:t>of </a:t>
+            </a:r>
+            <a:r>
+              <a:rPr lang="en-US" sz="2400" dirty="0" smtClean="0">
+                <a:solidFill>
+                  <a:srgbClr val="ECDA2D"/>
+                </a:solidFill>
+                <a:latin typeface="Bahnschrift SemiBold SemiConden" panose="020B0502040204020203" pitchFamily="34" charset="0"/>
+              </a:rPr>
+              <a:t>12)</a:t>
+            </a:r>
+            <a:endParaRPr lang="en-US" sz="2400" dirty="0">
               <a:solidFill>
                 <a:srgbClr val="ECDA2D"/>
               </a:solidFill>
@@ -15707,8 +15915,50 @@
                 </a:solidFill>
                 <a:latin typeface="Bahnschrift SemiBold SemiConden" panose="020B0502040204020203" pitchFamily="34" charset="0"/>
               </a:rPr>
-              <a:t>compiled to Java byte-code; run on Java virtual machine</a:t>
-            </a:r>
+              <a:t>compiled to Java byte-code; run on Java virtual </a:t>
+            </a:r>
+            <a:r>
+              <a:rPr lang="en-US" dirty="0">
+                <a:solidFill>
+                  <a:srgbClr val="ECDA2D"/>
+                </a:solidFill>
+                <a:latin typeface="Bahnschrift SemiBold SemiConden" panose="020B0502040204020203" pitchFamily="34" charset="0"/>
+              </a:rPr>
+              <a:t>machine </a:t>
+            </a:r>
+            <a:r>
+              <a:rPr lang="en-US" sz="2400" dirty="0" smtClean="0">
+                <a:solidFill>
+                  <a:srgbClr val="ECDA2D"/>
+                </a:solidFill>
+                <a:latin typeface="Bahnschrift SemiBold SemiConden" panose="020B0502040204020203" pitchFamily="34" charset="0"/>
+              </a:rPr>
+              <a:t>(#7 </a:t>
+            </a:r>
+            <a:r>
+              <a:rPr lang="en-US" sz="2400" dirty="0">
+                <a:solidFill>
+                  <a:srgbClr val="ECDA2D"/>
+                </a:solidFill>
+                <a:latin typeface="Bahnschrift SemiBold SemiConden" panose="020B0502040204020203" pitchFamily="34" charset="0"/>
+              </a:rPr>
+              <a:t>of </a:t>
+            </a:r>
+            <a:r>
+              <a:rPr lang="en-US" sz="2400" dirty="0" smtClean="0">
+                <a:solidFill>
+                  <a:srgbClr val="ECDA2D"/>
+                </a:solidFill>
+                <a:latin typeface="Bahnschrift SemiBold SemiConden" panose="020B0502040204020203" pitchFamily="34" charset="0"/>
+              </a:rPr>
+              <a:t>12)</a:t>
+            </a:r>
+            <a:endParaRPr lang="en-US" sz="2400" dirty="0">
+              <a:solidFill>
+                <a:srgbClr val="ECDA2D"/>
+              </a:solidFill>
+              <a:latin typeface="Bahnschrift SemiBold SemiConden" panose="020B0502040204020203" pitchFamily="34" charset="0"/>
+            </a:endParaRPr>
           </a:p>
         </p:txBody>
       </p:sp>
@@ -17408,13 +17658,49 @@
           <a:p>
             <a:pPr marL="0" indent="0"/>
             <a:r>
-              <a:rPr lang="en-US" dirty="0" smtClean="0">
+              <a:rPr lang="en-US" sz="4900" dirty="0" smtClean="0">
                 <a:solidFill>
                   <a:srgbClr val="ECDA2D"/>
                 </a:solidFill>
                 <a:latin typeface="Bahnschrift SemiBold SemiConden" panose="020B0502040204020203" pitchFamily="34" charset="0"/>
               </a:rPr>
-              <a:t>Kotlin  -  2011  -  compiled to Java byte-code; run on Java virtual machine</a:t>
+              <a:t>Kotlin  -  2011  -  compiled to Java byte-code; run on Java virtual </a:t>
+            </a:r>
+            <a:r>
+              <a:rPr lang="en-US" sz="4900" dirty="0" smtClean="0">
+                <a:solidFill>
+                  <a:srgbClr val="ECDA2D"/>
+                </a:solidFill>
+                <a:latin typeface="Bahnschrift SemiBold SemiConden" panose="020B0502040204020203" pitchFamily="34" charset="0"/>
+              </a:rPr>
+              <a:t>machine </a:t>
+            </a:r>
+            <a:r>
+              <a:rPr lang="en-US" sz="2700" dirty="0" smtClean="0">
+                <a:solidFill>
+                  <a:srgbClr val="ECDA2D"/>
+                </a:solidFill>
+                <a:latin typeface="Bahnschrift SemiBold SemiConden" panose="020B0502040204020203" pitchFamily="34" charset="0"/>
+              </a:rPr>
+              <a:t>(#8 </a:t>
+            </a:r>
+            <a:r>
+              <a:rPr lang="en-US" sz="2700" dirty="0">
+                <a:solidFill>
+                  <a:srgbClr val="ECDA2D"/>
+                </a:solidFill>
+                <a:latin typeface="Bahnschrift SemiBold SemiConden" panose="020B0502040204020203" pitchFamily="34" charset="0"/>
+              </a:rPr>
+              <a:t>of </a:t>
+            </a:r>
+            <a:r>
+              <a:rPr lang="en-US" sz="2700" dirty="0" smtClean="0">
+                <a:solidFill>
+                  <a:srgbClr val="ECDA2D"/>
+                </a:solidFill>
+                <a:latin typeface="Bahnschrift SemiBold SemiConden" panose="020B0502040204020203" pitchFamily="34" charset="0"/>
+              </a:rPr>
+              <a:t>12)</a:t>
             </a:r>
             <a:r>
               <a:rPr lang="en-US" dirty="0" smtClean="0"/>
@@ -18026,7 +18312,16 @@
                 </a:solidFill>
                 <a:latin typeface="Bahnschrift SemiBold SemiConden" panose="020B0502040204020203" pitchFamily="34" charset="0"/>
               </a:rPr>
-              <a:t> behaviors</a:t>
+              <a:t> </a:t>
+            </a:r>
+            <a:r>
+              <a:rPr lang="en-US" dirty="0" smtClean="0">
+                <a:solidFill>
+                  <a:srgbClr val="ECDA2D"/>
+                </a:solidFill>
+                <a:latin typeface="Bahnschrift SemiBold SemiConden" panose="020B0502040204020203" pitchFamily="34" charset="0"/>
+              </a:rPr>
+              <a:t>behaviors  </a:t>
             </a:r>
             <a:r>
               <a:rPr lang="en-US" dirty="0" smtClean="0"/>
@@ -18552,9 +18847,45 @@
                 </a:solidFill>
                 <a:latin typeface="Bahnschrift SemiBold SemiConden" panose="020B0502040204020203" pitchFamily="34" charset="0"/>
               </a:rPr>
-              <a:t>C#  -  2000  -  compiled  (Microsoft Windows platform)</a:t>
-            </a:r>
-            <a:endParaRPr lang="en-US" dirty="0">
+              <a:t>C#  -  2000  -  compiled  (Microsoft Windows platform</a:t>
+            </a:r>
+            <a:r>
+              <a:rPr lang="en-US" dirty="0">
+                <a:solidFill>
+                  <a:srgbClr val="ECDA2D"/>
+                </a:solidFill>
+                <a:latin typeface="Bahnschrift SemiBold SemiConden" panose="020B0502040204020203" pitchFamily="34" charset="0"/>
+              </a:rPr>
+              <a:t>) </a:t>
+            </a:r>
+            <a:r>
+              <a:rPr lang="en-US" sz="2400" dirty="0" smtClean="0">
+                <a:solidFill>
+                  <a:srgbClr val="ECDA2D"/>
+                </a:solidFill>
+                <a:latin typeface="Bahnschrift SemiBold SemiConden" panose="020B0502040204020203" pitchFamily="34" charset="0"/>
+              </a:rPr>
+              <a:t>(#9 </a:t>
+            </a:r>
+            <a:r>
+              <a:rPr lang="en-US" sz="2400" dirty="0">
+                <a:solidFill>
+                  <a:srgbClr val="ECDA2D"/>
+                </a:solidFill>
+                <a:latin typeface="Bahnschrift SemiBold SemiConden" panose="020B0502040204020203" pitchFamily="34" charset="0"/>
+              </a:rPr>
+              <a:t>of </a:t>
+            </a:r>
+            <a:r>
+              <a:rPr lang="en-US" sz="2400" dirty="0" smtClean="0">
+                <a:solidFill>
+                  <a:srgbClr val="ECDA2D"/>
+                </a:solidFill>
+                <a:latin typeface="Bahnschrift SemiBold SemiConden" panose="020B0502040204020203" pitchFamily="34" charset="0"/>
+              </a:rPr>
+              <a:t>12)</a:t>
+            </a:r>
+            <a:endParaRPr lang="en-US" sz="2400" dirty="0">
               <a:solidFill>
                 <a:srgbClr val="ECDA2D"/>
               </a:solidFill>
@@ -19548,9 +19879,45 @@
                 </a:solidFill>
                 <a:latin typeface="Bahnschrift SemiBold SemiConden" panose="020B0502040204020203" pitchFamily="34" charset="0"/>
               </a:rPr>
-              <a:t>Go  -  2009  -  compiled</a:t>
-            </a:r>
-            <a:endParaRPr lang="en-US" dirty="0">
+              <a:t>Go  -  2009  -  </a:t>
+            </a:r>
+            <a:r>
+              <a:rPr lang="en-US" dirty="0">
+                <a:solidFill>
+                  <a:srgbClr val="ECDA2D"/>
+                </a:solidFill>
+                <a:latin typeface="Bahnschrift SemiBold SemiConden" panose="020B0502040204020203" pitchFamily="34" charset="0"/>
+              </a:rPr>
+              <a:t>compiled </a:t>
+            </a:r>
+            <a:r>
+              <a:rPr lang="en-US" sz="2400" dirty="0" smtClean="0">
+                <a:solidFill>
+                  <a:srgbClr val="ECDA2D"/>
+                </a:solidFill>
+                <a:latin typeface="Bahnschrift SemiBold SemiConden" panose="020B0502040204020203" pitchFamily="34" charset="0"/>
+              </a:rPr>
+              <a:t>(#10 </a:t>
+            </a:r>
+            <a:r>
+              <a:rPr lang="en-US" sz="2400" dirty="0">
+                <a:solidFill>
+                  <a:srgbClr val="ECDA2D"/>
+                </a:solidFill>
+                <a:latin typeface="Bahnschrift SemiBold SemiConden" panose="020B0502040204020203" pitchFamily="34" charset="0"/>
+              </a:rPr>
+              <a:t>of </a:t>
+            </a:r>
+            <a:r>
+              <a:rPr lang="en-US" sz="2400" dirty="0" smtClean="0">
+                <a:solidFill>
+                  <a:srgbClr val="ECDA2D"/>
+                </a:solidFill>
+                <a:latin typeface="Bahnschrift SemiBold SemiConden" panose="020B0502040204020203" pitchFamily="34" charset="0"/>
+              </a:rPr>
+              <a:t>12)</a:t>
+            </a:r>
+            <a:endParaRPr lang="en-US" sz="2400" dirty="0">
               <a:solidFill>
                 <a:srgbClr val="ECDA2D"/>
               </a:solidFill>
@@ -20847,9 +21214,45 @@
                 </a:solidFill>
                 <a:latin typeface="Bahnschrift SemiBold SemiConden" panose="020B0502040204020203" pitchFamily="34" charset="0"/>
               </a:rPr>
-              <a:t>Rust  -  2010  -  compiled</a:t>
-            </a:r>
-            <a:endParaRPr lang="en-US" dirty="0">
+              <a:t>Rust  -  2010  -  </a:t>
+            </a:r>
+            <a:r>
+              <a:rPr lang="en-US" dirty="0">
+                <a:solidFill>
+                  <a:srgbClr val="ECDA2D"/>
+                </a:solidFill>
+                <a:latin typeface="Bahnschrift SemiBold SemiConden" panose="020B0502040204020203" pitchFamily="34" charset="0"/>
+              </a:rPr>
+              <a:t>compiled </a:t>
+            </a:r>
+            <a:r>
+              <a:rPr lang="en-US" sz="2400" dirty="0" smtClean="0">
+                <a:solidFill>
+                  <a:srgbClr val="ECDA2D"/>
+                </a:solidFill>
+                <a:latin typeface="Bahnschrift SemiBold SemiConden" panose="020B0502040204020203" pitchFamily="34" charset="0"/>
+              </a:rPr>
+              <a:t>(#11 </a:t>
+            </a:r>
+            <a:r>
+              <a:rPr lang="en-US" sz="2400" dirty="0">
+                <a:solidFill>
+                  <a:srgbClr val="ECDA2D"/>
+                </a:solidFill>
+                <a:latin typeface="Bahnschrift SemiBold SemiConden" panose="020B0502040204020203" pitchFamily="34" charset="0"/>
+              </a:rPr>
+              <a:t>of </a:t>
+            </a:r>
+            <a:r>
+              <a:rPr lang="en-US" sz="2400" dirty="0" smtClean="0">
+                <a:solidFill>
+                  <a:srgbClr val="ECDA2D"/>
+                </a:solidFill>
+                <a:latin typeface="Bahnschrift SemiBold SemiConden" panose="020B0502040204020203" pitchFamily="34" charset="0"/>
+              </a:rPr>
+              <a:t>12)</a:t>
+            </a:r>
+            <a:endParaRPr lang="en-US" sz="2400" dirty="0">
               <a:solidFill>
                 <a:srgbClr val="ECDA2D"/>
               </a:solidFill>
@@ -21895,9 +22298,45 @@
                 </a:solidFill>
                 <a:latin typeface="Bahnschrift SemiBold SemiConden" panose="020B0502040204020203" pitchFamily="34" charset="0"/>
               </a:rPr>
-              <a:t>Swift  -  2014  -  compiled</a:t>
-            </a:r>
-            <a:endParaRPr lang="en-US" dirty="0">
+              <a:t>Swift  -  2014  -  </a:t>
+            </a:r>
+            <a:r>
+              <a:rPr lang="en-US" dirty="0">
+                <a:solidFill>
+                  <a:srgbClr val="ECDA2D"/>
+                </a:solidFill>
+                <a:latin typeface="Bahnschrift SemiBold SemiConden" panose="020B0502040204020203" pitchFamily="34" charset="0"/>
+              </a:rPr>
+              <a:t>compiled </a:t>
+            </a:r>
+            <a:r>
+              <a:rPr lang="en-US" sz="2400" dirty="0" smtClean="0">
+                <a:solidFill>
+                  <a:srgbClr val="ECDA2D"/>
+                </a:solidFill>
+                <a:latin typeface="Bahnschrift SemiBold SemiConden" panose="020B0502040204020203" pitchFamily="34" charset="0"/>
+              </a:rPr>
+              <a:t>(#12 </a:t>
+            </a:r>
+            <a:r>
+              <a:rPr lang="en-US" sz="2400" dirty="0">
+                <a:solidFill>
+                  <a:srgbClr val="ECDA2D"/>
+                </a:solidFill>
+                <a:latin typeface="Bahnschrift SemiBold SemiConden" panose="020B0502040204020203" pitchFamily="34" charset="0"/>
+              </a:rPr>
+              <a:t>of </a:t>
+            </a:r>
+            <a:r>
+              <a:rPr lang="en-US" sz="2400" dirty="0" smtClean="0">
+                <a:solidFill>
+                  <a:srgbClr val="ECDA2D"/>
+                </a:solidFill>
+                <a:latin typeface="Bahnschrift SemiBold SemiConden" panose="020B0502040204020203" pitchFamily="34" charset="0"/>
+              </a:rPr>
+              <a:t>12)</a:t>
+            </a:r>
+            <a:endParaRPr lang="en-US" sz="2400" dirty="0">
               <a:solidFill>
                 <a:srgbClr val="ECDA2D"/>
               </a:solidFill>
@@ -34688,41 +35127,17 @@
                 </a:solidFill>
                 <a:cs typeface="Times New Roman" panose="02020603050405020304" pitchFamily="18" charset="0"/>
               </a:rPr>
-              <a:t>No </a:t>
-            </a:r>
-            <a:r>
-              <a:rPr lang="en-US" sz="1800" b="1" dirty="0" smtClean="0">
+              <a:t>No Single Winner.  But </a:t>
+            </a:r>
+            <a:r>
+              <a:rPr lang="en-US" sz="1800" dirty="0" smtClean="0">
                 <a:solidFill>
                   <a:srgbClr val="81C8BD"/>
                 </a:solidFill>
                 <a:cs typeface="Times New Roman" panose="02020603050405020304" pitchFamily="18" charset="0"/>
               </a:rPr>
-              <a:t>Single</a:t>
-            </a:r>
-            <a:r>
-              <a:rPr lang="en-US" sz="1800" b="1" dirty="0" smtClean="0">
-                <a:solidFill>
-                  <a:srgbClr val="81C8BD"/>
-                </a:solidFill>
-                <a:cs typeface="Times New Roman" panose="02020603050405020304" pitchFamily="18" charset="0"/>
-              </a:rPr>
-              <a:t> Winner.  But </a:t>
-            </a:r>
-            <a:r>
-              <a:rPr lang="en-US" sz="1800" dirty="0" smtClean="0">
-                <a:solidFill>
-                  <a:srgbClr val="81C8BD"/>
-                </a:solidFill>
-                <a:cs typeface="Times New Roman" panose="02020603050405020304" pitchFamily="18" charset="0"/>
-              </a:rPr>
               <a:t>… …</a:t>
             </a:r>
-            <a:endParaRPr lang="en-US" sz="1800" dirty="0" smtClean="0">
-              <a:solidFill>
-                <a:srgbClr val="81C8BD"/>
-              </a:solidFill>
-              <a:cs typeface="Times New Roman" panose="02020603050405020304" pitchFamily="18" charset="0"/>
-            </a:endParaRPr>
           </a:p>
           <a:p>
             <a:pPr marL="0" indent="0">
@@ -34891,61 +35306,7 @@
                 </a:solidFill>
                 <a:cs typeface="Times New Roman" panose="02020603050405020304" pitchFamily="18" charset="0"/>
               </a:rPr>
-              <a:t>Interpreters </a:t>
-            </a:r>
-            <a:r>
-              <a:rPr lang="en-US" sz="1800" dirty="0" smtClean="0">
-                <a:solidFill>
-                  <a:srgbClr val="81C8BD"/>
-                </a:solidFill>
-                <a:cs typeface="Times New Roman" panose="02020603050405020304" pitchFamily="18" charset="0"/>
-              </a:rPr>
-              <a:t>offer good input protection </a:t>
-            </a:r>
-            <a:r>
-              <a:rPr lang="en-US" sz="1800" dirty="0" smtClean="0">
-                <a:solidFill>
-                  <a:srgbClr val="81C8BD"/>
-                </a:solidFill>
-                <a:cs typeface="Times New Roman" panose="02020603050405020304" pitchFamily="18" charset="0"/>
-              </a:rPr>
-              <a:t>&amp;</a:t>
-            </a:r>
-            <a:r>
-              <a:rPr lang="en-US" sz="1800" dirty="0" smtClean="0">
-                <a:solidFill>
-                  <a:srgbClr val="81C8BD"/>
-                </a:solidFill>
-                <a:cs typeface="Times New Roman" panose="02020603050405020304" pitchFamily="18" charset="0"/>
-              </a:rPr>
-              <a:t> </a:t>
-            </a:r>
-            <a:r>
-              <a:rPr lang="en-US" sz="1800" dirty="0" smtClean="0">
-                <a:solidFill>
-                  <a:srgbClr val="81C8BD"/>
-                </a:solidFill>
-                <a:cs typeface="Times New Roman" panose="02020603050405020304" pitchFamily="18" charset="0"/>
-              </a:rPr>
-              <a:t>protection </a:t>
-            </a:r>
-            <a:r>
-              <a:rPr lang="en-US" sz="1800" dirty="0" smtClean="0">
-                <a:solidFill>
-                  <a:srgbClr val="81C8BD"/>
-                </a:solidFill>
-                <a:cs typeface="Times New Roman" panose="02020603050405020304" pitchFamily="18" charset="0"/>
-              </a:rPr>
-              <a:t>of variables but </a:t>
-            </a:r>
-            <a:r>
-              <a:rPr lang="en-US" sz="1800" dirty="0" smtClean="0">
-                <a:solidFill>
-                  <a:srgbClr val="81C8BD"/>
-                </a:solidFill>
-                <a:cs typeface="Times New Roman" panose="02020603050405020304" pitchFamily="18" charset="0"/>
-              </a:rPr>
-              <a:t>are less suited for systems work</a:t>
+              <a:t>Interpreters offer good input protection &amp; protection of variables but are less suited for systems work</a:t>
             </a:r>
           </a:p>
           <a:p>

--- a/Presentation.pptx
+++ b/Presentation.pptx
@@ -249,7 +249,7 @@
           <a:p>
             <a:fld id="{D5E4D04E-A147-4C8A-94A7-F57754D1BB44}" type="datetimeFigureOut">
               <a:rPr lang="en-US" smtClean="0"/>
-              <a:t>7/29/2023</a:t>
+              <a:t>7/30/2023</a:t>
             </a:fld>
             <a:endParaRPr lang="en-US"/>
           </a:p>
@@ -2645,7 +2645,7 @@
           <a:p>
             <a:fld id="{969F799F-711D-4AAC-9630-4A4951459738}" type="datetime1">
               <a:rPr lang="en-US" smtClean="0"/>
-              <a:t>7/29/2023</a:t>
+              <a:t>7/30/2023</a:t>
             </a:fld>
             <a:endParaRPr lang="en-US"/>
           </a:p>
@@ -2819,7 +2819,7 @@
           <a:p>
             <a:fld id="{A441326F-0BD8-47B2-B629-53F059A893D2}" type="datetime1">
               <a:rPr lang="en-US" smtClean="0"/>
-              <a:t>7/29/2023</a:t>
+              <a:t>7/30/2023</a:t>
             </a:fld>
             <a:endParaRPr lang="en-US"/>
           </a:p>
@@ -3003,7 +3003,7 @@
           <a:p>
             <a:fld id="{95F82B43-351D-404A-8122-6E359CCAFFEF}" type="datetime1">
               <a:rPr lang="en-US" smtClean="0"/>
-              <a:t>7/29/2023</a:t>
+              <a:t>7/30/2023</a:t>
             </a:fld>
             <a:endParaRPr lang="en-US"/>
           </a:p>
@@ -3177,7 +3177,7 @@
           <a:p>
             <a:fld id="{C5DA54C9-2123-4872-A824-375C0DC2B20B}" type="datetime1">
               <a:rPr lang="en-US" smtClean="0"/>
-              <a:t>7/29/2023</a:t>
+              <a:t>7/30/2023</a:t>
             </a:fld>
             <a:endParaRPr lang="en-US"/>
           </a:p>
@@ -3427,7 +3427,7 @@
           <a:p>
             <a:fld id="{1726678C-D213-4395-B4F2-919CE7EA7F38}" type="datetime1">
               <a:rPr lang="en-US" smtClean="0"/>
-              <a:t>7/29/2023</a:t>
+              <a:t>7/30/2023</a:t>
             </a:fld>
             <a:endParaRPr lang="en-US"/>
           </a:p>
@@ -3663,7 +3663,7 @@
           <a:p>
             <a:fld id="{32003B9E-BD94-4E9B-96AC-AD0D3906BB91}" type="datetime1">
               <a:rPr lang="en-US" smtClean="0"/>
-              <a:t>7/29/2023</a:t>
+              <a:t>7/30/2023</a:t>
             </a:fld>
             <a:endParaRPr lang="en-US"/>
           </a:p>
@@ -4034,7 +4034,7 @@
           <a:p>
             <a:fld id="{E8B540CE-B6AA-47C8-A583-FFACC6B760BD}" type="datetime1">
               <a:rPr lang="en-US" smtClean="0"/>
-              <a:t>7/29/2023</a:t>
+              <a:t>7/30/2023</a:t>
             </a:fld>
             <a:endParaRPr lang="en-US"/>
           </a:p>
@@ -4156,7 +4156,7 @@
           <a:p>
             <a:fld id="{B281AC48-1C3C-4141-8B3A-FB5C5DFBC1CD}" type="datetime1">
               <a:rPr lang="en-US" smtClean="0"/>
-              <a:t>7/29/2023</a:t>
+              <a:t>7/30/2023</a:t>
             </a:fld>
             <a:endParaRPr lang="en-US"/>
           </a:p>
@@ -4255,7 +4255,7 @@
           <a:p>
             <a:fld id="{0E616707-81DB-4BAE-AB03-0ACE2E802F36}" type="datetime1">
               <a:rPr lang="en-US" smtClean="0"/>
-              <a:t>7/29/2023</a:t>
+              <a:t>7/30/2023</a:t>
             </a:fld>
             <a:endParaRPr lang="en-US"/>
           </a:p>
@@ -4536,7 +4536,7 @@
           <a:p>
             <a:fld id="{C68E0C2D-6637-4F6D-BCAA-808E5463DCD6}" type="datetime1">
               <a:rPr lang="en-US" smtClean="0"/>
-              <a:t>7/29/2023</a:t>
+              <a:t>7/30/2023</a:t>
             </a:fld>
             <a:endParaRPr lang="en-US"/>
           </a:p>
@@ -4797,7 +4797,7 @@
           <a:p>
             <a:fld id="{2E8019EF-C720-4725-8237-AE20117B811F}" type="datetime1">
               <a:rPr lang="en-US" smtClean="0"/>
-              <a:t>7/29/2023</a:t>
+              <a:t>7/30/2023</a:t>
             </a:fld>
             <a:endParaRPr lang="en-US"/>
           </a:p>
@@ -5039,7 +5039,7 @@
           <a:p>
             <a:fld id="{B133FD41-418E-4014-81D8-4634A5331B18}" type="datetime1">
               <a:rPr lang="en-US" smtClean="0"/>
-              <a:t>7/29/2023</a:t>
+              <a:t>7/30/2023</a:t>
             </a:fld>
             <a:endParaRPr lang="en-US"/>
           </a:p>
@@ -5639,19 +5639,35 @@
                   <a:srgbClr val="81C8BD"/>
                 </a:solidFill>
               </a:rPr>
-              <a:t>n 1970s/80s versions, the interpreter also served as text editor</a:t>
-            </a:r>
-          </a:p>
-          <a:p>
-            <a:pPr marL="0" indent="0">
-              <a:buNone/>
-            </a:pPr>
+              <a:t>n 1970s/80s versions, the interpreter also served as </a:t>
+            </a:r>
             <a:r>
               <a:rPr lang="en-US" sz="1600" dirty="0" smtClean="0">
                 <a:solidFill>
                   <a:srgbClr val="81C8BD"/>
                 </a:solidFill>
               </a:rPr>
+              <a:t>a text </a:t>
+            </a:r>
+            <a:r>
+              <a:rPr lang="en-US" sz="1600" dirty="0" smtClean="0">
+                <a:solidFill>
+                  <a:srgbClr val="81C8BD"/>
+                </a:solidFill>
+              </a:rPr>
+              <a:t>editor</a:t>
+            </a:r>
+          </a:p>
+          <a:p>
+            <a:pPr marL="0" indent="0">
+              <a:buNone/>
+            </a:pPr>
+            <a:r>
+              <a:rPr lang="en-US" sz="1600" dirty="0" smtClean="0">
+                <a:solidFill>
+                  <a:srgbClr val="81C8BD"/>
+                </a:solidFill>
+              </a:rPr>
               <a:t>Upon entering a program line, the interpreter tokenized keywords to save on memory space and increase program execution speed.  Originally a teaching language; widely-used on PCs and mid-range systems</a:t>
             </a:r>
           </a:p>
@@ -5665,19 +5681,67 @@
                   <a:srgbClr val="81C8BD"/>
                 </a:solidFill>
               </a:rPr>
-              <a:t>Program terminated on invalid IO / div by zero / subscript overrun / invalid variable unless language implemented error trapping</a:t>
-            </a:r>
-          </a:p>
-          <a:p>
-            <a:pPr marL="0" indent="0">
-              <a:buNone/>
-            </a:pPr>
+              <a:t>Program terminated on invalid </a:t>
+            </a:r>
             <a:r>
               <a:rPr lang="en-US" sz="1600" dirty="0" smtClean="0">
                 <a:solidFill>
                   <a:srgbClr val="81C8BD"/>
                 </a:solidFill>
               </a:rPr>
+              <a:t>I/O </a:t>
+            </a:r>
+            <a:r>
+              <a:rPr lang="en-US" sz="1600" dirty="0" smtClean="0">
+                <a:solidFill>
+                  <a:srgbClr val="81C8BD"/>
+                </a:solidFill>
+              </a:rPr>
+              <a:t>/ div by zero / subscript overrun / invalid variable </a:t>
+            </a:r>
+            <a:r>
+              <a:rPr lang="en-US" sz="1600" dirty="0" smtClean="0">
+                <a:solidFill>
+                  <a:srgbClr val="81C8BD"/>
+                </a:solidFill>
+              </a:rPr>
+              <a:t>unless the </a:t>
+            </a:r>
+            <a:r>
+              <a:rPr lang="en-US" sz="1600" dirty="0" smtClean="0">
+                <a:solidFill>
+                  <a:srgbClr val="81C8BD"/>
+                </a:solidFill>
+              </a:rPr>
+              <a:t>language </a:t>
+            </a:r>
+            <a:r>
+              <a:rPr lang="en-US" sz="1600" dirty="0" smtClean="0">
+                <a:solidFill>
+                  <a:srgbClr val="81C8BD"/>
+                </a:solidFill>
+              </a:rPr>
+              <a:t>variant implemented </a:t>
+            </a:r>
+            <a:r>
+              <a:rPr lang="en-US" sz="1600" dirty="0" smtClean="0">
+                <a:solidFill>
+                  <a:srgbClr val="81C8BD"/>
+                </a:solidFill>
+              </a:rPr>
+              <a:t>error trapping</a:t>
+            </a:r>
+          </a:p>
+          <a:p>
+            <a:pPr marL="0" indent="0">
+              <a:buNone/>
+            </a:pPr>
+            <a:r>
+              <a:rPr lang="en-US" sz="1600" dirty="0" smtClean="0">
+                <a:solidFill>
+                  <a:srgbClr val="81C8BD"/>
+                </a:solidFill>
+              </a:rPr>
               <a:t>Historically, variable types were floating point numbers and strings</a:t>
             </a:r>
           </a:p>
@@ -5691,20 +5755,44 @@
                   <a:srgbClr val="81C8BD"/>
                 </a:solidFill>
               </a:rPr>
-              <a:t>Input statement variable was a string; limited to 255 chars (max string length)</a:t>
-            </a:r>
-          </a:p>
-          <a:p>
-            <a:pPr marL="0" indent="0">
-              <a:buNone/>
-            </a:pPr>
+              <a:t>Input statement variable was a string; </a:t>
+            </a:r>
             <a:r>
               <a:rPr lang="en-US" sz="1600" dirty="0" smtClean="0">
                 <a:solidFill>
                   <a:srgbClr val="81C8BD"/>
                 </a:solidFill>
               </a:rPr>
-              <a:t>Cannot overrun variables</a:t>
+              <a:t>variable length limited </a:t>
+            </a:r>
+            <a:r>
+              <a:rPr lang="en-US" sz="1600" dirty="0" smtClean="0">
+                <a:solidFill>
+                  <a:srgbClr val="81C8BD"/>
+                </a:solidFill>
+              </a:rPr>
+              <a:t>to 255 chars (max string length)</a:t>
+            </a:r>
+          </a:p>
+          <a:p>
+            <a:pPr marL="0" indent="0">
+              <a:buNone/>
+            </a:pPr>
+            <a:r>
+              <a:rPr lang="en-US" sz="1600" smtClean="0">
+                <a:solidFill>
+                  <a:srgbClr val="81C8BD"/>
+                </a:solidFill>
+              </a:rPr>
+              <a:t>Could not </a:t>
+            </a:r>
+            <a:r>
+              <a:rPr lang="en-US" sz="1600" dirty="0" smtClean="0">
+                <a:solidFill>
+                  <a:srgbClr val="81C8BD"/>
+                </a:solidFill>
+              </a:rPr>
+              <a:t>overrun variables</a:t>
             </a:r>
           </a:p>
           <a:p>
@@ -7685,7 +7773,7 @@
                   <a:srgbClr val="81C8BD"/>
                 </a:solidFill>
               </a:rPr>
-              <a:t>I/O, </a:t>
+              <a:t>I/O, 80 / 96 character card </a:t>
             </a:r>
             <a:r>
               <a:rPr lang="en-US" sz="1800" dirty="0">
@@ -7693,7 +7781,7 @@
                   <a:srgbClr val="81C8BD"/>
                 </a:solidFill>
               </a:rPr>
-              <a:t>card input, fielded 3270 screens</a:t>
+              <a:t>input, fielded 3270 screens</a:t>
             </a:r>
           </a:p>
           <a:p>
@@ -7726,13 +7814,34 @@
               </a:spcBef>
             </a:pPr>
             <a:r>
+              <a:rPr lang="en-US" sz="1800" dirty="0" smtClean="0">
+                <a:solidFill>
+                  <a:srgbClr val="81C8BD"/>
+                </a:solidFill>
+              </a:rPr>
+              <a:t>Programs </a:t>
+            </a:r>
+            <a:r>
               <a:rPr lang="en-US" sz="1800" dirty="0">
                 <a:solidFill>
                   <a:srgbClr val="81C8BD"/>
                 </a:solidFill>
               </a:rPr>
-              <a:t>Programs generally terminated on divide by zero, subscript out of bounds, I/O error</a:t>
-            </a:r>
+              <a:t>terminated on divide by zero, subscript out of bounds, I/O </a:t>
+            </a:r>
+            <a:r>
+              <a:rPr lang="en-US" sz="1800" dirty="0" smtClean="0">
+                <a:solidFill>
+                  <a:srgbClr val="81C8BD"/>
+                </a:solidFill>
+              </a:rPr>
+              <a:t>error, bad data, invalid mem ref</a:t>
+            </a:r>
+            <a:endParaRPr lang="en-US" sz="1800" dirty="0">
+              <a:solidFill>
+                <a:srgbClr val="81C8BD"/>
+              </a:solidFill>
+            </a:endParaRPr>
           </a:p>
           <a:p>
             <a:pPr>
@@ -7837,7 +7946,7 @@
                   <a:srgbClr val="81C8BD"/>
                 </a:solidFill>
               </a:rPr>
-              <a:t>input.  (  </a:t>
+              <a:t>input  (  </a:t>
             </a:r>
             <a:r>
               <a:rPr lang="en-US" sz="1800" dirty="0" smtClean="0">
@@ -7897,7 +8006,7 @@
                   <a:srgbClr val="81C8BD"/>
                 </a:solidFill>
               </a:rPr>
-              <a:t>network connectivity, the Internet, and API Methods</a:t>
+              <a:t>network connectivity / Internet</a:t>
             </a:r>
             <a:r>
               <a:rPr lang="en-US" sz="1800" dirty="0">
@@ -7905,7 +8014,39 @@
                   <a:srgbClr val="81C8BD"/>
                 </a:solidFill>
               </a:rPr>
-              <a:t>, input was from keyboard, disk, tape and </a:t>
+              <a:t> </a:t>
+            </a:r>
+            <a:r>
+              <a:rPr lang="en-US" sz="1800" dirty="0" smtClean="0">
+                <a:solidFill>
+                  <a:srgbClr val="81C8BD"/>
+                </a:solidFill>
+              </a:rPr>
+              <a:t>/ API Methods</a:t>
+            </a:r>
+            <a:r>
+              <a:rPr lang="en-US" sz="1800" dirty="0">
+                <a:solidFill>
+                  <a:srgbClr val="81C8BD"/>
+                </a:solidFill>
+              </a:rPr>
+              <a:t>, input was from </a:t>
+            </a:r>
+            <a:r>
+              <a:rPr lang="en-US" sz="1800" dirty="0" smtClean="0">
+                <a:solidFill>
+                  <a:srgbClr val="81C8BD"/>
+                </a:solidFill>
+              </a:rPr>
+              <a:t>keyboard / disk / </a:t>
+            </a:r>
+            <a:r>
+              <a:rPr lang="en-US" sz="1800" dirty="0">
+                <a:solidFill>
+                  <a:srgbClr val="81C8BD"/>
+                </a:solidFill>
+              </a:rPr>
+              <a:t>tape and </a:t>
             </a:r>
             <a:r>
               <a:rPr lang="en-US" sz="1800" dirty="0" smtClean="0">
@@ -7971,7 +8112,7 @@
                   <a:srgbClr val="81C8BD"/>
                 </a:solidFill>
               </a:rPr>
-              <a:t>OS and Language controls were effected on Variables </a:t>
+              <a:t>OS and Language controls were effected program input and on Variables </a:t>
             </a:r>
             <a:r>
               <a:rPr lang="en-US" sz="1800" dirty="0">
@@ -7987,7 +8128,7 @@
                   <a:srgbClr val="81C8BD"/>
                 </a:solidFill>
               </a:rPr>
-              <a:t>overruns and on program input</a:t>
+              <a:t>data overruns</a:t>
             </a:r>
             <a:endParaRPr lang="en-US" sz="1800" dirty="0">
               <a:solidFill>
@@ -8017,7 +8158,7 @@
                   <a:srgbClr val="81C8BD"/>
                 </a:solidFill>
               </a:rPr>
-              <a:t>memory Pointer variables, or were </a:t>
+              <a:t>memory Pointer variables, or they were </a:t>
             </a:r>
             <a:r>
               <a:rPr lang="en-US" sz="1800" dirty="0">
@@ -8050,7 +8191,15 @@
                   <a:srgbClr val="81C8BD"/>
                 </a:solidFill>
               </a:rPr>
-              <a:t>Program execution stopped upon invalid references, out-of-bound subscripts, data overruns </a:t>
+              <a:t>Program execution stopped upon invalid references, out-of-bounds subscripts, data overruns, </a:t>
+            </a:r>
+            <a:r>
+              <a:rPr lang="en-US" sz="1800" dirty="0" err="1" smtClean="0">
+                <a:solidFill>
+                  <a:srgbClr val="81C8BD"/>
+                </a:solidFill>
+              </a:rPr>
+              <a:t>etc</a:t>
             </a:r>
             <a:endParaRPr lang="en-US" sz="1800" dirty="0">
               <a:solidFill>
@@ -8067,12 +8216,20 @@
               <a:buChar char="§"/>
             </a:pPr>
             <a:r>
+              <a:rPr lang="en-US" sz="1800" dirty="0" smtClean="0">
+                <a:solidFill>
+                  <a:srgbClr val="81C8BD"/>
+                </a:solidFill>
+              </a:rPr>
+              <a:t>APIs </a:t>
+            </a:r>
+            <a:r>
               <a:rPr lang="en-US" sz="1800" dirty="0">
                 <a:solidFill>
                   <a:srgbClr val="81C8BD"/>
                 </a:solidFill>
               </a:rPr>
-              <a:t>Any APIs were accessible on the same system via programming; </a:t>
+              <a:t>were accessible on the same system via programming; </a:t>
             </a:r>
             <a:r>
               <a:rPr lang="en-US" sz="1800" dirty="0" smtClean="0">
@@ -8261,23 +8418,7 @@
                   <a:srgbClr val="81C8BD"/>
                 </a:solidFill>
               </a:rPr>
-              <a:t>Default </a:t>
-            </a:r>
-            <a:r>
-              <a:rPr lang="en-US" sz="1800" dirty="0">
-                <a:solidFill>
-                  <a:srgbClr val="81C8BD"/>
-                </a:solidFill>
-              </a:rPr>
-              <a:t>/</a:t>
-            </a:r>
-            <a:r>
-              <a:rPr lang="en-US" sz="1800" dirty="0" smtClean="0">
-                <a:solidFill>
-                  <a:srgbClr val="81C8BD"/>
-                </a:solidFill>
-              </a:rPr>
-              <a:t> Minimum program size</a:t>
+              <a:t>Minimum program size</a:t>
             </a:r>
           </a:p>
           <a:p>
@@ -8664,16 +8805,7 @@
                 </a:solidFill>
                 <a:latin typeface="Bahnschrift SemiBold SemiConden" panose="020B0502040204020203" pitchFamily="34" charset="0"/>
               </a:rPr>
-              <a:t>(#1 of </a:t>
-            </a:r>
-            <a:r>
-              <a:rPr lang="en-US" sz="2400" dirty="0" smtClean="0">
-                <a:solidFill>
-                  <a:srgbClr val="ECDA2D"/>
-                </a:solidFill>
-                <a:latin typeface="Bahnschrift SemiBold SemiConden" panose="020B0502040204020203" pitchFamily="34" charset="0"/>
-              </a:rPr>
-              <a:t>12)</a:t>
+              <a:t>(#1 of 12)</a:t>
             </a:r>
             <a:endParaRPr lang="en-US" sz="2400" dirty="0">
               <a:solidFill>
@@ -10128,7 +10260,39 @@
                   <a:srgbClr val="81C8BD"/>
                 </a:solidFill>
               </a:rPr>
-              <a:t>In early years, language incompatibilities existed in different C++ implementations.  C++98 received ISO standardization but Standard Template Library feature was incompatible with GNU and Microsoft compilers.  Eventually Microsoft and GNU had to rewrite their compilers. Changes were made to Linux kernel because C++ couldn't compile it</a:t>
+              <a:t>In early years, language incompatibilities existed in different C++ implementations.  C++98 received ISO standardization but Standard Template Library feature was incompatible with GNU and Microsoft compilers.  Eventually Microsoft and GNU had to rewrite their compilers. Changes were made to Linux kernel (written in </a:t>
+            </a:r>
+            <a:r>
+              <a:rPr lang="en-US" sz="1500" dirty="0" smtClean="0">
+                <a:solidFill>
+                  <a:srgbClr val="C00000"/>
+                </a:solidFill>
+              </a:rPr>
+              <a:t>C</a:t>
+            </a:r>
+            <a:r>
+              <a:rPr lang="en-US" sz="1500" dirty="0" smtClean="0">
+                <a:solidFill>
+                  <a:srgbClr val="81C8BD"/>
+                </a:solidFill>
+              </a:rPr>
+              <a:t>) because </a:t>
+            </a:r>
+            <a:r>
+              <a:rPr lang="en-US" sz="1500" b="1" dirty="0" smtClean="0">
+                <a:solidFill>
+                  <a:srgbClr val="00B050"/>
+                </a:solidFill>
+              </a:rPr>
+              <a:t>C++ </a:t>
+            </a:r>
+            <a:r>
+              <a:rPr lang="en-US" sz="1500" dirty="0" smtClean="0">
+                <a:solidFill>
+                  <a:srgbClr val="81C8BD"/>
+                </a:solidFill>
+              </a:rPr>
+              <a:t>couldn't compile it</a:t>
             </a:r>
           </a:p>
           <a:p>
@@ -11121,7 +11285,7 @@
         </p:spPr>
         <p:txBody>
           <a:bodyPr>
-            <a:normAutofit lnSpcReduction="10000"/>
+            <a:normAutofit fontScale="85000" lnSpcReduction="20000"/>
           </a:bodyPr>
           <a:lstStyle/>
           <a:p>
@@ -11240,8 +11404,37 @@
                 <a:latin typeface="Times New Roman" panose="02020603050405020304" pitchFamily="18" charset="0"/>
                 <a:cs typeface="Times New Roman" panose="02020603050405020304" pitchFamily="18" charset="0"/>
               </a:rPr>
-              <a:t>August 12, 2023</a:t>
-            </a:r>
+              <a:t>August 12, </a:t>
+            </a:r>
+            <a:r>
+              <a:rPr lang="en-US" dirty="0" smtClean="0">
+                <a:solidFill>
+                  <a:srgbClr val="686EA0"/>
+                </a:solidFill>
+                <a:latin typeface="Times New Roman" panose="02020603050405020304" pitchFamily="18" charset="0"/>
+                <a:cs typeface="Times New Roman" panose="02020603050405020304" pitchFamily="18" charset="0"/>
+              </a:rPr>
+              <a:t>2023</a:t>
+            </a:r>
+          </a:p>
+          <a:p>
+            <a:r>
+              <a:rPr lang="en-US" sz="1900" dirty="0" smtClean="0">
+                <a:solidFill>
+                  <a:srgbClr val="686EA0"/>
+                </a:solidFill>
+                <a:latin typeface="Times New Roman" panose="02020603050405020304" pitchFamily="18" charset="0"/>
+                <a:cs typeface="Times New Roman" panose="02020603050405020304" pitchFamily="18" charset="0"/>
+              </a:rPr>
+              <a:t>Version 0.01</a:t>
+            </a:r>
+            <a:endParaRPr lang="en-US" sz="1900" dirty="0">
+              <a:solidFill>
+                <a:srgbClr val="686EA0"/>
+              </a:solidFill>
+              <a:latin typeface="Times New Roman" panose="02020603050405020304" pitchFamily="18" charset="0"/>
+              <a:cs typeface="Times New Roman" panose="02020603050405020304" pitchFamily="18" charset="0"/>
+            </a:endParaRPr>
           </a:p>
           <a:p>
             <a:endParaRPr lang="en-US" dirty="0">
@@ -11755,7 +11948,15 @@
                   <a:srgbClr val="F8A28B"/>
                 </a:solidFill>
               </a:rPr>
-              <a:t>#!</a:t>
+              <a:t>#!/</a:t>
+            </a:r>
+            <a:r>
+              <a:rPr lang="en-US" sz="1500" dirty="0" err="1" smtClean="0">
+                <a:solidFill>
+                  <a:srgbClr val="F8A28B"/>
+                </a:solidFill>
+              </a:rPr>
+              <a:t>usr</a:t>
             </a:r>
             <a:r>
               <a:rPr lang="en-US" sz="1500" dirty="0" smtClean="0">
@@ -11763,7 +11964,23 @@
                   <a:srgbClr val="F8A28B"/>
                 </a:solidFill>
               </a:rPr>
-              <a:t>/</a:t>
+              <a:t>/bin/python3</a:t>
+            </a:r>
+          </a:p>
+          <a:p>
+            <a:pPr marL="0" indent="0">
+              <a:spcBef>
+                <a:spcPts val="0"/>
+              </a:spcBef>
+              <a:buNone/>
+            </a:pPr>
+            <a:r>
+              <a:rPr lang="en-US" sz="1500" dirty="0" smtClean="0">
+                <a:solidFill>
+                  <a:srgbClr val="F8A28B"/>
+                </a:solidFill>
+              </a:rPr>
+              <a:t># (on Linux the </a:t>
             </a:r>
             <a:r>
               <a:rPr lang="en-US" sz="1500" dirty="0" err="1" smtClean="0">
@@ -11771,7 +11988,7 @@
                   <a:srgbClr val="F8A28B"/>
                 </a:solidFill>
               </a:rPr>
-              <a:t>usr</a:t>
+              <a:t>previos</a:t>
             </a:r>
             <a:r>
               <a:rPr lang="en-US" sz="1500" dirty="0" smtClean="0">
@@ -11779,7 +11996,15 @@
                   <a:srgbClr val="F8A28B"/>
                 </a:solidFill>
               </a:rPr>
-              <a:t>/bin/python3   </a:t>
+              <a:t> </a:t>
+            </a:r>
+            <a:r>
+              <a:rPr lang="en-US" sz="1500" smtClean="0">
+                <a:solidFill>
+                  <a:srgbClr val="F8A28B"/>
+                </a:solidFill>
+              </a:rPr>
+              <a:t>line specifies </a:t>
             </a:r>
             <a:r>
               <a:rPr lang="en-US" sz="1500" dirty="0" smtClean="0">
@@ -11787,29 +12012,40 @@
                   <a:srgbClr val="F8A28B"/>
                 </a:solidFill>
               </a:rPr>
-              <a:t>     </a:t>
-            </a:r>
+              <a:t>the interpreter)</a:t>
+            </a:r>
+          </a:p>
+          <a:p>
+            <a:pPr marL="0" indent="0">
+              <a:spcBef>
+                <a:spcPts val="0"/>
+              </a:spcBef>
+              <a:buNone/>
+            </a:pPr>
             <a:r>
               <a:rPr lang="en-US" sz="1500" dirty="0" smtClean="0">
                 <a:solidFill>
                   <a:srgbClr val="F8A28B"/>
                 </a:solidFill>
               </a:rPr>
-              <a:t>(on </a:t>
-            </a:r>
+              <a:t># a comment - hello_py.py</a:t>
+            </a:r>
+          </a:p>
+          <a:p>
+            <a:pPr marL="0" indent="0">
+              <a:spcBef>
+                <a:spcPts val="0"/>
+              </a:spcBef>
+              <a:buNone/>
+            </a:pPr>
             <a:r>
               <a:rPr lang="en-US" sz="1500" dirty="0" smtClean="0">
                 <a:solidFill>
                   <a:srgbClr val="F8A28B"/>
                 </a:solidFill>
               </a:rPr>
-              <a:t>Linux to specify the interpreter)</a:t>
-            </a:r>
-            <a:endParaRPr lang="en-US" sz="1500" dirty="0" smtClean="0">
-              <a:solidFill>
-                <a:srgbClr val="F8A28B"/>
-              </a:solidFill>
-            </a:endParaRPr>
+              <a:t># To run on Linux:  ./hello_py.py</a:t>
+            </a:r>
           </a:p>
           <a:p>
             <a:pPr marL="0" indent="0">
@@ -11824,82 +12060,8 @@
                   <a:srgbClr val="F8A28B"/>
                 </a:solidFill>
               </a:rPr>
-              <a:t># a comment - hello_py.py</a:t>
-            </a:r>
-          </a:p>
-          <a:p>
-            <a:pPr marL="0" indent="0">
-              <a:spcBef>
-                <a:spcPts val="0"/>
-              </a:spcBef>
-              <a:buNone/>
-            </a:pPr>
-            <a:r>
-              <a:rPr lang="en-US" sz="1500" dirty="0" smtClean="0">
-                <a:solidFill>
-                  <a:srgbClr val="F8A28B"/>
-                </a:solidFill>
-              </a:rPr>
-              <a:t># To run on Linux</a:t>
-            </a:r>
-            <a:r>
-              <a:rPr lang="en-US" sz="1500" smtClean="0">
-                <a:solidFill>
-                  <a:srgbClr val="F8A28B"/>
-                </a:solidFill>
-              </a:rPr>
-              <a:t>: </a:t>
-            </a:r>
-            <a:r>
-              <a:rPr lang="en-US" sz="1500" smtClean="0">
-                <a:solidFill>
-                  <a:srgbClr val="F8A28B"/>
-                </a:solidFill>
-              </a:rPr>
-              <a:t> ./</a:t>
-            </a:r>
-            <a:r>
-              <a:rPr lang="en-US" sz="1500" dirty="0" smtClean="0">
-                <a:solidFill>
-                  <a:srgbClr val="F8A28B"/>
-                </a:solidFill>
-              </a:rPr>
-              <a:t>hello_py.py</a:t>
-            </a:r>
-          </a:p>
-          <a:p>
-            <a:pPr marL="0" indent="0">
-              <a:spcBef>
-                <a:spcPts val="0"/>
-              </a:spcBef>
-              <a:buNone/>
-            </a:pPr>
-            <a:r>
-              <a:rPr lang="en-US" sz="1500" dirty="0" smtClean="0">
-                <a:solidFill>
-                  <a:srgbClr val="F8A28B"/>
-                </a:solidFill>
-              </a:rPr>
               <a:t># To run on Windows and Linux:  python3 hello_py.py</a:t>
             </a:r>
-            <a:endParaRPr lang="en-US" sz="1500" dirty="0" smtClean="0">
-              <a:solidFill>
-                <a:srgbClr val="F8A28B"/>
-              </a:solidFill>
-            </a:endParaRPr>
-          </a:p>
-          <a:p>
-            <a:pPr marL="0" indent="0">
-              <a:spcBef>
-                <a:spcPts val="0"/>
-              </a:spcBef>
-              <a:buNone/>
-            </a:pPr>
-            <a:endParaRPr lang="en-US" sz="1500" dirty="0" smtClean="0">
-              <a:solidFill>
-                <a:srgbClr val="F8A28B"/>
-              </a:solidFill>
-            </a:endParaRPr>
           </a:p>
           <a:p>
             <a:pPr marL="0" indent="0">
@@ -15915,16 +16077,7 @@
                 </a:solidFill>
                 <a:latin typeface="Bahnschrift SemiBold SemiConden" panose="020B0502040204020203" pitchFamily="34" charset="0"/>
               </a:rPr>
-              <a:t>compiled to Java byte-code; run on Java virtual </a:t>
-            </a:r>
-            <a:r>
-              <a:rPr lang="en-US" dirty="0">
-                <a:solidFill>
-                  <a:srgbClr val="ECDA2D"/>
-                </a:solidFill>
-                <a:latin typeface="Bahnschrift SemiBold SemiConden" panose="020B0502040204020203" pitchFamily="34" charset="0"/>
-              </a:rPr>
-              <a:t>machine </a:t>
+              <a:t>compiled to Java byte-code; run on Java virtual machine </a:t>
             </a:r>
             <a:r>
               <a:rPr lang="en-US" sz="2400" dirty="0" smtClean="0">
@@ -17280,7 +17433,34 @@
                 </a:solidFill>
                 <a:cs typeface="Times New Roman" panose="02020603050405020304" pitchFamily="18" charset="0"/>
               </a:rPr>
-              <a:t>in my chair with that defeated feeling of how </a:t>
+              <a:t>in my chair with </a:t>
+            </a:r>
+            <a:r>
+              <a:rPr lang="en-US" sz="1800" dirty="0">
+                <a:solidFill>
+                  <a:srgbClr val="81C8BD"/>
+                </a:solidFill>
+                <a:cs typeface="Times New Roman" panose="02020603050405020304" pitchFamily="18" charset="0"/>
+              </a:rPr>
+              <a:t>a</a:t>
+            </a:r>
+            <a:r>
+              <a:rPr lang="en-US" sz="1800" dirty="0" smtClean="0">
+                <a:solidFill>
+                  <a:srgbClr val="81C8BD"/>
+                </a:solidFill>
+                <a:cs typeface="Times New Roman" panose="02020603050405020304" pitchFamily="18" charset="0"/>
+              </a:rPr>
+              <a:t> </a:t>
+            </a:r>
+            <a:r>
+              <a:rPr lang="en-US" sz="1800" dirty="0">
+                <a:solidFill>
+                  <a:srgbClr val="81C8BD"/>
+                </a:solidFill>
+                <a:cs typeface="Times New Roman" panose="02020603050405020304" pitchFamily="18" charset="0"/>
+              </a:rPr>
+              <a:t>defeated feeling of how </a:t>
             </a:r>
             <a:r>
               <a:rPr lang="en-US" sz="1800" dirty="0">
@@ -17385,8 +17565,23 @@
                 </a:solidFill>
                 <a:cs typeface="Times New Roman" panose="02020603050405020304" pitchFamily="18" charset="0"/>
               </a:rPr>
-              <a:t>that can occur in languages</a:t>
-            </a:r>
+              <a:t>that can occur in </a:t>
+            </a:r>
+            <a:r>
+              <a:rPr lang="en-US" sz="1800" dirty="0" smtClean="0">
+                <a:solidFill>
+                  <a:srgbClr val="81C8BD"/>
+                </a:solidFill>
+                <a:cs typeface="Times New Roman" panose="02020603050405020304" pitchFamily="18" charset="0"/>
+              </a:rPr>
+              <a:t>languages (not OSes; not configuration)</a:t>
+            </a:r>
+            <a:endParaRPr lang="en-US" sz="1800" dirty="0">
+              <a:solidFill>
+                <a:srgbClr val="81C8BD"/>
+              </a:solidFill>
+              <a:cs typeface="Times New Roman" panose="02020603050405020304" pitchFamily="18" charset="0"/>
+            </a:endParaRPr>
           </a:p>
           <a:p>
             <a:pPr lvl="1"/>
@@ -17664,16 +17859,7 @@
                 </a:solidFill>
                 <a:latin typeface="Bahnschrift SemiBold SemiConden" panose="020B0502040204020203" pitchFamily="34" charset="0"/>
               </a:rPr>
-              <a:t>Kotlin  -  2011  -  compiled to Java byte-code; run on Java virtual </a:t>
-            </a:r>
-            <a:r>
-              <a:rPr lang="en-US" sz="4900" dirty="0" smtClean="0">
-                <a:solidFill>
-                  <a:srgbClr val="ECDA2D"/>
-                </a:solidFill>
-                <a:latin typeface="Bahnschrift SemiBold SemiConden" panose="020B0502040204020203" pitchFamily="34" charset="0"/>
-              </a:rPr>
-              <a:t>machine </a:t>
+              <a:t>Kotlin  -  2011  -  compiled to Java byte-code; run on Java virtual machine </a:t>
             </a:r>
             <a:r>
               <a:rPr lang="en-US" sz="2700" dirty="0" smtClean="0">
@@ -18312,16 +18498,7 @@
                 </a:solidFill>
                 <a:latin typeface="Bahnschrift SemiBold SemiConden" panose="020B0502040204020203" pitchFamily="34" charset="0"/>
               </a:rPr>
-              <a:t> </a:t>
-            </a:r>
-            <a:r>
-              <a:rPr lang="en-US" dirty="0" smtClean="0">
-                <a:solidFill>
-                  <a:srgbClr val="ECDA2D"/>
-                </a:solidFill>
-                <a:latin typeface="Bahnschrift SemiBold SemiConden" panose="020B0502040204020203" pitchFamily="34" charset="0"/>
-              </a:rPr>
-              <a:t>behaviors  </a:t>
+              <a:t> behaviors  </a:t>
             </a:r>
             <a:r>
               <a:rPr lang="en-US" dirty="0" smtClean="0"/>
@@ -32241,7 +32418,7 @@
                 </a:solidFill>
                 <a:cs typeface="Times New Roman" panose="02020603050405020304" pitchFamily="18" charset="0"/>
               </a:rPr>
-              <a:t>Discuss 11 G-P Ls and outline </a:t>
+              <a:t>Discuss 12 G-P Ls and outline </a:t>
             </a:r>
             <a:r>
               <a:rPr lang="en-US" sz="1800" dirty="0">
@@ -36254,8 +36431,41 @@
                 </a:solidFill>
                 <a:cs typeface="Times New Roman" panose="02020603050405020304" pitchFamily="18" charset="0"/>
               </a:rPr>
-              <a:t>COBOL/CICS,  EasyTrieve Plus,  Business BASIC (police/dispatch Midrange, Electronic Cash Register PC)</a:t>
-            </a:r>
+              <a:t>COBOL/CICS,  EasyTrieve Plus,  Business BASIC </a:t>
+            </a:r>
+            <a:r>
+              <a:rPr lang="en-US" sz="1800" dirty="0">
+                <a:solidFill>
+                  <a:srgbClr val="81C8BD"/>
+                </a:solidFill>
+                <a:cs typeface="Times New Roman" panose="02020603050405020304" pitchFamily="18" charset="0"/>
+              </a:rPr>
+              <a:t>(Electronic Cash Register </a:t>
+            </a:r>
+            <a:r>
+              <a:rPr lang="en-US" sz="1800" dirty="0" smtClean="0">
+                <a:solidFill>
+                  <a:srgbClr val="81C8BD"/>
+                </a:solidFill>
+                <a:cs typeface="Times New Roman" panose="02020603050405020304" pitchFamily="18" charset="0"/>
+              </a:rPr>
+              <a:t>PC, police/dispatch </a:t>
+            </a:r>
+            <a:r>
+              <a:rPr lang="en-US" sz="1800" dirty="0" smtClean="0">
+                <a:solidFill>
+                  <a:srgbClr val="81C8BD"/>
+                </a:solidFill>
+                <a:cs typeface="Times New Roman" panose="02020603050405020304" pitchFamily="18" charset="0"/>
+              </a:rPr>
+              <a:t>Midrange)</a:t>
+            </a:r>
+            <a:endParaRPr lang="en-US" sz="1800" dirty="0" smtClean="0">
+              <a:solidFill>
+                <a:srgbClr val="81C8BD"/>
+              </a:solidFill>
+              <a:cs typeface="Times New Roman" panose="02020603050405020304" pitchFamily="18" charset="0"/>
+            </a:endParaRPr>
           </a:p>
           <a:p>
             <a:r>
@@ -37789,33 +37999,23 @@
                   <a:srgbClr val="81C8BD"/>
                 </a:solidFill>
               </a:rPr>
-              <a:t> older languages are still available today and have evolved</a:t>
-            </a:r>
-          </a:p>
-          <a:p>
-            <a:pPr marL="0" indent="0">
-              <a:buNone/>
-            </a:pPr>
+              <a:t> </a:t>
+            </a:r>
             <a:r>
               <a:rPr lang="en-US" sz="1800" dirty="0" smtClean="0">
                 <a:solidFill>
                   <a:srgbClr val="81C8BD"/>
                 </a:solidFill>
               </a:rPr>
-              <a:t>Fortran is a popular language on supercomputers</a:t>
-            </a:r>
-          </a:p>
-          <a:p>
-            <a:pPr marL="0" indent="0">
-              <a:buNone/>
-            </a:pPr>
+              <a:t>	Older </a:t>
+            </a:r>
             <a:r>
               <a:rPr lang="en-US" sz="1800" dirty="0" smtClean="0">
                 <a:solidFill>
                   <a:srgbClr val="81C8BD"/>
                 </a:solidFill>
               </a:rPr>
-              <a:t>Several legacy languages have OO versions</a:t>
+              <a:t>languages are still available today and have evolved</a:t>
             </a:r>
           </a:p>
           <a:p>
@@ -37828,7 +38028,57 @@
                   <a:srgbClr val="81C8BD"/>
                 </a:solidFill>
               </a:rPr>
-              <a:t>A given language can be set up as both a compiler and an interpreter (e.g. APL, BASIC)</a:t>
+              <a:t>	Fortran </a:t>
+            </a:r>
+            <a:r>
+              <a:rPr lang="en-US" sz="1800" dirty="0" smtClean="0">
+                <a:solidFill>
+                  <a:srgbClr val="81C8BD"/>
+                </a:solidFill>
+              </a:rPr>
+              <a:t>is a popular language on supercomputers</a:t>
+            </a:r>
+          </a:p>
+          <a:p>
+            <a:pPr marL="0" indent="0">
+              <a:buNone/>
+            </a:pPr>
+            <a:r>
+              <a:rPr lang="en-US" sz="1800" dirty="0" smtClean="0">
+                <a:solidFill>
+                  <a:srgbClr val="81C8BD"/>
+                </a:solidFill>
+              </a:rPr>
+              <a:t>	Several </a:t>
+            </a:r>
+            <a:r>
+              <a:rPr lang="en-US" sz="1800" dirty="0" smtClean="0">
+                <a:solidFill>
+                  <a:srgbClr val="81C8BD"/>
+                </a:solidFill>
+              </a:rPr>
+              <a:t>legacy languages have OO versions</a:t>
+            </a:r>
+          </a:p>
+          <a:p>
+            <a:pPr marL="0" indent="0">
+              <a:buNone/>
+            </a:pPr>
+            <a:r>
+              <a:rPr lang="en-US" sz="1800" dirty="0" smtClean="0">
+                <a:solidFill>
+                  <a:srgbClr val="81C8BD"/>
+                </a:solidFill>
+              </a:rPr>
+              <a:t>	A </a:t>
+            </a:r>
+            <a:r>
+              <a:rPr lang="en-US" sz="1800" dirty="0" smtClean="0">
+                <a:solidFill>
+                  <a:srgbClr val="81C8BD"/>
+                </a:solidFill>
+              </a:rPr>
+              <a:t>language can be set up as both a compiler and an interpreter (e.g. APL, BASIC)</a:t>
             </a:r>
           </a:p>
           <a:p>

--- a/Presentation.pptx
+++ b/Presentation.pptx
@@ -249,7 +249,7 @@
           <a:p>
             <a:fld id="{D5E4D04E-A147-4C8A-94A7-F57754D1BB44}" type="datetimeFigureOut">
               <a:rPr lang="en-US" smtClean="0"/>
-              <a:t>7/30/2023</a:t>
+              <a:t>8/4/2023</a:t>
             </a:fld>
             <a:endParaRPr lang="en-US"/>
           </a:p>
@@ -2643,9 +2643,9 @@
           <a:bodyPr/>
           <a:lstStyle/>
           <a:p>
-            <a:fld id="{969F799F-711D-4AAC-9630-4A4951459738}" type="datetime1">
+            <a:fld id="{D1D6C988-5A9F-43B3-B11F-62FBB2283760}" type="datetime1">
               <a:rPr lang="en-US" smtClean="0"/>
-              <a:t>7/30/2023</a:t>
+              <a:t>8/4/2023</a:t>
             </a:fld>
             <a:endParaRPr lang="en-US"/>
           </a:p>
@@ -2668,7 +2668,7 @@
           <a:p>
             <a:r>
               <a:rPr lang="en-US" smtClean="0"/>
-              <a:t>Copyright © 2023 D.J. Davis  All Rights Reserved</a:t>
+              <a:t>Copyright © 2023 D.J. Davis.  All Rights Reserved.</a:t>
             </a:r>
             <a:endParaRPr lang="en-US"/>
           </a:p>
@@ -2817,9 +2817,9 @@
           <a:bodyPr/>
           <a:lstStyle/>
           <a:p>
-            <a:fld id="{A441326F-0BD8-47B2-B629-53F059A893D2}" type="datetime1">
+            <a:fld id="{090D506C-771E-459B-B39E-4CC8DBC54817}" type="datetime1">
               <a:rPr lang="en-US" smtClean="0"/>
-              <a:t>7/30/2023</a:t>
+              <a:t>8/4/2023</a:t>
             </a:fld>
             <a:endParaRPr lang="en-US"/>
           </a:p>
@@ -2842,7 +2842,7 @@
           <a:p>
             <a:r>
               <a:rPr lang="en-US" smtClean="0"/>
-              <a:t>Copyright © 2023 D.J. Davis  All Rights Reserved</a:t>
+              <a:t>Copyright © 2023 D.J. Davis.  All Rights Reserved.</a:t>
             </a:r>
             <a:endParaRPr lang="en-US"/>
           </a:p>
@@ -3001,9 +3001,9 @@
           <a:bodyPr/>
           <a:lstStyle/>
           <a:p>
-            <a:fld id="{95F82B43-351D-404A-8122-6E359CCAFFEF}" type="datetime1">
+            <a:fld id="{1C1FAAD5-29F5-4098-BD5A-438757414B07}" type="datetime1">
               <a:rPr lang="en-US" smtClean="0"/>
-              <a:t>7/30/2023</a:t>
+              <a:t>8/4/2023</a:t>
             </a:fld>
             <a:endParaRPr lang="en-US"/>
           </a:p>
@@ -3026,7 +3026,7 @@
           <a:p>
             <a:r>
               <a:rPr lang="en-US" smtClean="0"/>
-              <a:t>Copyright © 2023 D.J. Davis  All Rights Reserved</a:t>
+              <a:t>Copyright © 2023 D.J. Davis.  All Rights Reserved.</a:t>
             </a:r>
             <a:endParaRPr lang="en-US"/>
           </a:p>
@@ -3175,9 +3175,9 @@
           <a:bodyPr/>
           <a:lstStyle/>
           <a:p>
-            <a:fld id="{C5DA54C9-2123-4872-A824-375C0DC2B20B}" type="datetime1">
+            <a:fld id="{73D8CBC8-D114-44EB-A3EE-301188320D6A}" type="datetime1">
               <a:rPr lang="en-US" smtClean="0"/>
-              <a:t>7/30/2023</a:t>
+              <a:t>8/4/2023</a:t>
             </a:fld>
             <a:endParaRPr lang="en-US"/>
           </a:p>
@@ -3200,7 +3200,7 @@
           <a:p>
             <a:r>
               <a:rPr lang="en-US" smtClean="0"/>
-              <a:t>Copyright © 2023 D.J. Davis  All Rights Reserved</a:t>
+              <a:t>Copyright © 2023 D.J. Davis.  All Rights Reserved.</a:t>
             </a:r>
             <a:endParaRPr lang="en-US"/>
           </a:p>
@@ -3425,9 +3425,9 @@
           <a:bodyPr/>
           <a:lstStyle/>
           <a:p>
-            <a:fld id="{1726678C-D213-4395-B4F2-919CE7EA7F38}" type="datetime1">
+            <a:fld id="{55E59217-A885-423F-BC6C-DE78E39907AE}" type="datetime1">
               <a:rPr lang="en-US" smtClean="0"/>
-              <a:t>7/30/2023</a:t>
+              <a:t>8/4/2023</a:t>
             </a:fld>
             <a:endParaRPr lang="en-US"/>
           </a:p>
@@ -3450,7 +3450,7 @@
           <a:p>
             <a:r>
               <a:rPr lang="en-US" smtClean="0"/>
-              <a:t>Copyright © 2023 D.J. Davis  All Rights Reserved</a:t>
+              <a:t>Copyright © 2023 D.J. Davis.  All Rights Reserved.</a:t>
             </a:r>
             <a:endParaRPr lang="en-US"/>
           </a:p>
@@ -3661,9 +3661,9 @@
           <a:bodyPr/>
           <a:lstStyle/>
           <a:p>
-            <a:fld id="{32003B9E-BD94-4E9B-96AC-AD0D3906BB91}" type="datetime1">
+            <a:fld id="{C51E93FE-4E98-4306-B0CC-2B6696AD1CFB}" type="datetime1">
               <a:rPr lang="en-US" smtClean="0"/>
-              <a:t>7/30/2023</a:t>
+              <a:t>8/4/2023</a:t>
             </a:fld>
             <a:endParaRPr lang="en-US"/>
           </a:p>
@@ -3686,7 +3686,7 @@
           <a:p>
             <a:r>
               <a:rPr lang="en-US" smtClean="0"/>
-              <a:t>Copyright © 2023 D.J. Davis  All Rights Reserved</a:t>
+              <a:t>Copyright © 2023 D.J. Davis.  All Rights Reserved.</a:t>
             </a:r>
             <a:endParaRPr lang="en-US"/>
           </a:p>
@@ -4032,9 +4032,9 @@
           <a:bodyPr/>
           <a:lstStyle/>
           <a:p>
-            <a:fld id="{E8B540CE-B6AA-47C8-A583-FFACC6B760BD}" type="datetime1">
+            <a:fld id="{FAD04080-C194-4D4C-9F19-7AAC84251738}" type="datetime1">
               <a:rPr lang="en-US" smtClean="0"/>
-              <a:t>7/30/2023</a:t>
+              <a:t>8/4/2023</a:t>
             </a:fld>
             <a:endParaRPr lang="en-US"/>
           </a:p>
@@ -4057,7 +4057,7 @@
           <a:p>
             <a:r>
               <a:rPr lang="en-US" smtClean="0"/>
-              <a:t>Copyright © 2023 D.J. Davis  All Rights Reserved</a:t>
+              <a:t>Copyright © 2023 D.J. Davis.  All Rights Reserved.</a:t>
             </a:r>
             <a:endParaRPr lang="en-US"/>
           </a:p>
@@ -4154,9 +4154,9 @@
           <a:bodyPr/>
           <a:lstStyle/>
           <a:p>
-            <a:fld id="{B281AC48-1C3C-4141-8B3A-FB5C5DFBC1CD}" type="datetime1">
+            <a:fld id="{DC67A823-1B92-4025-BC0F-40F8975953C7}" type="datetime1">
               <a:rPr lang="en-US" smtClean="0"/>
-              <a:t>7/30/2023</a:t>
+              <a:t>8/4/2023</a:t>
             </a:fld>
             <a:endParaRPr lang="en-US"/>
           </a:p>
@@ -4179,7 +4179,7 @@
           <a:p>
             <a:r>
               <a:rPr lang="en-US" smtClean="0"/>
-              <a:t>Copyright © 2023 D.J. Davis  All Rights Reserved</a:t>
+              <a:t>Copyright © 2023 D.J. Davis.  All Rights Reserved.</a:t>
             </a:r>
             <a:endParaRPr lang="en-US"/>
           </a:p>
@@ -4253,9 +4253,9 @@
           <a:bodyPr/>
           <a:lstStyle/>
           <a:p>
-            <a:fld id="{0E616707-81DB-4BAE-AB03-0ACE2E802F36}" type="datetime1">
+            <a:fld id="{ABC8C156-D538-43AE-9CDE-EB1B977F1905}" type="datetime1">
               <a:rPr lang="en-US" smtClean="0"/>
-              <a:t>7/30/2023</a:t>
+              <a:t>8/4/2023</a:t>
             </a:fld>
             <a:endParaRPr lang="en-US"/>
           </a:p>
@@ -4278,7 +4278,7 @@
           <a:p>
             <a:r>
               <a:rPr lang="en-US" smtClean="0"/>
-              <a:t>Copyright © 2023 D.J. Davis  All Rights Reserved</a:t>
+              <a:t>Copyright © 2023 D.J. Davis.  All Rights Reserved.</a:t>
             </a:r>
             <a:endParaRPr lang="en-US"/>
           </a:p>
@@ -4534,9 +4534,9 @@
           <a:bodyPr/>
           <a:lstStyle/>
           <a:p>
-            <a:fld id="{C68E0C2D-6637-4F6D-BCAA-808E5463DCD6}" type="datetime1">
+            <a:fld id="{FAF1F5F7-F90E-4757-887B-E94C99372001}" type="datetime1">
               <a:rPr lang="en-US" smtClean="0"/>
-              <a:t>7/30/2023</a:t>
+              <a:t>8/4/2023</a:t>
             </a:fld>
             <a:endParaRPr lang="en-US"/>
           </a:p>
@@ -4559,7 +4559,7 @@
           <a:p>
             <a:r>
               <a:rPr lang="en-US" smtClean="0"/>
-              <a:t>Copyright © 2023 D.J. Davis  All Rights Reserved</a:t>
+              <a:t>Copyright © 2023 D.J. Davis.  All Rights Reserved.</a:t>
             </a:r>
             <a:endParaRPr lang="en-US"/>
           </a:p>
@@ -4795,9 +4795,9 @@
           <a:bodyPr/>
           <a:lstStyle/>
           <a:p>
-            <a:fld id="{2E8019EF-C720-4725-8237-AE20117B811F}" type="datetime1">
+            <a:fld id="{CE562B20-CAA1-452C-AF37-D65CE3C2B195}" type="datetime1">
               <a:rPr lang="en-US" smtClean="0"/>
-              <a:t>7/30/2023</a:t>
+              <a:t>8/4/2023</a:t>
             </a:fld>
             <a:endParaRPr lang="en-US"/>
           </a:p>
@@ -4820,7 +4820,7 @@
           <a:p>
             <a:r>
               <a:rPr lang="en-US" smtClean="0"/>
-              <a:t>Copyright © 2023 D.J. Davis  All Rights Reserved</a:t>
+              <a:t>Copyright © 2023 D.J. Davis.  All Rights Reserved.</a:t>
             </a:r>
             <a:endParaRPr lang="en-US"/>
           </a:p>
@@ -5037,9 +5037,9 @@
             </a:lvl1pPr>
           </a:lstStyle>
           <a:p>
-            <a:fld id="{B133FD41-418E-4014-81D8-4634A5331B18}" type="datetime1">
+            <a:fld id="{2EF9E0BA-BB06-463A-8171-74210A00AD52}" type="datetime1">
               <a:rPr lang="en-US" smtClean="0"/>
-              <a:t>7/30/2023</a:t>
+              <a:t>8/4/2023</a:t>
             </a:fld>
             <a:endParaRPr lang="en-US"/>
           </a:p>
@@ -5080,7 +5080,7 @@
           <a:p>
             <a:r>
               <a:rPr lang="en-US" smtClean="0"/>
-              <a:t>Copyright © 2023 D.J. Davis  All Rights Reserved</a:t>
+              <a:t>Copyright © 2023 D.J. Davis.  All Rights Reserved.</a:t>
             </a:r>
             <a:endParaRPr lang="en-US"/>
           </a:p>
@@ -5512,6 +5512,10 @@
           <a:bodyPr/>
           <a:lstStyle/>
           <a:p>
+            <a:r>
+              <a:rPr lang="en-US" dirty="0" smtClean="0"/>
+              <a:t>Copyright © 2023 D.J. Davis.  All Rights Reserved.</a:t>
+            </a:r>
             <a:endParaRPr lang="en-US" dirty="0"/>
           </a:p>
         </p:txBody>
@@ -5639,23 +5643,33 @@
                   <a:srgbClr val="81C8BD"/>
                 </a:solidFill>
               </a:rPr>
-              <a:t>n 1970s/80s versions, the interpreter also served as </a:t>
-            </a:r>
+              <a:t>n 1970s/80s versions, the interpreter also served as a text editor</a:t>
+            </a:r>
+          </a:p>
+          <a:p>
+            <a:pPr marL="0" indent="0">
+              <a:buNone/>
+            </a:pPr>
             <a:r>
               <a:rPr lang="en-US" sz="1600" dirty="0" smtClean="0">
                 <a:solidFill>
                   <a:srgbClr val="81C8BD"/>
                 </a:solidFill>
               </a:rPr>
-              <a:t>a text </a:t>
-            </a:r>
+              <a:t>Upon entering a program line, the interpreter tokenized keywords to save on memory space and increase program execution speed.  Originally a teaching language; widely-used on PCs and mid-range systems</a:t>
+            </a:r>
+          </a:p>
+          <a:p>
+            <a:pPr marL="0" indent="0">
+              <a:buNone/>
+            </a:pPr>
             <a:r>
               <a:rPr lang="en-US" sz="1600" dirty="0" smtClean="0">
                 <a:solidFill>
                   <a:srgbClr val="81C8BD"/>
                 </a:solidFill>
               </a:rPr>
-              <a:t>editor</a:t>
+              <a:t>Program terminated on invalid I/O / div by zero / subscript overrun / invalid variable unless the language variant implemented error trapping</a:t>
             </a:r>
           </a:p>
           <a:p>
@@ -5668,7 +5682,7 @@
                   <a:srgbClr val="81C8BD"/>
                 </a:solidFill>
               </a:rPr>
-              <a:t>Upon entering a program line, the interpreter tokenized keywords to save on memory space and increase program execution speed.  Originally a teaching language; widely-used on PCs and mid-range systems</a:t>
+              <a:t>Historically, variable types were floating point numbers and strings</a:t>
             </a:r>
           </a:p>
           <a:p>
@@ -5681,97 +5695,7 @@
                   <a:srgbClr val="81C8BD"/>
                 </a:solidFill>
               </a:rPr>
-              <a:t>Program terminated on invalid </a:t>
-            </a:r>
-            <a:r>
-              <a:rPr lang="en-US" sz="1600" dirty="0" smtClean="0">
-                <a:solidFill>
-                  <a:srgbClr val="81C8BD"/>
-                </a:solidFill>
-              </a:rPr>
-              <a:t>I/O </a:t>
-            </a:r>
-            <a:r>
-              <a:rPr lang="en-US" sz="1600" dirty="0" smtClean="0">
-                <a:solidFill>
-                  <a:srgbClr val="81C8BD"/>
-                </a:solidFill>
-              </a:rPr>
-              <a:t>/ div by zero / subscript overrun / invalid variable </a:t>
-            </a:r>
-            <a:r>
-              <a:rPr lang="en-US" sz="1600" dirty="0" smtClean="0">
-                <a:solidFill>
-                  <a:srgbClr val="81C8BD"/>
-                </a:solidFill>
-              </a:rPr>
-              <a:t>unless the </a:t>
-            </a:r>
-            <a:r>
-              <a:rPr lang="en-US" sz="1600" dirty="0" smtClean="0">
-                <a:solidFill>
-                  <a:srgbClr val="81C8BD"/>
-                </a:solidFill>
-              </a:rPr>
-              <a:t>language </a:t>
-            </a:r>
-            <a:r>
-              <a:rPr lang="en-US" sz="1600" dirty="0" smtClean="0">
-                <a:solidFill>
-                  <a:srgbClr val="81C8BD"/>
-                </a:solidFill>
-              </a:rPr>
-              <a:t>variant implemented </a:t>
-            </a:r>
-            <a:r>
-              <a:rPr lang="en-US" sz="1600" dirty="0" smtClean="0">
-                <a:solidFill>
-                  <a:srgbClr val="81C8BD"/>
-                </a:solidFill>
-              </a:rPr>
-              <a:t>error trapping</a:t>
-            </a:r>
-          </a:p>
-          <a:p>
-            <a:pPr marL="0" indent="0">
-              <a:buNone/>
-            </a:pPr>
-            <a:r>
-              <a:rPr lang="en-US" sz="1600" dirty="0" smtClean="0">
-                <a:solidFill>
-                  <a:srgbClr val="81C8BD"/>
-                </a:solidFill>
-              </a:rPr>
-              <a:t>Historically, variable types were floating point numbers and strings</a:t>
-            </a:r>
-          </a:p>
-          <a:p>
-            <a:pPr marL="0" indent="0">
-              <a:buNone/>
-            </a:pPr>
-            <a:r>
-              <a:rPr lang="en-US" sz="1600" dirty="0" smtClean="0">
-                <a:solidFill>
-                  <a:srgbClr val="81C8BD"/>
-                </a:solidFill>
-              </a:rPr>
-              <a:t>Input statement variable was a string; </a:t>
-            </a:r>
-            <a:r>
-              <a:rPr lang="en-US" sz="1600" dirty="0" smtClean="0">
-                <a:solidFill>
-                  <a:srgbClr val="81C8BD"/>
-                </a:solidFill>
-              </a:rPr>
-              <a:t>variable length limited </a:t>
-            </a:r>
-            <a:r>
-              <a:rPr lang="en-US" sz="1600" dirty="0" smtClean="0">
-                <a:solidFill>
-                  <a:srgbClr val="81C8BD"/>
-                </a:solidFill>
-              </a:rPr>
-              <a:t>to 255 chars (max string length)</a:t>
+              <a:t>Input statement variable was a string; variable length limited to 255 chars (max string length)</a:t>
             </a:r>
           </a:p>
           <a:p>
@@ -6101,7 +6025,7 @@
           <a:p>
             <a:r>
               <a:rPr lang="en-US" smtClean="0"/>
-              <a:t>Copyright © 2023 D.J. Davis  All Rights Reserved</a:t>
+              <a:t>Copyright © 2023 D.J. Davis.  All Rights Reserved.</a:t>
             </a:r>
             <a:endParaRPr lang="en-US"/>
           </a:p>
@@ -6229,7 +6153,7 @@
                   <a:srgbClr val="81C8BD"/>
                 </a:solidFill>
               </a:rPr>
-              <a:t>Primarily for business processing; file IO; limited math support</a:t>
+              <a:t>Primarily for business processing, file I/O.  Very limited math support:  +  -  *  /  **  (  )</a:t>
             </a:r>
           </a:p>
           <a:p>
@@ -6245,7 +6169,7 @@
                   <a:srgbClr val="81C8BD"/>
                 </a:solidFill>
               </a:rPr>
-              <a:t>Most often seen on IBM mainframes; most often unit record IO</a:t>
+              <a:t>Most often seen on IBM mainframes; most often used unit record I/O  (fixed-length records)</a:t>
             </a:r>
           </a:p>
           <a:p>
@@ -6261,7 +6185,7 @@
                   <a:srgbClr val="81C8BD"/>
                 </a:solidFill>
               </a:rPr>
-              <a:t>Program abended (terminated) on invalid IO / div by zero / invalid mem ref</a:t>
+              <a:t>Program abended (terminated) on invalid I/O  /  div by zero  /  invalid mem reference</a:t>
             </a:r>
           </a:p>
           <a:p>
@@ -6277,7 +6201,7 @@
                   <a:srgbClr val="81C8BD"/>
                 </a:solidFill>
               </a:rPr>
-              <a:t>Generally did not overrun variables (static length variables; compiler/runtime checks)</a:t>
+              <a:t>Generally did not overrun variables (fixed-length variables; compiler/runtime checks)</a:t>
             </a:r>
           </a:p>
           <a:p>
@@ -6521,7 +6445,7 @@
                   <a:srgbClr val="F8A28B"/>
                 </a:solidFill>
               </a:rPr>
-              <a:t>          DISPLAY "Hello, World!".</a:t>
+              <a:t>          DISPLAY "HELLO, WORLD!".</a:t>
             </a:r>
           </a:p>
           <a:p>
@@ -6671,7 +6595,7 @@
           <a:p>
             <a:r>
               <a:rPr lang="en-US" smtClean="0"/>
-              <a:t>Copyright © 2023 D.J. Davis  All Rights Reserved</a:t>
+              <a:t>Copyright © 2023 D.J. Davis.  All Rights Reserved.</a:t>
             </a:r>
             <a:endParaRPr lang="en-US"/>
           </a:p>
@@ -6799,7 +6723,7 @@
                   <a:srgbClr val="81C8BD"/>
                 </a:solidFill>
               </a:rPr>
-              <a:t>Based on ALGOL 60 (1960), Pascal was a breakaway project from ALGOL rewrite</a:t>
+              <a:t>Based on ALGOL 60 (1960), Pascal was a breakaway project from an ALGOL rewrite</a:t>
             </a:r>
           </a:p>
           <a:p>
@@ -6815,7 +6739,7 @@
                   <a:srgbClr val="81C8BD"/>
                 </a:solidFill>
               </a:rPr>
-              <a:t>Originally regarded as a teaching language; moderate success until the popularity of C increased in academic and later commercial settings</a:t>
+              <a:t>Originally regarded as a teaching language; moderate success until the popularity of C increased in academic and commercial settings</a:t>
             </a:r>
           </a:p>
           <a:p>
@@ -6879,7 +6803,7 @@
                   <a:srgbClr val="81C8BD"/>
                 </a:solidFill>
               </a:rPr>
-              <a:t>In 1981 Brian Kernighan wrote paper describing notable deficiencies of Pascal as compared to C</a:t>
+              <a:t>In 1981 Brian Kernighan wrote a paper describing the notable deficiencies of Pascal as compared to C</a:t>
             </a:r>
           </a:p>
           <a:p>
@@ -7178,7 +7102,7 @@
           <a:p>
             <a:r>
               <a:rPr lang="en-US" smtClean="0"/>
-              <a:t>Copyright © 2023 D.J. Davis  All Rights Reserved</a:t>
+              <a:t>Copyright © 2023 D.J. Davis.  All Rights Reserved.</a:t>
             </a:r>
             <a:endParaRPr lang="en-US"/>
           </a:p>
@@ -7354,7 +7278,7 @@
                   <a:srgbClr val="81C8BD"/>
                 </a:solidFill>
               </a:rPr>
-              <a:t>Program abended (terminated) on invalid IO / div by zero / invalid mem ref</a:t>
+              <a:t>Program abended (terminated) on invalid I/O  /  div by zero  /  invalid memory reference</a:t>
             </a:r>
           </a:p>
           <a:p>
@@ -7370,7 +7294,7 @@
                   <a:srgbClr val="81C8BD"/>
                 </a:solidFill>
               </a:rPr>
-              <a:t>In general usage, it did not overrun (static length) variables</a:t>
+              <a:t>In general usage, it did not overrun (fixed-length) variables</a:t>
             </a:r>
           </a:p>
           <a:p>
@@ -7386,15 +7310,23 @@
                   <a:srgbClr val="81C8BD"/>
                 </a:solidFill>
               </a:rPr>
-              <a:t>“Modern features” (e.g. dynamic mem allocation, Pointers including </a:t>
-            </a:r>
-            <a:r>
-              <a:rPr lang="en-US" sz="1600" dirty="0" err="1" smtClean="0">
-                <a:solidFill>
-                  <a:srgbClr val="81C8BD"/>
-                </a:solidFill>
-              </a:rPr>
-              <a:t>Ptr</a:t>
+              <a:t>“Modern features” (e.g. dynamic mem allocation, Pointers including pointer arithmetic, multitasking)</a:t>
+            </a:r>
+          </a:p>
+          <a:p>
+            <a:pPr marL="0" indent="0">
+              <a:spcBef>
+                <a:spcPts val="600"/>
+              </a:spcBef>
+              <a:buNone/>
+            </a:pPr>
+            <a:r>
+              <a:rPr lang="en-US" sz="1600" dirty="0">
+                <a:solidFill>
+                  <a:srgbClr val="81C8BD"/>
+                </a:solidFill>
+              </a:rPr>
+              <a:t>Notice the </a:t>
             </a:r>
             <a:r>
               <a:rPr lang="en-US" sz="1600" dirty="0" smtClean="0">
@@ -7402,23 +7334,31 @@
                   <a:srgbClr val="81C8BD"/>
                 </a:solidFill>
               </a:rPr>
-              <a:t> arithmetic, multitasking)</a:t>
-            </a:r>
-          </a:p>
-          <a:p>
-            <a:pPr marL="0" indent="0">
-              <a:spcBef>
-                <a:spcPts val="600"/>
-              </a:spcBef>
-              <a:buNone/>
-            </a:pPr>
+              <a:t>line: </a:t>
+            </a:r>
             <a:r>
               <a:rPr lang="en-US" sz="1600" dirty="0">
                 <a:solidFill>
                   <a:srgbClr val="81C8BD"/>
                 </a:solidFill>
               </a:rPr>
-              <a:t>Notice the line Procedure Options Main.  Pl/1 </a:t>
+              <a:t>Procedure Options </a:t>
+            </a:r>
+            <a:r>
+              <a:rPr lang="en-US" sz="1600" dirty="0">
+                <a:solidFill>
+                  <a:srgbClr val="00B050"/>
+                </a:solidFill>
+              </a:rPr>
+              <a:t>Main</a:t>
+            </a:r>
+            <a:r>
+              <a:rPr lang="en-US" sz="1600" dirty="0">
+                <a:solidFill>
+                  <a:srgbClr val="81C8BD"/>
+                </a:solidFill>
+              </a:rPr>
+              <a:t>.  Pl/1 </a:t>
             </a:r>
             <a:r>
               <a:rPr lang="en-US" sz="1600" dirty="0" smtClean="0">
@@ -7512,7 +7452,7 @@
                   <a:srgbClr val="F8A28B"/>
                 </a:solidFill>
               </a:rPr>
-              <a:t>           PUT SKIP DATA ('HELLO WORLD!');</a:t>
+              <a:t>           PUT SKIP DATA ('HELLO, WORLD!');</a:t>
             </a:r>
           </a:p>
           <a:p>
@@ -7596,7 +7536,7 @@
           <a:p>
             <a:r>
               <a:rPr lang="en-US" smtClean="0"/>
-              <a:t>Copyright © 2023 D.J. Davis  All Rights Reserved</a:t>
+              <a:t>Copyright © 2023 D.J. Davis.  All Rights Reserved.</a:t>
             </a:r>
             <a:endParaRPr lang="en-US"/>
           </a:p>
@@ -7686,7 +7626,7 @@
                 </a:solidFill>
                 <a:latin typeface="Bahnschrift SemiBold SemiConden" panose="020B0502040204020203" pitchFamily="34" charset="0"/>
               </a:rPr>
-              <a:t>Common Themes in Legacy G-P Ls</a:t>
+              <a:t>Some Themes from Legacy G-P Ls</a:t>
             </a:r>
             <a:endParaRPr lang="en-US" dirty="0">
               <a:solidFill>
@@ -7835,7 +7775,7 @@
                   <a:srgbClr val="81C8BD"/>
                 </a:solidFill>
               </a:rPr>
-              <a:t>error, bad data, invalid mem ref</a:t>
+              <a:t>error, bad data, invalid mem reference</a:t>
             </a:r>
             <a:endParaRPr lang="en-US" sz="1800" dirty="0">
               <a:solidFill>
@@ -8054,7 +7994,7 @@
                   <a:srgbClr val="81C8BD"/>
                 </a:solidFill>
               </a:rPr>
-              <a:t>was better edited</a:t>
+              <a:t>did not need to be sanitized as much</a:t>
             </a:r>
             <a:endParaRPr lang="en-US" sz="1800" dirty="0">
               <a:solidFill>
@@ -8112,7 +8052,7 @@
                   <a:srgbClr val="81C8BD"/>
                 </a:solidFill>
               </a:rPr>
-              <a:t>OS and Language controls were effected program input and on Variables </a:t>
+              <a:t>OS and Language controls were on effected program input and on Variables </a:t>
             </a:r>
             <a:r>
               <a:rPr lang="en-US" sz="1800" dirty="0">
@@ -8221,7 +8161,7 @@
                   <a:srgbClr val="81C8BD"/>
                 </a:solidFill>
               </a:rPr>
-              <a:t>APIs </a:t>
+              <a:t>Any APIs </a:t>
             </a:r>
             <a:r>
               <a:rPr lang="en-US" sz="1800" dirty="0">
@@ -8272,10 +8212,10 @@
           <a:lstStyle/>
           <a:p>
             <a:r>
-              <a:rPr lang="en-US" smtClean="0"/>
-              <a:t>Copyright © 2023 D.J. Davis  All Rights Reserved</a:t>
-            </a:r>
-            <a:endParaRPr lang="en-US"/>
+              <a:rPr lang="en-US" dirty="0" smtClean="0"/>
+              <a:t>Copyright © 2023 D.J. Davis.  All Rights Reserved.</a:t>
+            </a:r>
+            <a:endParaRPr lang="en-US" dirty="0"/>
           </a:p>
         </p:txBody>
       </p:sp>
@@ -8708,7 +8648,7 @@
           <a:p>
             <a:r>
               <a:rPr lang="en-US" smtClean="0"/>
-              <a:t>Copyright © 2023 D.J. Davis  All Rights Reserved</a:t>
+              <a:t>Copyright © 2023 D.J. Davis.  All Rights Reserved.</a:t>
             </a:r>
             <a:endParaRPr lang="en-US"/>
           </a:p>
@@ -8845,7 +8785,7 @@
                   <a:srgbClr val="81C8BD"/>
                 </a:solidFill>
               </a:rPr>
-              <a:t>C is ubiquitous, omnipresent, </a:t>
+              <a:t>C is a ubiquitous, omnipresent, </a:t>
             </a:r>
             <a:r>
               <a:rPr lang="en-US" sz="1600" dirty="0" smtClean="0">
@@ -8917,7 +8857,23 @@
                   <a:srgbClr val="81C8BD"/>
                 </a:solidFill>
               </a:rPr>
-              <a:t>Compact, port-able, able to access HW (pointers, pointer manipulation, inline Assembly)</a:t>
+              <a:t>Compact, port-able, able to access </a:t>
+            </a:r>
+            <a:r>
+              <a:rPr lang="en-US" sz="1600" dirty="0" err="1" smtClean="0">
+                <a:solidFill>
+                  <a:srgbClr val="81C8BD"/>
+                </a:solidFill>
+              </a:rPr>
+              <a:t>HardWare</a:t>
+            </a:r>
+            <a:r>
+              <a:rPr lang="en-US" sz="1600" dirty="0" smtClean="0">
+                <a:solidFill>
+                  <a:srgbClr val="81C8BD"/>
+                </a:solidFill>
+              </a:rPr>
+              <a:t>  (pointers, pointer manipulation, inline Assembly)</a:t>
             </a:r>
           </a:p>
           <a:p>
@@ -9325,7 +9281,7 @@
                   <a:srgbClr val="F8A28B"/>
                 </a:solidFill>
               </a:rPr>
-              <a:t> ("Hello, World \n");</a:t>
+              <a:t> ("Hello, World! \n");</a:t>
             </a:r>
           </a:p>
           <a:p>
@@ -9393,7 +9349,7 @@
           <a:p>
             <a:r>
               <a:rPr lang="en-US" smtClean="0"/>
-              <a:t>Copyright © 2023 D.J. Davis  All Rights Reserved</a:t>
+              <a:t>Copyright © 2023 D.J. Davis.  All Rights Reserved.</a:t>
             </a:r>
             <a:endParaRPr lang="en-US"/>
           </a:p>
@@ -9947,7 +9903,7 @@
           <a:p>
             <a:r>
               <a:rPr lang="en-US" smtClean="0"/>
-              <a:t>Copyright © 2023 D.J. Davis  All Rights Reserved</a:t>
+              <a:t>Copyright © 2023 D.J. Davis.  All Rights Reserved.</a:t>
             </a:r>
             <a:endParaRPr lang="en-US"/>
           </a:p>
@@ -10308,7 +10264,7 @@
                   <a:srgbClr val="81C8BD"/>
                 </a:solidFill>
               </a:rPr>
-              <a:t>Linux Torvalds is not keen on having C++ code added to Linux kernel</a:t>
+              <a:t>Linus Torvalds is not keen on having C++ code added to Linux kernel</a:t>
             </a:r>
           </a:p>
           <a:p>
@@ -10586,7 +10542,7 @@
           <a:p>
             <a:r>
               <a:rPr lang="en-US" smtClean="0"/>
-              <a:t>Copyright © 2023 D.J. Davis  All Rights Reserved</a:t>
+              <a:t>Copyright © 2023 D.J. Davis.  All Rights Reserved.</a:t>
             </a:r>
             <a:endParaRPr lang="en-US"/>
           </a:p>
@@ -11137,7 +11093,7 @@
           <a:p>
             <a:r>
               <a:rPr lang="en-US" smtClean="0"/>
-              <a:t>Copyright © 2023 D.J. Davis  All Rights Reserved</a:t>
+              <a:t>Copyright © 2023 D.J. Davis.  All Rights Reserved.</a:t>
             </a:r>
             <a:endParaRPr lang="en-US"/>
           </a:p>
@@ -11426,7 +11382,7 @@
                 <a:latin typeface="Times New Roman" panose="02020603050405020304" pitchFamily="18" charset="0"/>
                 <a:cs typeface="Times New Roman" panose="02020603050405020304" pitchFamily="18" charset="0"/>
               </a:rPr>
-              <a:t>Version 0.01</a:t>
+              <a:t>Version 0.03</a:t>
             </a:r>
             <a:endParaRPr lang="en-US" sz="1900" dirty="0">
               <a:solidFill>
@@ -11464,7 +11420,7 @@
           <a:p>
             <a:r>
               <a:rPr lang="en-US" smtClean="0"/>
-              <a:t>Copyright © 2023 D.J. Davis  All Rights Reserved</a:t>
+              <a:t>Copyright © 2023 D.J. Davis.  All Rights Reserved.</a:t>
             </a:r>
             <a:endParaRPr lang="en-US"/>
           </a:p>
@@ -11929,7 +11885,7 @@
             <a:pPr marL="0" indent="0">
               <a:buNone/>
             </a:pPr>
-            <a:endParaRPr lang="en-US" sz="1500" dirty="0" smtClean="0">
+            <a:endParaRPr lang="en-US" sz="800" dirty="0" smtClean="0">
               <a:solidFill>
                 <a:srgbClr val="81C8BD"/>
               </a:solidFill>
@@ -11980,39 +11936,7 @@
                   <a:srgbClr val="F8A28B"/>
                 </a:solidFill>
               </a:rPr>
-              <a:t># (on Linux the </a:t>
-            </a:r>
-            <a:r>
-              <a:rPr lang="en-US" sz="1500" dirty="0" err="1" smtClean="0">
-                <a:solidFill>
-                  <a:srgbClr val="F8A28B"/>
-                </a:solidFill>
-              </a:rPr>
-              <a:t>previos</a:t>
-            </a:r>
-            <a:r>
-              <a:rPr lang="en-US" sz="1500" dirty="0" smtClean="0">
-                <a:solidFill>
-                  <a:srgbClr val="F8A28B"/>
-                </a:solidFill>
-              </a:rPr>
-              <a:t> </a:t>
-            </a:r>
-            <a:r>
-              <a:rPr lang="en-US" sz="1500" smtClean="0">
-                <a:solidFill>
-                  <a:srgbClr val="F8A28B"/>
-                </a:solidFill>
-              </a:rPr>
-              <a:t>line specifies </a:t>
-            </a:r>
-            <a:r>
-              <a:rPr lang="en-US" sz="1500" dirty="0" smtClean="0">
-                <a:solidFill>
-                  <a:srgbClr val="F8A28B"/>
-                </a:solidFill>
-              </a:rPr>
-              <a:t>the interpreter)</a:t>
+              <a:t># (on Linux the previous line specifies the interpreter)</a:t>
             </a:r>
           </a:p>
           <a:p>
@@ -12134,7 +12058,7 @@
           <a:p>
             <a:r>
               <a:rPr lang="en-US" smtClean="0"/>
-              <a:t>Copyright © 2023 D.J. Davis  All Rights Reserved</a:t>
+              <a:t>Copyright © 2023 D.J. Davis.  All Rights Reserved.</a:t>
             </a:r>
             <a:endParaRPr lang="en-US"/>
           </a:p>
@@ -12695,7 +12619,7 @@
           <a:p>
             <a:r>
               <a:rPr lang="en-US" smtClean="0"/>
-              <a:t>Copyright © 2023 D.J. Davis  All Rights Reserved</a:t>
+              <a:t>Copyright © 2023 D.J. Davis.  All Rights Reserved.</a:t>
             </a:r>
             <a:endParaRPr lang="en-US"/>
           </a:p>
@@ -12894,7 +12818,7 @@
                   <a:srgbClr val="81C8BD"/>
                 </a:solidFill>
               </a:rPr>
-              <a:t>browser</a:t>
+              <a:t>browser to provide dynamic effects to a web page</a:t>
             </a:r>
           </a:p>
           <a:p>
@@ -13247,7 +13171,7 @@
           <a:p>
             <a:r>
               <a:rPr lang="en-US" smtClean="0"/>
-              <a:t>Copyright © 2023 D.J. Davis  All Rights Reserved</a:t>
+              <a:t>Copyright © 2023 D.J. Davis.  All Rights Reserved.</a:t>
             </a:r>
             <a:endParaRPr lang="en-US"/>
           </a:p>
@@ -13329,22 +13253,13 @@
           <a:lstStyle/>
           <a:p>
             <a:r>
-              <a:rPr lang="en-US" dirty="0" err="1" smtClean="0">
+              <a:rPr lang="en-US" dirty="0" smtClean="0">
                 <a:solidFill>
                   <a:srgbClr val="ECDA2D"/>
                 </a:solidFill>
                 <a:latin typeface="Bahnschrift SemiBold SemiConden" panose="020B0502040204020203" pitchFamily="34" charset="0"/>
               </a:rPr>
-              <a:t>Javascript’s</a:t>
-            </a:r>
-            <a:r>
-              <a:rPr lang="en-US" dirty="0" smtClean="0">
-                <a:solidFill>
-                  <a:srgbClr val="ECDA2D"/>
-                </a:solidFill>
-                <a:latin typeface="Bahnschrift SemiBold SemiConden" panose="020B0502040204020203" pitchFamily="34" charset="0"/>
-              </a:rPr>
-              <a:t> behaviors</a:t>
+              <a:t>JavaScript’s behaviors</a:t>
             </a:r>
             <a:r>
               <a:rPr lang="en-US" dirty="0" smtClean="0"/>
@@ -13751,7 +13666,7 @@
           <a:p>
             <a:r>
               <a:rPr lang="en-US" smtClean="0"/>
-              <a:t>Copyright © 2023 D.J. Davis  All Rights Reserved</a:t>
+              <a:t>Copyright © 2023 D.J. Davis.  All Rights Reserved.</a:t>
             </a:r>
             <a:endParaRPr lang="en-US"/>
           </a:p>
@@ -14233,7 +14148,7 @@
           <a:p>
             <a:r>
               <a:rPr lang="en-US" smtClean="0"/>
-              <a:t>Copyright © 2023 D.J. Davis  All Rights Reserved</a:t>
+              <a:t>Copyright © 2023 D.J. Davis.  All Rights Reserved.</a:t>
             </a:r>
             <a:endParaRPr lang="en-US"/>
           </a:p>
@@ -14741,7 +14656,7 @@
           <a:p>
             <a:r>
               <a:rPr lang="en-US" smtClean="0"/>
-              <a:t>Copyright © 2023 D.J. Davis  All Rights Reserved</a:t>
+              <a:t>Copyright © 2023 D.J. Davis.  All Rights Reserved.</a:t>
             </a:r>
             <a:endParaRPr lang="en-US"/>
           </a:p>
@@ -15013,7 +14928,7 @@
                   <a:srgbClr val="81C8BD"/>
                 </a:solidFill>
               </a:rPr>
-              <a:t>Used primarily for Web development, Static website generation, DevOps automation</a:t>
+              <a:t>Used primarily for Web development, Static website page generation, DevOps automation</a:t>
             </a:r>
           </a:p>
           <a:p>
@@ -15116,7 +15031,7 @@
                   <a:srgbClr val="81C8BD"/>
                 </a:solidFill>
               </a:rPr>
-              <a:t>Creating variables… starting with lowercase creates Variable; uppercase creates Constant</a:t>
+              <a:t>On creating variables… starting with lowercase creates Variable; uppercase creates Constant</a:t>
             </a:r>
           </a:p>
           <a:p>
@@ -15387,23 +15302,7 @@
                   <a:srgbClr val="F8A28B"/>
                 </a:solidFill>
               </a:rPr>
-              <a:t>f </a:t>
-            </a:r>
-            <a:r>
-              <a:rPr lang="en-US" sz="1500" smtClean="0">
-                <a:solidFill>
-                  <a:srgbClr val="F8A28B"/>
-                </a:solidFill>
-              </a:rPr>
-              <a:t>apple == </a:t>
-            </a:r>
-            <a:r>
-              <a:rPr lang="en-US" sz="1500" dirty="0" smtClean="0">
-                <a:solidFill>
-                  <a:srgbClr val="F8A28B"/>
-                </a:solidFill>
-              </a:rPr>
-              <a:t>6 then puts “</a:t>
+              <a:t>f apple == 6 then puts “</a:t>
             </a:r>
             <a:r>
               <a:rPr lang="en-US" sz="1500" dirty="0" err="1" smtClean="0">
@@ -15495,7 +15394,7 @@
           <a:p>
             <a:r>
               <a:rPr lang="en-US" smtClean="0"/>
-              <a:t>Copyright © 2023 D.J. Davis  All Rights Reserved</a:t>
+              <a:t>Copyright © 2023 D.J. Davis.  All Rights Reserved.</a:t>
             </a:r>
             <a:endParaRPr lang="en-US"/>
           </a:p>
@@ -15977,7 +15876,7 @@
           <a:p>
             <a:r>
               <a:rPr lang="en-US" smtClean="0"/>
-              <a:t>Copyright © 2023 D.J. Davis  All Rights Reserved</a:t>
+              <a:t>Copyright © 2023 D.J. Davis.  All Rights Reserved.</a:t>
             </a:r>
             <a:endParaRPr lang="en-US"/>
           </a:p>
@@ -16197,7 +16096,7 @@
                   <a:srgbClr val="81C8BD"/>
                 </a:solidFill>
               </a:rPr>
-              <a:t>A concept of JVM is multi-platform code; write once, run </a:t>
+              <a:t>A concept of </a:t>
             </a:r>
             <a:r>
               <a:rPr lang="en-US" dirty="0" smtClean="0">
@@ -16205,6 +16104,22 @@
                   <a:srgbClr val="81C8BD"/>
                 </a:solidFill>
               </a:rPr>
+              <a:t>the JVM: multi-platform </a:t>
+            </a:r>
+            <a:r>
+              <a:rPr lang="en-US" dirty="0">
+                <a:solidFill>
+                  <a:srgbClr val="81C8BD"/>
+                </a:solidFill>
+              </a:rPr>
+              <a:t>code; write once, run </a:t>
+            </a:r>
+            <a:r>
+              <a:rPr lang="en-US" dirty="0" smtClean="0">
+                <a:solidFill>
+                  <a:srgbClr val="81C8BD"/>
+                </a:solidFill>
+              </a:rPr>
               <a:t>anywhere (</a:t>
             </a:r>
             <a:r>
@@ -16293,7 +16208,7 @@
                   <a:srgbClr val="81C8BD"/>
                 </a:solidFill>
               </a:rPr>
-              <a:t>Keyboard entry is possible </a:t>
+              <a:t>Keyboard input is possible </a:t>
             </a:r>
             <a:r>
               <a:rPr lang="en-US" dirty="0" smtClean="0">
@@ -16325,7 +16240,7 @@
                   <a:srgbClr val="81C8BD"/>
                 </a:solidFill>
               </a:rPr>
-              <a:t>Much Java is used for the back-end of websites, and for business process logic</a:t>
+              <a:t>Java is used frequently for the back-end of websites, and for business process logic</a:t>
             </a:r>
           </a:p>
           <a:p>
@@ -16341,7 +16256,7 @@
                   <a:srgbClr val="81C8BD"/>
                 </a:solidFill>
               </a:rPr>
-              <a:t>Java was the official language for Android until Kotlin became the preferred language in 2018</a:t>
+              <a:t>Java was the official language for Android app development until Kotlin became the preferred language in 2018</a:t>
             </a:r>
           </a:p>
           <a:p>
@@ -16715,7 +16630,7 @@
         </p:blipFill>
         <p:spPr>
           <a:xfrm>
-            <a:off x="9348293" y="3568652"/>
+            <a:off x="9686621" y="3608553"/>
             <a:ext cx="2005507" cy="2674009"/>
           </a:xfrm>
           <a:prstGeom prst="rect">
@@ -16740,7 +16655,7 @@
           <a:p>
             <a:r>
               <a:rPr lang="en-US" smtClean="0"/>
-              <a:t>Copyright © 2023 D.J. Davis  All Rights Reserved</a:t>
+              <a:t>Copyright © 2023 D.J. Davis.  All Rights Reserved.</a:t>
             </a:r>
             <a:endParaRPr lang="en-US"/>
           </a:p>
@@ -17114,7 +17029,7 @@
             </a:r>
             <a:r>
               <a:rPr lang="en-US" dirty="0" smtClean="0"/>
-              <a:t>Integers (diff sizes, signed/unsigned), Floats, Char, String, Boolean</a:t>
+              <a:t>Integers (diff sizes, signed/unsigned), Floats, Char, Byte, String, Boolean</a:t>
             </a:r>
             <a:endParaRPr lang="en-US" dirty="0"/>
           </a:p>
@@ -17126,21 +17041,18 @@
           </a:p>
           <a:p>
             <a:r>
-              <a:rPr lang="en-US" dirty="0" smtClean="0">
-                <a:solidFill>
-                  <a:srgbClr val="C00000"/>
-                </a:solidFill>
-              </a:rPr>
-              <a:t>Can</a:t>
-            </a:r>
-            <a:r>
-              <a:rPr lang="en-US" dirty="0" smtClean="0"/>
-              <a:t> </a:t>
+              <a:rPr lang="en-US" dirty="0" smtClean="0"/>
+              <a:t>Can </a:t>
             </a:r>
             <a:r>
               <a:rPr lang="en-US" dirty="0"/>
-              <a:t>overrun variables: Yes</a:t>
-            </a:r>
+              <a:t>overrun variables: </a:t>
+            </a:r>
+            <a:r>
+              <a:rPr lang="en-US" dirty="0" smtClean="0"/>
+              <a:t>No</a:t>
+            </a:r>
+            <a:endParaRPr lang="en-US" dirty="0"/>
           </a:p>
           <a:p>
             <a:r>
@@ -17239,7 +17151,7 @@
           <a:p>
             <a:r>
               <a:rPr lang="en-US" smtClean="0"/>
-              <a:t>Copyright © 2023 D.J. Davis  All Rights Reserved</a:t>
+              <a:t>Copyright © 2023 D.J. Davis.  All Rights Reserved.</a:t>
             </a:r>
             <a:endParaRPr lang="en-US"/>
           </a:p>
@@ -17433,16 +17345,7 @@
                 </a:solidFill>
                 <a:cs typeface="Times New Roman" panose="02020603050405020304" pitchFamily="18" charset="0"/>
               </a:rPr>
-              <a:t>in my chair with </a:t>
-            </a:r>
-            <a:r>
-              <a:rPr lang="en-US" sz="1800" dirty="0">
-                <a:solidFill>
-                  <a:srgbClr val="81C8BD"/>
-                </a:solidFill>
-                <a:cs typeface="Times New Roman" panose="02020603050405020304" pitchFamily="18" charset="0"/>
-              </a:rPr>
-              <a:t>a</a:t>
+              <a:t>in my chair with a</a:t>
             </a:r>
             <a:r>
               <a:rPr lang="en-US" sz="1800" dirty="0" smtClean="0">
@@ -17568,17 +17471,35 @@
               <a:t>that can occur in </a:t>
             </a:r>
             <a:r>
+              <a:rPr lang="en-US" sz="1800" b="1" dirty="0" smtClean="0">
+                <a:solidFill>
+                  <a:srgbClr val="81C8BD"/>
+                </a:solidFill>
+                <a:cs typeface="Times New Roman" panose="02020603050405020304" pitchFamily="18" charset="0"/>
+              </a:rPr>
+              <a:t>languages</a:t>
+            </a:r>
+            <a:r>
               <a:rPr lang="en-US" sz="1800" dirty="0" smtClean="0">
                 <a:solidFill>
                   <a:srgbClr val="81C8BD"/>
                 </a:solidFill>
                 <a:cs typeface="Times New Roman" panose="02020603050405020304" pitchFamily="18" charset="0"/>
               </a:rPr>
-              <a:t>languages (not OSes; not configuration)</a:t>
+              <a:t> </a:t>
+            </a:r>
+            <a:r>
+              <a:rPr lang="en-US" sz="1800" dirty="0" smtClean="0">
+                <a:solidFill>
+                  <a:srgbClr val="686EA0"/>
+                </a:solidFill>
+                <a:cs typeface="Times New Roman" panose="02020603050405020304" pitchFamily="18" charset="0"/>
+              </a:rPr>
+              <a:t>(not OSes; not configuration)</a:t>
             </a:r>
             <a:endParaRPr lang="en-US" sz="1800" dirty="0">
               <a:solidFill>
-                <a:srgbClr val="81C8BD"/>
+                <a:srgbClr val="686EA0"/>
               </a:solidFill>
               <a:cs typeface="Times New Roman" panose="02020603050405020304" pitchFamily="18" charset="0"/>
             </a:endParaRPr>
@@ -17696,7 +17617,25 @@
                 </a:solidFill>
                 <a:cs typeface="Times New Roman" panose="02020603050405020304" pitchFamily="18" charset="0"/>
               </a:rPr>
-              <a:t>Provide examples, info to start programming in these languages   </a:t>
+              <a:t>Provide a </a:t>
+            </a:r>
+            <a:r>
+              <a:rPr lang="en-US" sz="1800" dirty="0" smtClean="0">
+                <a:solidFill>
+                  <a:srgbClr val="81C8BD"/>
+                </a:solidFill>
+                <a:cs typeface="Times New Roman" panose="02020603050405020304" pitchFamily="18" charset="0"/>
+              </a:rPr>
+              <a:t>“Hello, World!” </a:t>
+            </a:r>
+            <a:r>
+              <a:rPr lang="en-US" sz="1800" dirty="0" smtClean="0">
+                <a:solidFill>
+                  <a:srgbClr val="ECDA2D"/>
+                </a:solidFill>
+                <a:cs typeface="Times New Roman" panose="02020603050405020304" pitchFamily="18" charset="0"/>
+              </a:rPr>
+              <a:t>example, and information to start programming in these languages   </a:t>
             </a:r>
             <a:r>
               <a:rPr lang="en-US" sz="1800" dirty="0" smtClean="0">
@@ -17768,7 +17707,7 @@
           <a:p>
             <a:r>
               <a:rPr lang="en-US" smtClean="0"/>
-              <a:t>Copyright © 2023 D.J. Davis  All Rights Reserved</a:t>
+              <a:t>Copyright © 2023 D.J. Davis.  All Rights Reserved.</a:t>
             </a:r>
             <a:endParaRPr lang="en-US"/>
           </a:p>
@@ -18401,7 +18340,7 @@
           <a:p>
             <a:r>
               <a:rPr lang="en-US" smtClean="0"/>
-              <a:t>Copyright © 2023 D.J. Davis  All Rights Reserved</a:t>
+              <a:t>Copyright © 2023 D.J. Davis.  All Rights Reserved.</a:t>
             </a:r>
             <a:endParaRPr lang="en-US"/>
           </a:p>
@@ -18819,9 +18758,25 @@
             </a:r>
             <a:r>
               <a:rPr lang="en-US" dirty="0" smtClean="0"/>
-              <a:t>String, Boolean</a:t>
-            </a:r>
-            <a:endParaRPr lang="en-US" dirty="0"/>
+              <a:t>Byte, String, </a:t>
+            </a:r>
+            <a:r>
+              <a:rPr lang="en-US" dirty="0" smtClean="0"/>
+              <a:t>Boolean  </a:t>
+            </a:r>
+            <a:r>
+              <a:rPr lang="en-US" dirty="0" smtClean="0">
+                <a:solidFill>
+                  <a:srgbClr val="00B050"/>
+                </a:solidFill>
+              </a:rPr>
+              <a:t>(like Java; on JVM)</a:t>
+            </a:r>
+            <a:endParaRPr lang="en-US" dirty="0">
+              <a:solidFill>
+                <a:srgbClr val="00B050"/>
+              </a:solidFill>
+            </a:endParaRPr>
           </a:p>
           <a:p>
             <a:r>
@@ -18933,7 +18888,7 @@
           <a:p>
             <a:r>
               <a:rPr lang="en-US" smtClean="0"/>
-              <a:t>Copyright © 2023 D.J. Davis  All Rights Reserved</a:t>
+              <a:t>Copyright © 2023 D.J. Davis.  All Rights Reserved.</a:t>
             </a:r>
             <a:endParaRPr lang="en-US"/>
           </a:p>
@@ -19430,7 +19385,7 @@
           <a:p>
             <a:r>
               <a:rPr lang="en-US" smtClean="0"/>
-              <a:t>Copyright © 2023 D.J. Davis  All Rights Reserved</a:t>
+              <a:t>Copyright © 2023 D.J. Davis.  All Rights Reserved.</a:t>
             </a:r>
             <a:endParaRPr lang="en-US"/>
           </a:p>
@@ -19674,7 +19629,7 @@
             </a:r>
             <a:r>
               <a:rPr lang="en-US" dirty="0" smtClean="0"/>
-              <a:t>Can start new threads via function calls</a:t>
+              <a:t>Thread and Task object classes</a:t>
             </a:r>
             <a:endParaRPr lang="en-US" dirty="0"/>
           </a:p>
@@ -19871,8 +19826,13 @@
             </a:r>
             <a:r>
               <a:rPr lang="en-US" dirty="0"/>
-              <a:t>overrun variables: Yes</a:t>
-            </a:r>
+              <a:t>overrun variables: </a:t>
+            </a:r>
+            <a:r>
+              <a:rPr lang="en-US" dirty="0" smtClean="0"/>
+              <a:t>No</a:t>
+            </a:r>
+            <a:endParaRPr lang="en-US" dirty="0"/>
           </a:p>
           <a:p>
             <a:r>
@@ -19968,7 +19928,7 @@
           <a:p>
             <a:r>
               <a:rPr lang="en-US" smtClean="0"/>
-              <a:t>Copyright © 2023 D.J. Davis  All Rights Reserved</a:t>
+              <a:t>Copyright © 2023 D.J. Davis.  All Rights Reserved.</a:t>
             </a:r>
             <a:endParaRPr lang="en-US"/>
           </a:p>
@@ -20185,7 +20145,7 @@
                   <a:srgbClr val="81C8BD"/>
                 </a:solidFill>
               </a:rPr>
-              <a:t>Requires </a:t>
+              <a:t>Requires program to be "production-ready</a:t>
             </a:r>
             <a:r>
               <a:rPr lang="en-US" dirty="0">
@@ -20193,7 +20153,7 @@
                   <a:srgbClr val="81C8BD"/>
                 </a:solidFill>
               </a:rPr>
-              <a:t>"production-ready" code</a:t>
+              <a:t>" code</a:t>
             </a:r>
           </a:p>
           <a:p>
@@ -20754,7 +20714,7 @@
           <a:p>
             <a:r>
               <a:rPr lang="en-US" smtClean="0"/>
-              <a:t>Copyright © 2023 D.J. Davis  All Rights Reserved</a:t>
+              <a:t>Copyright © 2023 D.J. Davis.  All Rights Reserved.</a:t>
             </a:r>
             <a:endParaRPr lang="en-US"/>
           </a:p>
@@ -21189,21 +21149,18 @@
           </a:p>
           <a:p>
             <a:r>
-              <a:rPr lang="en-US" dirty="0" smtClean="0">
-                <a:solidFill>
-                  <a:srgbClr val="C00000"/>
-                </a:solidFill>
-              </a:rPr>
-              <a:t>Can</a:t>
-            </a:r>
-            <a:r>
-              <a:rPr lang="en-US" dirty="0" smtClean="0"/>
-              <a:t> </a:t>
+              <a:rPr lang="en-US" dirty="0" smtClean="0"/>
+              <a:t>Can </a:t>
             </a:r>
             <a:r>
               <a:rPr lang="en-US" dirty="0"/>
-              <a:t>overrun variables: Yes</a:t>
-            </a:r>
+              <a:t>overrun variables: </a:t>
+            </a:r>
+            <a:r>
+              <a:rPr lang="en-US" dirty="0" smtClean="0"/>
+              <a:t>No</a:t>
+            </a:r>
+            <a:endParaRPr lang="en-US" dirty="0"/>
           </a:p>
           <a:p>
             <a:r>
@@ -21303,7 +21260,7 @@
           <a:p>
             <a:r>
               <a:rPr lang="en-US" smtClean="0"/>
-              <a:t>Copyright © 2023 D.J. Davis  All Rights Reserved</a:t>
+              <a:t>Copyright © 2023 D.J. Davis.  All Rights Reserved.</a:t>
             </a:r>
             <a:endParaRPr lang="en-US"/>
           </a:p>
@@ -21757,7 +21714,7 @@
           <a:p>
             <a:r>
               <a:rPr lang="en-US" smtClean="0"/>
-              <a:t>Copyright © 2023 D.J. Davis  All Rights Reserved</a:t>
+              <a:t>Copyright © 2023 D.J. Davis.  All Rights Reserved.</a:t>
             </a:r>
             <a:endParaRPr lang="en-US"/>
           </a:p>
@@ -22290,8 +22247,13 @@
             </a:r>
             <a:r>
               <a:rPr lang="en-US" dirty="0"/>
-              <a:t>overrun variables: Yes</a:t>
-            </a:r>
+              <a:t>overrun variables</a:t>
+            </a:r>
+            <a:r>
+              <a:rPr lang="en-US" dirty="0" smtClean="0"/>
+              <a:t>: No</a:t>
+            </a:r>
+            <a:endParaRPr lang="en-US" dirty="0"/>
           </a:p>
           <a:p>
             <a:r>
@@ -22387,7 +22349,7 @@
           <a:p>
             <a:r>
               <a:rPr lang="en-US" smtClean="0"/>
-              <a:t>Copyright © 2023 D.J. Davis  All Rights Reserved</a:t>
+              <a:t>Copyright © 2023 D.J. Davis.  All Rights Reserved.</a:t>
             </a:r>
             <a:endParaRPr lang="en-US"/>
           </a:p>
@@ -22614,7 +22576,7 @@
                   <a:srgbClr val="81C8BD"/>
                 </a:solidFill>
               </a:rPr>
-              <a:t>library (interoperability).  Diff runtime library on non-Apple platforms</a:t>
+              <a:t>library (interoperability).  Different runtime library on non-Apple platforms</a:t>
             </a:r>
           </a:p>
           <a:p>
@@ -22653,7 +22615,7 @@
                   <a:srgbClr val="81C8BD"/>
                 </a:solidFill>
               </a:rPr>
-              <a:t>About creating variables… </a:t>
+              <a:t>On creating variables… </a:t>
             </a:r>
             <a:r>
               <a:rPr lang="en-US" sz="1600" i="1" dirty="0" err="1" smtClean="0">
@@ -23230,7 +23192,7 @@
           <a:p>
             <a:r>
               <a:rPr lang="en-US" smtClean="0"/>
-              <a:t>Copyright © 2023 D.J. Davis  All Rights Reserved</a:t>
+              <a:t>Copyright © 2023 D.J. Davis.  All Rights Reserved.</a:t>
             </a:r>
             <a:endParaRPr lang="en-US"/>
           </a:p>
@@ -23797,7 +23759,7 @@
           <a:p>
             <a:r>
               <a:rPr lang="en-US" smtClean="0"/>
-              <a:t>Copyright © 2023 D.J. Davis  All Rights Reserved</a:t>
+              <a:t>Copyright © 2023 D.J. Davis.  All Rights Reserved.</a:t>
             </a:r>
             <a:endParaRPr lang="en-US"/>
           </a:p>
@@ -24125,7 +24087,7 @@
           <a:p>
             <a:r>
               <a:rPr lang="en-US" smtClean="0"/>
-              <a:t>Copyright © 2023 D.J. Davis  All Rights Reserved</a:t>
+              <a:t>Copyright © 2023 D.J. Davis.  All Rights Reserved.</a:t>
             </a:r>
             <a:endParaRPr lang="en-US"/>
           </a:p>
@@ -25429,7 +25391,7 @@
           <a:p>
             <a:r>
               <a:rPr lang="en-US" smtClean="0"/>
-              <a:t>Copyright © 2023 D.J. Davis  All Rights Reserved</a:t>
+              <a:t>Copyright © 2023 D.J. Davis.  All Rights Reserved.</a:t>
             </a:r>
             <a:endParaRPr lang="en-US"/>
           </a:p>
@@ -25700,7 +25662,7 @@
                   </a:schemeClr>
                 </a:solidFill>
               </a:rPr>
-              <a:t>Moderately Fast (slower than PHP)</a:t>
+              <a:t>Moderately Fast (but slower than PHP)</a:t>
             </a:r>
             <a:endParaRPr lang="en-US" dirty="0">
               <a:solidFill>
@@ -25797,7 +25759,7 @@
                   <a:srgbClr val="0070C0"/>
                 </a:solidFill>
               </a:rPr>
-              <a:t>Fast  (slower than C, C++, Go, Rust.  Very fast for an interpreter)</a:t>
+              <a:t>Fast  (but slower than C, C++, Go, Rust.  Very fast for an interpreter)</a:t>
             </a:r>
             <a:endParaRPr lang="en-US" dirty="0">
               <a:solidFill>
@@ -26105,7 +26067,15 @@
             </a:pPr>
             <a:r>
               <a:rPr lang="en-US" dirty="0" smtClean="0"/>
-              <a:t>(*)  All of the Moderate </a:t>
+              <a:t>(*)  </a:t>
+            </a:r>
+            <a:r>
+              <a:rPr lang="en-US" dirty="0"/>
+              <a:t>T</a:t>
+            </a:r>
+            <a:r>
+              <a:rPr lang="en-US" dirty="0" smtClean="0"/>
+              <a:t>he Moderate </a:t>
             </a:r>
             <a:r>
               <a:rPr lang="en-US" dirty="0" smtClean="0">
@@ -26117,7 +26087,7 @@
             </a:r>
             <a:r>
               <a:rPr lang="en-US" dirty="0" smtClean="0"/>
-              <a:t>languages are similar, given the natural variances in the trials and the tendencies of time spent in user and system processing as well as considering the wall-clock time</a:t>
+              <a:t>languages are similar, given the natural variances in the test trials and their tendencies of time spent in user and system execution.  They are also similar in wall-clock times</a:t>
             </a:r>
           </a:p>
           <a:p>
@@ -26145,7 +26115,7 @@
           <a:p>
             <a:r>
               <a:rPr lang="en-US" smtClean="0"/>
-              <a:t>Copyright © 2023 D.J. Davis  All Rights Reserved</a:t>
+              <a:t>Copyright © 2023 D.J. Davis.  All Rights Reserved.</a:t>
             </a:r>
             <a:endParaRPr lang="en-US"/>
           </a:p>
@@ -26312,7 +26282,39 @@
                   <a:srgbClr val="81C8BD"/>
                 </a:solidFill>
               </a:rPr>
-              <a:t>- generic features that allows same code on diff platforms</a:t>
+              <a:t>- generic features that allows </a:t>
+            </a:r>
+            <a:r>
+              <a:rPr lang="en-US" sz="1800" dirty="0" smtClean="0">
+                <a:solidFill>
+                  <a:srgbClr val="81C8BD"/>
+                </a:solidFill>
+              </a:rPr>
+              <a:t>the same </a:t>
+            </a:r>
+            <a:r>
+              <a:rPr lang="en-US" sz="1800" dirty="0">
+                <a:solidFill>
+                  <a:srgbClr val="81C8BD"/>
+                </a:solidFill>
+              </a:rPr>
+              <a:t>code on </a:t>
+            </a:r>
+            <a:r>
+              <a:rPr lang="en-US" sz="1800" dirty="0" smtClean="0">
+                <a:solidFill>
+                  <a:srgbClr val="81C8BD"/>
+                </a:solidFill>
+              </a:rPr>
+              <a:t>different </a:t>
+            </a:r>
+            <a:r>
+              <a:rPr lang="en-US" sz="1800" dirty="0">
+                <a:solidFill>
+                  <a:srgbClr val="81C8BD"/>
+                </a:solidFill>
+              </a:rPr>
+              <a:t>platforms</a:t>
             </a:r>
           </a:p>
           <a:p>
@@ -26339,12 +26341,20 @@
               <a:t>Language </a:t>
             </a:r>
             <a:r>
+              <a:rPr lang="en-US" sz="1800" dirty="0" smtClean="0">
+                <a:solidFill>
+                  <a:srgbClr val="81C8BD"/>
+                </a:solidFill>
+              </a:rPr>
+              <a:t>– to create systems </a:t>
+            </a:r>
+            <a:r>
               <a:rPr lang="en-US" sz="1800" dirty="0">
                 <a:solidFill>
                   <a:srgbClr val="81C8BD"/>
                 </a:solidFill>
               </a:rPr>
-              <a:t>- systems software: OS, compilers</a:t>
+              <a:t>software: OS, compilers</a:t>
             </a:r>
             <a:r>
               <a:rPr lang="en-US" sz="1800" dirty="0" smtClean="0">
@@ -26699,7 +26709,7 @@
           <a:p>
             <a:r>
               <a:rPr lang="en-US" smtClean="0"/>
-              <a:t>Copyright © 2023 D.J. Davis  All Rights Reserved</a:t>
+              <a:t>Copyright © 2023 D.J. Davis.  All Rights Reserved.</a:t>
             </a:r>
             <a:endParaRPr lang="en-US"/>
           </a:p>
@@ -27616,32 +27626,32 @@
               <a:t>% </a:t>
             </a:r>
             <a:r>
+              <a:rPr lang="en-US" dirty="0" smtClean="0">
+                <a:solidFill>
+                  <a:srgbClr val="7030A0"/>
+                </a:solidFill>
+              </a:rPr>
+              <a:t>Go</a:t>
+            </a:r>
+            <a:r>
+              <a:rPr lang="en-US" dirty="0" smtClean="0">
+                <a:solidFill>
+                  <a:srgbClr val="81C8BD"/>
+                </a:solidFill>
+              </a:rPr>
+              <a:t>, 6% Assembly; </a:t>
+            </a:r>
+            <a:r>
+              <a:rPr lang="en-US" dirty="0" err="1">
+                <a:solidFill>
+                  <a:srgbClr val="81C8BD"/>
+                </a:solidFill>
+              </a:rPr>
+              <a:t>orig</a:t>
+            </a:r>
+            <a:r>
               <a:rPr lang="en-US" dirty="0">
                 <a:solidFill>
-                  <a:srgbClr val="7030A0"/>
-                </a:solidFill>
-              </a:rPr>
-              <a:t>Go</a:t>
-            </a:r>
-            <a:r>
-              <a:rPr lang="en-US" dirty="0">
-                <a:solidFill>
-                  <a:srgbClr val="81C8BD"/>
-                </a:solidFill>
-              </a:rPr>
-              <a:t>; </a:t>
-            </a:r>
-            <a:r>
-              <a:rPr lang="en-US" dirty="0" err="1">
-                <a:solidFill>
-                  <a:srgbClr val="81C8BD"/>
-                </a:solidFill>
-              </a:rPr>
-              <a:t>orig</a:t>
-            </a:r>
-            <a:r>
-              <a:rPr lang="en-US" dirty="0">
-                <a:solidFill>
                   <a:srgbClr val="81C8BD"/>
                 </a:solidFill>
               </a:rPr>
@@ -27653,7 +27663,7 @@
                   <a:srgbClr val="81C8BD"/>
                 </a:solidFill>
               </a:rPr>
-              <a:t>C     		applications</a:t>
+              <a:t>C     	applications</a:t>
             </a:r>
             <a:endParaRPr lang="en-US" dirty="0">
               <a:solidFill>
@@ -27685,47 +27695,43 @@
               <a:t>Rust</a:t>
             </a:r>
             <a:r>
-              <a:rPr lang="en-US" b="1" dirty="0">
-                <a:solidFill>
-                  <a:schemeClr val="tx1">
-                    <a:lumMod val="50000"/>
-                  </a:schemeClr>
+              <a:rPr lang="en-US" dirty="0">
+                <a:solidFill>
+                  <a:srgbClr val="81C8BD"/>
                 </a:solidFill>
               </a:rPr>
               <a:t>; </a:t>
             </a:r>
             <a:r>
-              <a:rPr lang="en-US" b="1" dirty="0" err="1">
-                <a:solidFill>
-                  <a:schemeClr val="tx1">
-                    <a:lumMod val="50000"/>
-                  </a:schemeClr>
+              <a:rPr lang="en-US" dirty="0" err="1">
+                <a:solidFill>
+                  <a:srgbClr val="81C8BD"/>
                 </a:solidFill>
               </a:rPr>
               <a:t>orig</a:t>
             </a:r>
             <a:r>
-              <a:rPr lang="en-US" b="1" dirty="0">
-                <a:solidFill>
-                  <a:schemeClr val="tx1">
-                    <a:lumMod val="50000"/>
-                  </a:schemeClr>
+              <a:rPr lang="en-US" dirty="0">
+                <a:solidFill>
+                  <a:srgbClr val="81C8BD"/>
                 </a:solidFill>
               </a:rPr>
               <a:t> </a:t>
             </a:r>
             <a:r>
-              <a:rPr lang="en-US" b="1" dirty="0" err="1">
-                <a:solidFill>
-                  <a:schemeClr val="tx1">
-                    <a:lumMod val="50000"/>
-                  </a:schemeClr>
+              <a:rPr lang="en-US" dirty="0" err="1">
+                <a:solidFill>
+                  <a:srgbClr val="81C8BD"/>
                 </a:solidFill>
               </a:rPr>
               <a:t>OCaml</a:t>
             </a:r>
             <a:r>
-              <a:rPr lang="en-US" dirty="0"/>
+              <a:rPr lang="en-US" dirty="0">
+                <a:solidFill>
+                  <a:srgbClr val="81C8BD"/>
+                </a:solidFill>
+              </a:rPr>
               <a:t>         </a:t>
             </a:r>
             <a:r>
@@ -27918,7 +27924,7 @@
           <a:p>
             <a:r>
               <a:rPr lang="en-US" smtClean="0"/>
-              <a:t>Copyright © 2023 D.J. Davis  All Rights Reserved</a:t>
+              <a:t>Copyright © 2023 D.J. Davis.  All Rights Reserved.</a:t>
             </a:r>
             <a:endParaRPr lang="en-US"/>
           </a:p>
@@ -28238,7 +28244,26 @@
                   <a:srgbClr val="81C8BD"/>
                 </a:solidFill>
               </a:rPr>
-              <a:t>Objective C, Swift, Assembly</a:t>
+              <a:t>Objective C, </a:t>
+            </a:r>
+            <a:r>
+              <a:rPr lang="en-US" sz="1800" dirty="0">
+                <a:solidFill>
+                  <a:schemeClr val="accent5">
+                    <a:lumMod val="60000"/>
+                    <a:lumOff val="40000"/>
+                  </a:schemeClr>
+                </a:solidFill>
+              </a:rPr>
+              <a:t>Swift</a:t>
+            </a:r>
+            <a:r>
+              <a:rPr lang="en-US" sz="1800" dirty="0">
+                <a:solidFill>
+                  <a:srgbClr val="81C8BD"/>
+                </a:solidFill>
+              </a:rPr>
+              <a:t>, Assembly</a:t>
             </a:r>
           </a:p>
           <a:p>
@@ -28402,7 +28427,26 @@
                   <a:srgbClr val="81C8BD"/>
                 </a:solidFill>
               </a:rPr>
-              <a:t>Objective C, Swift, Assembly</a:t>
+              <a:t>Objective C, </a:t>
+            </a:r>
+            <a:r>
+              <a:rPr lang="en-US" sz="1800" dirty="0">
+                <a:solidFill>
+                  <a:schemeClr val="accent5">
+                    <a:lumMod val="60000"/>
+                    <a:lumOff val="40000"/>
+                  </a:schemeClr>
+                </a:solidFill>
+              </a:rPr>
+              <a:t>Swift</a:t>
+            </a:r>
+            <a:r>
+              <a:rPr lang="en-US" sz="1800" dirty="0">
+                <a:solidFill>
+                  <a:srgbClr val="81C8BD"/>
+                </a:solidFill>
+              </a:rPr>
+              <a:t>, Assembly</a:t>
             </a:r>
           </a:p>
           <a:p>
@@ -28627,7 +28671,7 @@
           <a:p>
             <a:r>
               <a:rPr lang="en-US" smtClean="0"/>
-              <a:t>Copyright © 2023 D.J. Davis  All Rights Reserved</a:t>
+              <a:t>Copyright © 2023 D.J. Davis.  All Rights Reserved.</a:t>
             </a:r>
             <a:endParaRPr lang="en-US"/>
           </a:p>
@@ -28771,7 +28815,23 @@
                   <a:srgbClr val="81C8BD"/>
                 </a:solidFill>
               </a:rPr>
-              <a:t>certain tasks it is easy: JavaScript/frameworks for browser; PHP, Python/Frameworks for </a:t>
+              <a:t>certain tasks it is easy: JavaScript/frameworks for browser; PHP, </a:t>
+            </a:r>
+            <a:r>
+              <a:rPr lang="en-US" sz="1800" dirty="0" smtClean="0">
+                <a:solidFill>
+                  <a:srgbClr val="81C8BD"/>
+                </a:solidFill>
+              </a:rPr>
+              <a:t>Python, Java, Ruby </a:t>
+            </a:r>
+            <a:r>
+              <a:rPr lang="en-US" sz="1800" dirty="0">
+                <a:solidFill>
+                  <a:srgbClr val="81C8BD"/>
+                </a:solidFill>
+              </a:rPr>
+              <a:t>for </a:t>
             </a:r>
             <a:r>
               <a:rPr lang="en-US" sz="1800" dirty="0" smtClean="0">
@@ -28799,7 +28859,23 @@
                   <a:srgbClr val="81C8BD"/>
                 </a:solidFill>
               </a:rPr>
-              <a:t>For others the choice is more nuanced</a:t>
+              <a:t>For </a:t>
+            </a:r>
+            <a:r>
+              <a:rPr lang="en-US" sz="1800" dirty="0" smtClean="0">
+                <a:solidFill>
+                  <a:srgbClr val="81C8BD"/>
+                </a:solidFill>
+              </a:rPr>
+              <a:t>other tasks </a:t>
+            </a:r>
+            <a:r>
+              <a:rPr lang="en-US" sz="1800" dirty="0">
+                <a:solidFill>
+                  <a:srgbClr val="81C8BD"/>
+                </a:solidFill>
+              </a:rPr>
+              <a:t>the choice is more nuanced</a:t>
             </a:r>
           </a:p>
           <a:p>
@@ -28846,7 +28922,7 @@
                   <a:srgbClr val="81C8BD"/>
                 </a:solidFill>
               </a:rPr>
-              <a:t> to use Interpreted</a:t>
+              <a:t> to use Interpreted code, </a:t>
             </a:r>
             <a:r>
               <a:rPr lang="en-US" sz="1800" dirty="0">
@@ -28854,7 +28930,7 @@
                   <a:srgbClr val="81C8BD"/>
                 </a:solidFill>
               </a:rPr>
-              <a:t>, Compiled binary, </a:t>
+              <a:t>Compiled binary, </a:t>
             </a:r>
             <a:r>
               <a:rPr lang="en-US" sz="1800" dirty="0" smtClean="0">
@@ -28935,7 +29011,39 @@
                   <a:srgbClr val="81C8BD"/>
                 </a:solidFill>
               </a:rPr>
-              <a:t>used by type of program, industry</a:t>
+              <a:t>used by </a:t>
+            </a:r>
+            <a:r>
+              <a:rPr lang="en-US" sz="1600" dirty="0" smtClean="0">
+                <a:solidFill>
+                  <a:srgbClr val="81C8BD"/>
+                </a:solidFill>
+              </a:rPr>
+              <a:t>a certain type </a:t>
+            </a:r>
+            <a:r>
+              <a:rPr lang="en-US" sz="1600" dirty="0">
+                <a:solidFill>
+                  <a:srgbClr val="81C8BD"/>
+                </a:solidFill>
+              </a:rPr>
+              <a:t>of </a:t>
+            </a:r>
+            <a:r>
+              <a:rPr lang="en-US" sz="1600" dirty="0" smtClean="0">
+                <a:solidFill>
+                  <a:srgbClr val="81C8BD"/>
+                </a:solidFill>
+              </a:rPr>
+              <a:t>program or </a:t>
+            </a:r>
+            <a:r>
+              <a:rPr lang="en-US" sz="1600" dirty="0">
+                <a:solidFill>
+                  <a:srgbClr val="81C8BD"/>
+                </a:solidFill>
+              </a:rPr>
+              <a:t>industry</a:t>
             </a:r>
           </a:p>
           <a:p>
@@ -29214,7 +29322,7 @@
           <a:p>
             <a:r>
               <a:rPr lang="en-US" smtClean="0"/>
-              <a:t>Copyright © 2023 D.J. Davis  All Rights Reserved</a:t>
+              <a:t>Copyright © 2023 D.J. Davis.  All Rights Reserved.</a:t>
             </a:r>
             <a:endParaRPr lang="en-US"/>
           </a:p>
@@ -29400,7 +29508,7 @@
                   <a:srgbClr val="81C8BD"/>
                 </a:solidFill>
               </a:rPr>
-              <a:t> - Keep private info </a:t>
+              <a:t> - Keep private </a:t>
             </a:r>
             <a:r>
               <a:rPr lang="en-US" sz="1800" dirty="0" smtClean="0">
@@ -29408,7 +29516,7 @@
                   <a:srgbClr val="81C8BD"/>
                 </a:solidFill>
               </a:rPr>
-              <a:t>private					</a:t>
+              <a:t>information private				</a:t>
             </a:r>
             <a:r>
               <a:rPr lang="en-US" sz="1800" dirty="0" smtClean="0">
@@ -29463,7 +29571,7 @@
                   <a:srgbClr val="81C8BD"/>
                 </a:solidFill>
               </a:rPr>
-              <a:t>is not changed </a:t>
+              <a:t>is not </a:t>
             </a:r>
             <a:r>
               <a:rPr lang="en-US" sz="1800" dirty="0" smtClean="0">
@@ -29471,7 +29579,7 @@
                   <a:srgbClr val="81C8BD"/>
                 </a:solidFill>
               </a:rPr>
-              <a:t>unintentionally		</a:t>
+              <a:t>changed				</a:t>
             </a:r>
             <a:r>
               <a:rPr lang="en-US" sz="1800" dirty="0" smtClean="0">
@@ -29526,7 +29634,7 @@
                   <a:srgbClr val="81C8BD"/>
                 </a:solidFill>
               </a:rPr>
-              <a:t>can be accessed/run as </a:t>
+              <a:t>can be </a:t>
             </a:r>
             <a:r>
               <a:rPr lang="en-US" sz="1800" dirty="0" smtClean="0">
@@ -29534,7 +29642,23 @@
                   <a:srgbClr val="81C8BD"/>
                 </a:solidFill>
               </a:rPr>
-              <a:t>designed		</a:t>
+              <a:t>accessed and operated </a:t>
+            </a:r>
+            <a:r>
+              <a:rPr lang="en-US" sz="1800" dirty="0">
+                <a:solidFill>
+                  <a:srgbClr val="81C8BD"/>
+                </a:solidFill>
+              </a:rPr>
+              <a:t>as </a:t>
+            </a:r>
+            <a:r>
+              <a:rPr lang="en-US" sz="1800" dirty="0" smtClean="0">
+                <a:solidFill>
+                  <a:srgbClr val="81C8BD"/>
+                </a:solidFill>
+              </a:rPr>
+              <a:t>designed	</a:t>
             </a:r>
             <a:r>
               <a:rPr lang="en-US" sz="1800" dirty="0" smtClean="0">
@@ -29682,7 +29806,7 @@
                   <a:srgbClr val="81C8BD"/>
                 </a:solidFill>
               </a:rPr>
-              <a:t>) with I/O error or divide by zero </a:t>
+              <a:t>) with </a:t>
             </a:r>
             <a:r>
               <a:rPr lang="en-US" sz="1800" dirty="0" smtClean="0">
@@ -29690,6 +29814,22 @@
                   <a:srgbClr val="81C8BD"/>
                 </a:solidFill>
               </a:rPr>
+              <a:t>an I/O </a:t>
+            </a:r>
+            <a:r>
+              <a:rPr lang="en-US" sz="1800" dirty="0">
+                <a:solidFill>
+                  <a:srgbClr val="81C8BD"/>
+                </a:solidFill>
+              </a:rPr>
+              <a:t>error or divide by zero </a:t>
+            </a:r>
+            <a:r>
+              <a:rPr lang="en-US" sz="1800" dirty="0" smtClean="0">
+                <a:solidFill>
+                  <a:srgbClr val="81C8BD"/>
+                </a:solidFill>
+              </a:rPr>
               <a:t>but 			the results </a:t>
             </a:r>
             <a:r>
@@ -29785,7 +29925,7 @@
                   <a:srgbClr val="81C8BD"/>
                 </a:solidFill>
               </a:rPr>
-              <a:t>				occurring (</a:t>
+              <a:t>occurring (</a:t>
             </a:r>
             <a:r>
               <a:rPr lang="en-US" sz="1800" dirty="0" smtClean="0">
@@ -29940,7 +30080,7 @@
           <a:p>
             <a:r>
               <a:rPr lang="en-US" smtClean="0"/>
-              <a:t>Copyright © 2023 D.J. Davis  All Rights Reserved</a:t>
+              <a:t>Copyright © 2023 D.J. Davis.  All Rights Reserved.</a:t>
             </a:r>
             <a:endParaRPr lang="en-US"/>
           </a:p>
@@ -30106,7 +30246,23 @@
                   <a:srgbClr val="81C8BD"/>
                 </a:solidFill>
               </a:rPr>
-              <a:t>Overwriting variable b/c Input String is too long</a:t>
+              <a:t>Overwriting </a:t>
+            </a:r>
+            <a:r>
+              <a:rPr lang="en-US" sz="5600" dirty="0" smtClean="0">
+                <a:solidFill>
+                  <a:srgbClr val="81C8BD"/>
+                </a:solidFill>
+              </a:rPr>
+              <a:t>a variable because </a:t>
+            </a:r>
+            <a:r>
+              <a:rPr lang="en-US" sz="5600" dirty="0">
+                <a:solidFill>
+                  <a:srgbClr val="81C8BD"/>
+                </a:solidFill>
+              </a:rPr>
+              <a:t>Input String is too long</a:t>
             </a:r>
           </a:p>
           <a:p>
@@ -30170,7 +30326,7 @@
                   <a:srgbClr val="81C8BD"/>
                 </a:solidFill>
               </a:rPr>
-              <a:t>: running unintended </a:t>
+              <a:t>: </a:t>
             </a:r>
             <a:r>
               <a:rPr lang="en-US" sz="5600" dirty="0" smtClean="0">
@@ -30178,7 +30334,23 @@
                   <a:srgbClr val="81C8BD"/>
                 </a:solidFill>
               </a:rPr>
-              <a:t>commands.  Directory </a:t>
+              <a:t>Running </a:t>
+            </a:r>
+            <a:r>
+              <a:rPr lang="en-US" sz="5600" dirty="0">
+                <a:solidFill>
+                  <a:srgbClr val="81C8BD"/>
+                </a:solidFill>
+              </a:rPr>
+              <a:t>unintended </a:t>
+            </a:r>
+            <a:r>
+              <a:rPr lang="en-US" sz="5600" dirty="0" smtClean="0">
+                <a:solidFill>
+                  <a:srgbClr val="81C8BD"/>
+                </a:solidFill>
+              </a:rPr>
+              <a:t>queries/commands.  Directory </a:t>
             </a:r>
             <a:r>
               <a:rPr lang="en-US" sz="5600" dirty="0">
@@ -30374,7 +30546,7 @@
                   <a:srgbClr val="F8A28B"/>
                 </a:solidFill>
               </a:rPr>
-              <a:t>frameworks anything </a:t>
+              <a:t>frameworks, anything </a:t>
             </a:r>
             <a:r>
               <a:rPr lang="en-US" sz="6400" dirty="0">
@@ -30446,23 +30618,7 @@
                   <a:srgbClr val="81C8BD"/>
                 </a:solidFill>
               </a:rPr>
-              <a:t>occurs when using </a:t>
-            </a:r>
-            <a:r>
-              <a:rPr lang="en-US" sz="6400" dirty="0">
-                <a:solidFill>
-                  <a:srgbClr val="81C8BD"/>
-                </a:solidFill>
-              </a:rPr>
-              <a:t>exit </a:t>
-            </a:r>
-            <a:r>
-              <a:rPr lang="en-US" sz="6400" dirty="0" smtClean="0">
-                <a:solidFill>
-                  <a:srgbClr val="81C8BD"/>
-                </a:solidFill>
-              </a:rPr>
-              <a:t>statement without parentheses</a:t>
+              <a:t>occurs if we use the  exit  statement without parentheses</a:t>
             </a:r>
             <a:endParaRPr lang="en-US" sz="6400" dirty="0">
               <a:solidFill>
@@ -30515,7 +30671,7 @@
                   <a:srgbClr val="81C8BD"/>
                 </a:solidFill>
               </a:rPr>
-              <a:t>can </a:t>
+              <a:t>can truncate (round down) </a:t>
             </a:r>
             <a:r>
               <a:rPr lang="en-US" sz="6400" dirty="0">
@@ -30523,7 +30679,7 @@
                   <a:srgbClr val="81C8BD"/>
                 </a:solidFill>
               </a:rPr>
-              <a:t>truncate at .</a:t>
+              <a:t>at .</a:t>
             </a:r>
             <a:r>
               <a:rPr lang="en-US" sz="6400" dirty="0" smtClean="0">
@@ -30609,7 +30765,7 @@
           <a:p>
             <a:r>
               <a:rPr lang="en-US" smtClean="0"/>
-              <a:t>Copyright © 2023 D.J. Davis  All Rights Reserved</a:t>
+              <a:t>Copyright © 2023 D.J. Davis.  All Rights Reserved.</a:t>
             </a:r>
             <a:endParaRPr lang="en-US"/>
           </a:p>
@@ -30930,7 +31086,7 @@
                   <a:srgbClr val="81C8BD"/>
                 </a:solidFill>
               </a:rPr>
-              <a:t>Long-standing </a:t>
+              <a:t>Mismatch between NASM </a:t>
             </a:r>
             <a:r>
               <a:rPr lang="en-US" sz="1600" dirty="0">
@@ -30938,7 +31094,7 @@
                   <a:srgbClr val="81C8BD"/>
                 </a:solidFill>
               </a:rPr>
-              <a:t>bug in </a:t>
+              <a:t>assembler </a:t>
             </a:r>
             <a:r>
               <a:rPr lang="en-US" sz="1600" dirty="0" smtClean="0">
@@ -30946,7 +31102,7 @@
                   <a:srgbClr val="81C8BD"/>
                 </a:solidFill>
               </a:rPr>
-              <a:t>NASM </a:t>
+              <a:t>and linker prevented 64-bit source </a:t>
             </a:r>
             <a:r>
               <a:rPr lang="en-US" sz="1600" dirty="0">
@@ -30954,7 +31110,23 @@
                   <a:srgbClr val="81C8BD"/>
                 </a:solidFill>
               </a:rPr>
-              <a:t>assembler prevented </a:t>
+              <a:t>code from displaying in </a:t>
+            </a:r>
+            <a:r>
+              <a:rPr lang="en-US" sz="1600" dirty="0" err="1">
+                <a:solidFill>
+                  <a:srgbClr val="81C8BD"/>
+                </a:solidFill>
+              </a:rPr>
+              <a:t>gdb</a:t>
+            </a:r>
+            <a:r>
+              <a:rPr lang="en-US" sz="1600" dirty="0">
+                <a:solidFill>
+                  <a:srgbClr val="81C8BD"/>
+                </a:solidFill>
+              </a:rPr>
+              <a:t> (GNU Debugger</a:t>
             </a:r>
             <a:r>
               <a:rPr lang="en-US" sz="1600" dirty="0" smtClean="0">
@@ -30962,7 +31134,22 @@
                   <a:srgbClr val="81C8BD"/>
                 </a:solidFill>
               </a:rPr>
-              <a:t>64-bit source </a:t>
+              <a:t>)</a:t>
+            </a:r>
+          </a:p>
+          <a:p>
+            <a:pPr>
+              <a:spcBef>
+                <a:spcPts val="300"/>
+              </a:spcBef>
+            </a:pPr>
+            <a:r>
+              <a:rPr lang="en-US" sz="1600" dirty="0" smtClean="0">
+                <a:solidFill>
+                  <a:srgbClr val="81C8BD"/>
+                </a:solidFill>
+              </a:rPr>
+              <a:t>Assembly instruction to move </a:t>
             </a:r>
             <a:r>
               <a:rPr lang="en-US" sz="1600" dirty="0">
@@ -30970,7 +31157,7 @@
                   <a:srgbClr val="81C8BD"/>
                 </a:solidFill>
               </a:rPr>
-              <a:t>code from displaying in </a:t>
+              <a:t>1 to </a:t>
             </a:r>
             <a:r>
               <a:rPr lang="en-US" sz="1600" dirty="0" err="1">
@@ -30978,7 +31165,7 @@
                   <a:srgbClr val="81C8BD"/>
                 </a:solidFill>
               </a:rPr>
-              <a:t>gdb</a:t>
+              <a:t>rax</a:t>
             </a:r>
             <a:r>
               <a:rPr lang="en-US" sz="1600" dirty="0">
@@ -30986,7 +31173,39 @@
                   <a:srgbClr val="81C8BD"/>
                 </a:solidFill>
               </a:rPr>
-              <a:t> (GNU Debugger</a:t>
+              <a:t> 64-bit register ( </a:t>
+            </a:r>
+            <a:r>
+              <a:rPr lang="en-US" sz="1600" dirty="0" err="1">
+                <a:solidFill>
+                  <a:srgbClr val="81C8BD"/>
+                </a:solidFill>
+              </a:rPr>
+              <a:t>mov</a:t>
+            </a:r>
+            <a:r>
+              <a:rPr lang="en-US" sz="1600" dirty="0">
+                <a:solidFill>
+                  <a:srgbClr val="81C8BD"/>
+                </a:solidFill>
+              </a:rPr>
+              <a:t> </a:t>
+            </a:r>
+            <a:r>
+              <a:rPr lang="en-US" sz="1600" dirty="0" err="1">
+                <a:solidFill>
+                  <a:srgbClr val="81C8BD"/>
+                </a:solidFill>
+              </a:rPr>
+              <a:t>rax</a:t>
+            </a:r>
+            <a:r>
+              <a:rPr lang="en-US" sz="1600" dirty="0">
+                <a:solidFill>
+                  <a:srgbClr val="81C8BD"/>
+                </a:solidFill>
+              </a:rPr>
+              <a:t>, 1 </a:t>
             </a:r>
             <a:r>
               <a:rPr lang="en-US" sz="1600" dirty="0" smtClean="0">
@@ -30994,8 +31213,69 @@
                   <a:srgbClr val="81C8BD"/>
                 </a:solidFill>
               </a:rPr>
-              <a:t>)</a:t>
-            </a:r>
+              <a:t>).  Assembler inserts </a:t>
+            </a:r>
+            <a:r>
+              <a:rPr lang="en-US" sz="1600" dirty="0">
+                <a:solidFill>
+                  <a:srgbClr val="81C8BD"/>
+                </a:solidFill>
+              </a:rPr>
+              <a:t>instruction to move 1 to </a:t>
+            </a:r>
+            <a:r>
+              <a:rPr lang="en-US" sz="1600" dirty="0" err="1" smtClean="0">
+                <a:solidFill>
+                  <a:srgbClr val="81C8BD"/>
+                </a:solidFill>
+              </a:rPr>
+              <a:t>eax</a:t>
+            </a:r>
+            <a:r>
+              <a:rPr lang="en-US" sz="1600" dirty="0" smtClean="0">
+                <a:solidFill>
+                  <a:srgbClr val="81C8BD"/>
+                </a:solidFill>
+              </a:rPr>
+              <a:t> </a:t>
+            </a:r>
+            <a:r>
+              <a:rPr lang="en-US" sz="1600" dirty="0">
+                <a:solidFill>
+                  <a:srgbClr val="81C8BD"/>
+                </a:solidFill>
+              </a:rPr>
+              <a:t>32-bit </a:t>
+            </a:r>
+            <a:r>
+              <a:rPr lang="en-US" sz="1600" dirty="0" smtClean="0">
+                <a:solidFill>
+                  <a:srgbClr val="81C8BD"/>
+                </a:solidFill>
+              </a:rPr>
+              <a:t>register: the lower </a:t>
+            </a:r>
+            <a:r>
+              <a:rPr lang="en-US" sz="1600" dirty="0">
+                <a:solidFill>
+                  <a:srgbClr val="81C8BD"/>
+                </a:solidFill>
+              </a:rPr>
+              <a:t>half of </a:t>
+            </a:r>
+            <a:r>
+              <a:rPr lang="en-US" sz="1600" dirty="0" err="1" smtClean="0">
+                <a:solidFill>
+                  <a:srgbClr val="81C8BD"/>
+                </a:solidFill>
+              </a:rPr>
+              <a:t>rax</a:t>
+            </a:r>
+            <a:endParaRPr lang="en-US" sz="1600" dirty="0" smtClean="0">
+              <a:solidFill>
+                <a:srgbClr val="81C8BD"/>
+              </a:solidFill>
+            </a:endParaRPr>
           </a:p>
           <a:p>
             <a:pPr>
@@ -31009,7 +31289,7 @@
                   <a:srgbClr val="81C8BD"/>
                 </a:solidFill>
               </a:rPr>
-              <a:t>I </a:t>
+              <a:t>Processors </a:t>
             </a:r>
             <a:r>
               <a:rPr lang="en-US" sz="1600" dirty="0">
@@ -31017,7 +31297,7 @@
                   <a:srgbClr val="81C8BD"/>
                 </a:solidFill>
               </a:rPr>
-              <a:t>w</a:t>
+              <a:t>have bugs. OSes code around </a:t>
             </a:r>
             <a:r>
               <a:rPr lang="en-US" sz="1600" dirty="0" smtClean="0">
@@ -31025,7 +31305,31 @@
                   <a:srgbClr val="81C8BD"/>
                 </a:solidFill>
               </a:rPr>
-              <a:t>rote Assembly </a:t>
+              <a:t>them (Pentium FDIV, Meltdown, </a:t>
+            </a:r>
+            <a:r>
+              <a:rPr lang="en-US" sz="1600" dirty="0" err="1" smtClean="0">
+                <a:solidFill>
+                  <a:srgbClr val="81C8BD"/>
+                </a:solidFill>
+              </a:rPr>
+              <a:t>Spectre</a:t>
+            </a:r>
+            <a:r>
+              <a:rPr lang="en-US" sz="1600" dirty="0" smtClean="0">
+                <a:solidFill>
+                  <a:srgbClr val="81C8BD"/>
+                </a:solidFill>
+              </a:rPr>
+              <a:t>, </a:t>
+            </a:r>
+            <a:r>
+              <a:rPr lang="en-US" sz="1600" dirty="0" err="1" smtClean="0">
+                <a:solidFill>
+                  <a:srgbClr val="81C8BD"/>
+                </a:solidFill>
+              </a:rPr>
+              <a:t>Zenbleed</a:t>
             </a:r>
             <a:r>
               <a:rPr lang="en-US" sz="1600" dirty="0">
@@ -31033,55 +31337,7 @@
                   <a:srgbClr val="81C8BD"/>
                 </a:solidFill>
               </a:rPr>
-              <a:t>instruction to move 1 to </a:t>
-            </a:r>
-            <a:r>
-              <a:rPr lang="en-US" sz="1600" dirty="0" err="1">
-                <a:solidFill>
-                  <a:srgbClr val="81C8BD"/>
-                </a:solidFill>
-              </a:rPr>
-              <a:t>rax</a:t>
-            </a:r>
-            <a:r>
-              <a:rPr lang="en-US" sz="1600" dirty="0">
-                <a:solidFill>
-                  <a:srgbClr val="81C8BD"/>
-                </a:solidFill>
-              </a:rPr>
-              <a:t> 64-bit register ( </a:t>
-            </a:r>
-            <a:r>
-              <a:rPr lang="en-US" sz="1600" dirty="0" err="1">
-                <a:solidFill>
-                  <a:srgbClr val="81C8BD"/>
-                </a:solidFill>
-              </a:rPr>
-              <a:t>mov</a:t>
-            </a:r>
-            <a:r>
-              <a:rPr lang="en-US" sz="1600" dirty="0">
-                <a:solidFill>
-                  <a:srgbClr val="81C8BD"/>
-                </a:solidFill>
-              </a:rPr>
-              <a:t> </a:t>
-            </a:r>
-            <a:r>
-              <a:rPr lang="en-US" sz="1600" dirty="0" err="1">
-                <a:solidFill>
-                  <a:srgbClr val="81C8BD"/>
-                </a:solidFill>
-              </a:rPr>
-              <a:t>rax</a:t>
-            </a:r>
-            <a:r>
-              <a:rPr lang="en-US" sz="1600" dirty="0">
-                <a:solidFill>
-                  <a:srgbClr val="81C8BD"/>
-                </a:solidFill>
-              </a:rPr>
-              <a:t>, 1 </a:t>
+              <a:t>, Speculative Store </a:t>
             </a:r>
             <a:r>
               <a:rPr lang="en-US" sz="1600" dirty="0" smtClean="0">
@@ -31089,150 +31345,8 @@
                   <a:srgbClr val="81C8BD"/>
                 </a:solidFill>
               </a:rPr>
-              <a:t>).  Assembler </a:t>
-            </a:r>
-            <a:r>
-              <a:rPr lang="en-US" sz="1600" dirty="0">
-                <a:solidFill>
-                  <a:srgbClr val="81C8BD"/>
-                </a:solidFill>
-              </a:rPr>
-              <a:t>inserted instruction to move 1 to </a:t>
-            </a:r>
-            <a:r>
-              <a:rPr lang="en-US" sz="1600" dirty="0" err="1" smtClean="0">
-                <a:solidFill>
-                  <a:srgbClr val="81C8BD"/>
-                </a:solidFill>
-              </a:rPr>
-              <a:t>eax</a:t>
-            </a:r>
-            <a:r>
-              <a:rPr lang="en-US" sz="1600" dirty="0" smtClean="0">
-                <a:solidFill>
-                  <a:srgbClr val="81C8BD"/>
-                </a:solidFill>
-              </a:rPr>
-              <a:t> </a:t>
-            </a:r>
-            <a:r>
-              <a:rPr lang="en-US" sz="1600" dirty="0">
-                <a:solidFill>
-                  <a:srgbClr val="81C8BD"/>
-                </a:solidFill>
-              </a:rPr>
-              <a:t>32-bit register. </a:t>
-            </a:r>
-            <a:r>
-              <a:rPr lang="en-US" sz="1600" dirty="0" smtClean="0">
-                <a:solidFill>
-                  <a:srgbClr val="81C8BD"/>
-                </a:solidFill>
-              </a:rPr>
-              <a:t>Lower </a:t>
-            </a:r>
-            <a:r>
-              <a:rPr lang="en-US" sz="1600" dirty="0">
-                <a:solidFill>
-                  <a:srgbClr val="81C8BD"/>
-                </a:solidFill>
-              </a:rPr>
-              <a:t>half of </a:t>
-            </a:r>
-            <a:r>
-              <a:rPr lang="en-US" sz="1600" dirty="0" err="1" smtClean="0">
-                <a:solidFill>
-                  <a:srgbClr val="81C8BD"/>
-                </a:solidFill>
-              </a:rPr>
-              <a:t>rax</a:t>
-            </a:r>
-            <a:r>
-              <a:rPr lang="en-US" sz="1600" dirty="0" smtClean="0">
-                <a:solidFill>
-                  <a:srgbClr val="81C8BD"/>
-                </a:solidFill>
-              </a:rPr>
-              <a:t>.  I coded </a:t>
-            </a:r>
-            <a:r>
-              <a:rPr lang="en-US" sz="1600" dirty="0" err="1" smtClean="0">
-                <a:solidFill>
-                  <a:srgbClr val="81C8BD"/>
-                </a:solidFill>
-              </a:rPr>
-              <a:t>mov</a:t>
-            </a:r>
-            <a:r>
-              <a:rPr lang="en-US" sz="1600" dirty="0" smtClean="0">
-                <a:solidFill>
-                  <a:srgbClr val="81C8BD"/>
-                </a:solidFill>
-              </a:rPr>
-              <a:t>, but the </a:t>
-            </a:r>
-            <a:r>
-              <a:rPr lang="en-US" sz="1600" dirty="0">
-                <a:solidFill>
-                  <a:srgbClr val="81C8BD"/>
-                </a:solidFill>
-              </a:rPr>
-              <a:t>actual instruction </a:t>
-            </a:r>
-            <a:r>
-              <a:rPr lang="en-US" sz="1600" dirty="0" smtClean="0">
-                <a:solidFill>
-                  <a:srgbClr val="81C8BD"/>
-                </a:solidFill>
-              </a:rPr>
-              <a:t>that was inserted was </a:t>
-            </a:r>
-            <a:r>
-              <a:rPr lang="en-US" sz="1600" dirty="0" err="1" smtClean="0">
-                <a:solidFill>
-                  <a:srgbClr val="81C8BD"/>
-                </a:solidFill>
-              </a:rPr>
-              <a:t>movabs</a:t>
-            </a:r>
-            <a:r>
-              <a:rPr lang="en-US" sz="1600" dirty="0" smtClean="0">
-                <a:solidFill>
-                  <a:srgbClr val="81C8BD"/>
-                </a:solidFill>
-              </a:rPr>
-              <a:t> (per its op code)</a:t>
-            </a:r>
-          </a:p>
-          <a:p>
-            <a:pPr>
-              <a:spcBef>
-                <a:spcPts val="300"/>
-              </a:spcBef>
-            </a:pPr>
-            <a:r>
-              <a:rPr lang="en-US" sz="1600" dirty="0" smtClean="0">
-                <a:solidFill>
-                  <a:srgbClr val="81C8BD"/>
-                </a:solidFill>
-              </a:rPr>
-              <a:t>Processors </a:t>
-            </a:r>
-            <a:r>
-              <a:rPr lang="en-US" sz="1600" dirty="0">
-                <a:solidFill>
-                  <a:srgbClr val="81C8BD"/>
-                </a:solidFill>
-              </a:rPr>
-              <a:t>can have bugs. OSes code around them</a:t>
-            </a:r>
-          </a:p>
-          <a:p>
-            <a:pPr>
-              <a:spcBef>
-                <a:spcPts val="300"/>
-              </a:spcBef>
-            </a:pPr>
+              <a:t>Bypass)</a:t>
+            </a:r>
             <a:endParaRPr lang="en-US" sz="1600" dirty="0">
               <a:solidFill>
                 <a:srgbClr val="81C8BD"/>
@@ -31240,6 +31354,18 @@
             </a:endParaRPr>
           </a:p>
           <a:p>
+            <a:pPr>
+              <a:spcBef>
+                <a:spcPts val="300"/>
+              </a:spcBef>
+            </a:pPr>
+            <a:endParaRPr lang="en-US" sz="1600" dirty="0">
+              <a:solidFill>
+                <a:srgbClr val="81C8BD"/>
+              </a:solidFill>
+            </a:endParaRPr>
+          </a:p>
+          <a:p>
             <a:pPr marL="0" indent="0">
               <a:spcBef>
                 <a:spcPts val="300"/>
@@ -31345,15 +31471,24 @@
                   <a:srgbClr val="81C8BD"/>
                 </a:solidFill>
               </a:rPr>
-              <a:t>Log4j</a:t>
-            </a:r>
-          </a:p>
-          <a:p>
-            <a:pPr>
-              <a:spcBef>
-                <a:spcPts val="300"/>
-              </a:spcBef>
-            </a:pPr>
+              <a:t>Log4j, VM2 </a:t>
+            </a:r>
+            <a:r>
+              <a:rPr lang="en-US" sz="1600" dirty="0" err="1" smtClean="0">
+                <a:solidFill>
+                  <a:srgbClr val="81C8BD"/>
+                </a:solidFill>
+              </a:rPr>
+              <a:t>NodeJS</a:t>
+            </a:r>
+            <a:r>
+              <a:rPr lang="en-US" sz="1600" dirty="0" smtClean="0">
+                <a:solidFill>
+                  <a:srgbClr val="81C8BD"/>
+                </a:solidFill>
+              </a:rPr>
+              <a:t> JavaScript sandbox library</a:t>
+            </a:r>
             <a:endParaRPr lang="en-US" sz="1600" dirty="0">
               <a:solidFill>
                 <a:srgbClr val="81C8BD"/>
@@ -31361,10 +31496,22 @@
             </a:endParaRPr>
           </a:p>
           <a:p>
-            <a:pPr marL="0" indent="0">
+            <a:pPr>
               <a:spcBef>
                 <a:spcPts val="300"/>
               </a:spcBef>
+            </a:pPr>
+            <a:endParaRPr lang="en-US" sz="1600" dirty="0">
+              <a:solidFill>
+                <a:srgbClr val="81C8BD"/>
+              </a:solidFill>
+            </a:endParaRPr>
+          </a:p>
+          <a:p>
+            <a:pPr marL="0" indent="0">
+              <a:spcBef>
+                <a:spcPts val="300"/>
+              </a:spcBef>
               <a:buNone/>
             </a:pPr>
             <a:r>
@@ -31373,7 +31520,7 @@
                   <a:srgbClr val="F8A28B"/>
                 </a:solidFill>
               </a:rPr>
-              <a:t>Intentional and/or Malicious changes by... ... </a:t>
+              <a:t>Intentional </a:t>
             </a:r>
             <a:r>
               <a:rPr lang="en-US" sz="1600" dirty="0" smtClean="0">
@@ -31381,6 +31528,22 @@
                   <a:srgbClr val="F8A28B"/>
                 </a:solidFill>
               </a:rPr>
+              <a:t>or </a:t>
+            </a:r>
+            <a:r>
+              <a:rPr lang="en-US" sz="1600" dirty="0">
+                <a:solidFill>
+                  <a:srgbClr val="F8A28B"/>
+                </a:solidFill>
+              </a:rPr>
+              <a:t>Malicious changes by... ... </a:t>
+            </a:r>
+            <a:r>
+              <a:rPr lang="en-US" sz="1600" dirty="0" smtClean="0">
+                <a:solidFill>
+                  <a:srgbClr val="F8A28B"/>
+                </a:solidFill>
+              </a:rPr>
               <a:t>Someone</a:t>
             </a:r>
           </a:p>
@@ -31437,7 +31600,7 @@
                   <a:srgbClr val="81C8BD"/>
                 </a:solidFill>
               </a:rPr>
-              <a:t>Solarwinds</a:t>
+              <a:t>SolarWinds</a:t>
             </a:r>
             <a:r>
               <a:rPr lang="en-US" sz="1600" dirty="0" smtClean="0">
@@ -31472,7 +31635,7 @@
           <a:p>
             <a:r>
               <a:rPr lang="en-US" smtClean="0"/>
-              <a:t>Copyright © 2023 D.J. Davis  All Rights Reserved</a:t>
+              <a:t>Copyright © 2023 D.J. Davis.  All Rights Reserved.</a:t>
             </a:r>
             <a:endParaRPr lang="en-US"/>
           </a:p>
@@ -31852,15 +32015,47 @@
                   <a:srgbClr val="00B050"/>
                 </a:solidFill>
               </a:rPr>
-              <a:t>is extremely familiar </a:t>
+              <a:t>is </a:t>
+            </a:r>
+            <a:r>
+              <a:rPr lang="en-US" b="1" u="sng" dirty="0">
+                <a:solidFill>
+                  <a:srgbClr val="00B050"/>
+                </a:solidFill>
+              </a:rPr>
+              <a:t>extremely</a:t>
             </a:r>
             <a:r>
               <a:rPr lang="en-US" dirty="0">
                 <a:solidFill>
-                  <a:srgbClr val="F8A28B"/>
-                </a:solidFill>
-              </a:rPr>
-              <a:t>with language, </a:t>
+                  <a:srgbClr val="00B050"/>
+                </a:solidFill>
+              </a:rPr>
+              <a:t> familiar </a:t>
+            </a:r>
+            <a:r>
+              <a:rPr lang="en-US" dirty="0">
+                <a:solidFill>
+                  <a:srgbClr val="F8A28B"/>
+                </a:solidFill>
+              </a:rPr>
+              <a:t>with </a:t>
+            </a:r>
+            <a:r>
+              <a:rPr lang="en-US" dirty="0" smtClean="0">
+                <a:solidFill>
+                  <a:srgbClr val="F8A28B"/>
+                </a:solidFill>
+              </a:rPr>
+              <a:t>a language</a:t>
+            </a:r>
+            <a:r>
+              <a:rPr lang="en-US" dirty="0">
+                <a:solidFill>
+                  <a:srgbClr val="F8A28B"/>
+                </a:solidFill>
+              </a:rPr>
+              <a:t>, </a:t>
             </a:r>
             <a:r>
               <a:rPr lang="en-US" dirty="0">
@@ -31904,7 +32099,7 @@
                   <a:srgbClr val="F8A28B"/>
                 </a:solidFill>
               </a:rPr>
-              <a:t>evolve. New/Changed Keywords can break </a:t>
+              <a:t>evolve. </a:t>
             </a:r>
             <a:r>
               <a:rPr lang="en-US" dirty="0" smtClean="0">
@@ -31912,6 +32107,22 @@
                   <a:srgbClr val="F8A28B"/>
                 </a:solidFill>
               </a:rPr>
+              <a:t>Changes in Statements/Keywords </a:t>
+            </a:r>
+            <a:r>
+              <a:rPr lang="en-US" dirty="0">
+                <a:solidFill>
+                  <a:srgbClr val="F8A28B"/>
+                </a:solidFill>
+              </a:rPr>
+              <a:t>can break </a:t>
+            </a:r>
+            <a:r>
+              <a:rPr lang="en-US" dirty="0" smtClean="0">
+                <a:solidFill>
+                  <a:srgbClr val="F8A28B"/>
+                </a:solidFill>
+              </a:rPr>
               <a:t>a program </a:t>
             </a:r>
             <a:r>
@@ -31928,8 +32139,13 @@
                   <a:srgbClr val="F8A28B"/>
                 </a:solidFill>
               </a:rPr>
-              <a:t>future</a:t>
-            </a:r>
+              <a:t>future.  Review language release notes</a:t>
+            </a:r>
+            <a:endParaRPr lang="en-US" dirty="0" smtClean="0">
+              <a:solidFill>
+                <a:srgbClr val="F8A28B"/>
+              </a:solidFill>
+            </a:endParaRPr>
           </a:p>
           <a:p>
             <a:pPr lvl="1">
@@ -31951,7 +32167,23 @@
                   <a:srgbClr val="81C8BD"/>
                 </a:solidFill>
               </a:rPr>
-              <a:t>out for: Use of current keywords, Future </a:t>
+              <a:t>out for: Use of current </a:t>
+            </a:r>
+            <a:r>
+              <a:rPr lang="en-US" dirty="0" smtClean="0">
+                <a:solidFill>
+                  <a:srgbClr val="81C8BD"/>
+                </a:solidFill>
+              </a:rPr>
+              <a:t>keywords/functions, </a:t>
+            </a:r>
+            <a:r>
+              <a:rPr lang="en-US" dirty="0">
+                <a:solidFill>
+                  <a:srgbClr val="81C8BD"/>
+                </a:solidFill>
+              </a:rPr>
+              <a:t>Future </a:t>
             </a:r>
             <a:r>
               <a:rPr lang="en-US" dirty="0" smtClean="0">
@@ -32094,7 +32326,15 @@
                   <a:srgbClr val="F8A28B"/>
                 </a:solidFill>
               </a:rPr>
-              <a:t> </a:t>
+              <a:t> (Python </a:t>
+            </a:r>
+            <a:r>
+              <a:rPr lang="en-US" dirty="0" err="1" smtClean="0">
+                <a:solidFill>
+                  <a:srgbClr val="F8A28B"/>
+                </a:solidFill>
+              </a:rPr>
+              <a:t>DeBugger</a:t>
             </a:r>
             <a:r>
               <a:rPr lang="en-US" dirty="0" smtClean="0">
@@ -32102,7 +32342,7 @@
                   <a:srgbClr val="F8A28B"/>
                 </a:solidFill>
               </a:rPr>
-              <a:t>(debugger in Python)</a:t>
+              <a:t>), Visual Studio debugger</a:t>
             </a:r>
           </a:p>
           <a:p>
@@ -32178,7 +32418,39 @@
                   <a:srgbClr val="81C8BD"/>
                 </a:solidFill>
               </a:rPr>
-              <a:t>From a tough, yet beloved, Systems Analyst lady who became the Dev Manager and Department Director: </a:t>
+              <a:t>From a tough, yet beloved, Systems Analyst lady who </a:t>
+            </a:r>
+            <a:r>
+              <a:rPr lang="en-US" smtClean="0">
+                <a:solidFill>
+                  <a:srgbClr val="81C8BD"/>
+                </a:solidFill>
+              </a:rPr>
+              <a:t>became </a:t>
+            </a:r>
+            <a:r>
+              <a:rPr lang="en-US">
+                <a:solidFill>
+                  <a:srgbClr val="81C8BD"/>
+                </a:solidFill>
+              </a:rPr>
+              <a:t>a</a:t>
+            </a:r>
+            <a:r>
+              <a:rPr lang="en-US" smtClean="0">
+                <a:solidFill>
+                  <a:srgbClr val="81C8BD"/>
+                </a:solidFill>
+              </a:rPr>
+              <a:t> </a:t>
+            </a:r>
+            <a:r>
+              <a:rPr lang="en-US" dirty="0" smtClean="0">
+                <a:solidFill>
+                  <a:srgbClr val="81C8BD"/>
+                </a:solidFill>
+              </a:rPr>
+              <a:t>Dev Manager and Department Director: </a:t>
             </a:r>
             <a:r>
               <a:rPr lang="en-US" dirty="0" smtClean="0">
@@ -32259,7 +32531,7 @@
           <a:p>
             <a:r>
               <a:rPr lang="en-US" smtClean="0"/>
-              <a:t>Copyright © 2023 D.J. Davis  All Rights Reserved</a:t>
+              <a:t>Copyright © 2023 D.J. Davis.  All Rights Reserved.</a:t>
             </a:r>
             <a:endParaRPr lang="en-US"/>
           </a:p>
@@ -32388,7 +32660,7 @@
                 </a:solidFill>
                 <a:cs typeface="Times New Roman" panose="02020603050405020304" pitchFamily="18" charset="0"/>
               </a:rPr>
-              <a:t>Outline some legacy and current General-Purpose Languages</a:t>
+              <a:t>Outline some General-Purpose Languages</a:t>
             </a:r>
           </a:p>
           <a:p>
@@ -32418,7 +32690,7 @@
                 </a:solidFill>
                 <a:cs typeface="Times New Roman" panose="02020603050405020304" pitchFamily="18" charset="0"/>
               </a:rPr>
-              <a:t>Discuss 12 G-P Ls and outline </a:t>
+              <a:t>Discuss 12 current G-P Ls and outline </a:t>
             </a:r>
             <a:r>
               <a:rPr lang="en-US" sz="1800" dirty="0">
@@ -32469,7 +32741,7 @@
                 </a:solidFill>
                 <a:cs typeface="Times New Roman" panose="02020603050405020304" pitchFamily="18" charset="0"/>
               </a:rPr>
-              <a:t>our languages</a:t>
+              <a:t>our language</a:t>
             </a:r>
             <a:endParaRPr lang="en-US" sz="1800" dirty="0">
               <a:solidFill>
@@ -32508,7 +32780,7 @@
                 </a:solidFill>
                 <a:cs typeface="Times New Roman" panose="02020603050405020304" pitchFamily="18" charset="0"/>
               </a:rPr>
-              <a:t>software vulnerabilities that occur in languages </a:t>
+              <a:t>software vulnerabilities that can occur in languages </a:t>
             </a:r>
           </a:p>
           <a:p>
@@ -32523,25 +32795,7 @@
                 </a:solidFill>
                 <a:cs typeface="Times New Roman" panose="02020603050405020304" pitchFamily="18" charset="0"/>
               </a:rPr>
-              <a:t>Consider Recommendations from my Observations </a:t>
-            </a:r>
-            <a:r>
-              <a:rPr lang="en-US" sz="1800" dirty="0">
-                <a:solidFill>
-                  <a:srgbClr val="81C8BD"/>
-                </a:solidFill>
-                <a:cs typeface="Times New Roman" panose="02020603050405020304" pitchFamily="18" charset="0"/>
-              </a:rPr>
-              <a:t>in Vulnerability </a:t>
-            </a:r>
-            <a:r>
-              <a:rPr lang="en-US" sz="1800" dirty="0" smtClean="0">
-                <a:solidFill>
-                  <a:srgbClr val="81C8BD"/>
-                </a:solidFill>
-                <a:cs typeface="Times New Roman" panose="02020603050405020304" pitchFamily="18" charset="0"/>
-              </a:rPr>
-              <a:t>Database</a:t>
+              <a:t>Consider some Recommendations from my Observations in Vulnerability Database</a:t>
             </a:r>
           </a:p>
           <a:p>
@@ -32638,7 +32892,7 @@
           <a:p>
             <a:r>
               <a:rPr lang="en-US" smtClean="0"/>
-              <a:t>Copyright © 2023 D.J. Davis  All Rights Reserved</a:t>
+              <a:t>Copyright © 2023 D.J. Davis.  All Rights Reserved.</a:t>
             </a:r>
             <a:endParaRPr lang="en-US"/>
           </a:p>
@@ -32735,7 +32989,7 @@
                 </a:solidFill>
                 <a:latin typeface="Bahnschrift SemiBold SemiConden" panose="020B0502040204020203" pitchFamily="34" charset="0"/>
               </a:rPr>
-              <a:t>ounting things.   Variations in the Ways Languages Process Loops  </a:t>
+              <a:t>ounting things...   Variations in the Ways Languages Process Loops  </a:t>
             </a:r>
             <a:endParaRPr lang="en-US" dirty="0">
               <a:solidFill>
@@ -32828,23 +33082,47 @@
                   <a:srgbClr val="F8A28B"/>
                 </a:solidFill>
               </a:rPr>
-              <a:t>C, C++ C#, Java, </a:t>
-            </a:r>
-            <a:r>
-              <a:rPr lang="en-US" sz="1600" dirty="0" err="1" smtClean="0">
-                <a:solidFill>
-                  <a:srgbClr val="F8A28B"/>
-                </a:solidFill>
-              </a:rPr>
-              <a:t>Javascript</a:t>
+              <a:t>C,  C++,  C#,  Java,  JavaScript,  Go,  PHP</a:t>
+            </a:r>
+          </a:p>
+          <a:p>
+            <a:pPr marL="0" indent="0">
+              <a:spcBef>
+                <a:spcPts val="600"/>
+              </a:spcBef>
+              <a:buNone/>
+            </a:pPr>
+            <a:r>
+              <a:rPr lang="en-US" sz="1600" dirty="0">
+                <a:solidFill>
+                  <a:srgbClr val="ECDA2D"/>
+                </a:solidFill>
+              </a:rPr>
+              <a:t>f</a:t>
             </a:r>
             <a:r>
               <a:rPr lang="en-US" sz="1600" dirty="0" smtClean="0">
                 <a:solidFill>
-                  <a:srgbClr val="F8A28B"/>
-                </a:solidFill>
-              </a:rPr>
-              <a:t>, Go, PHP</a:t>
+                  <a:srgbClr val="ECDA2D"/>
+                </a:solidFill>
+              </a:rPr>
+              <a:t>or (x = 1; x &lt; 11; x++)   print the number ;    // counts to 10      D.J. prefers  to use   x &lt;= 10   but this </a:t>
+            </a:r>
+            <a:r>
+              <a:rPr lang="en-US" sz="1600" dirty="0" smtClean="0">
+                <a:solidFill>
+                  <a:srgbClr val="ECDA2D"/>
+                </a:solidFill>
+              </a:rPr>
+              <a:t>can generate </a:t>
+            </a:r>
+            <a:r>
+              <a:rPr lang="en-US" sz="1600" dirty="0" smtClean="0">
+                <a:solidFill>
+                  <a:srgbClr val="ECDA2D"/>
+                </a:solidFill>
+              </a:rPr>
+              <a:t>more Assembly instructions</a:t>
             </a:r>
           </a:p>
           <a:p>
@@ -32855,6 +33133,22 @@
               <a:buNone/>
             </a:pPr>
             <a:r>
+              <a:rPr lang="en-US" sz="1600" dirty="0" smtClean="0">
+                <a:solidFill>
+                  <a:srgbClr val="F8A28B"/>
+                </a:solidFill>
+              </a:rPr>
+              <a:t>Python</a:t>
+            </a:r>
+          </a:p>
+          <a:p>
+            <a:pPr marL="0" indent="0">
+              <a:spcBef>
+                <a:spcPts val="600"/>
+              </a:spcBef>
+              <a:buNone/>
+            </a:pPr>
+            <a:r>
               <a:rPr lang="en-US" sz="1600" dirty="0">
                 <a:solidFill>
                   <a:srgbClr val="ECDA2D"/>
@@ -32868,47 +33162,7 @@
                   <a:srgbClr val="ECDA2D"/>
                 </a:solidFill>
               </a:rPr>
-              <a:t>or (x = 1; x &lt; 11; x++)   print the number ;    // counts to 10      D.J. prefers  to use   x &lt;= 10   but this generates more Assembly instructions</a:t>
-            </a:r>
-          </a:p>
-          <a:p>
-            <a:pPr marL="0" indent="0">
-              <a:spcBef>
-                <a:spcPts val="600"/>
-              </a:spcBef>
-              <a:buNone/>
-            </a:pPr>
-            <a:r>
-              <a:rPr lang="en-US" sz="1600" dirty="0" smtClean="0">
-                <a:solidFill>
-                  <a:srgbClr val="F8A28B"/>
-                </a:solidFill>
-              </a:rPr>
-              <a:t>Python</a:t>
-            </a:r>
-          </a:p>
-          <a:p>
-            <a:pPr marL="0" indent="0">
-              <a:spcBef>
-                <a:spcPts val="600"/>
-              </a:spcBef>
-              <a:buNone/>
-            </a:pPr>
-            <a:r>
-              <a:rPr lang="en-US" sz="1600" dirty="0">
-                <a:solidFill>
-                  <a:srgbClr val="ECDA2D"/>
-                </a:solidFill>
-              </a:rPr>
-              <a:t>f</a:t>
-            </a:r>
-            <a:r>
-              <a:rPr lang="en-US" sz="1600" dirty="0" smtClean="0">
-                <a:solidFill>
-                  <a:srgbClr val="ECDA2D"/>
-                </a:solidFill>
-              </a:rPr>
-              <a:t>or x in range (1, 10) 		            #  counts to </a:t>
+              <a:t>or x in range (1, 10): 		            #  counts to </a:t>
             </a:r>
             <a:r>
               <a:rPr lang="en-US" sz="1600" dirty="0" smtClean="0">
@@ -34634,7 +34888,7 @@
           <a:p>
             <a:r>
               <a:rPr lang="en-US" smtClean="0"/>
-              <a:t>Copyright © 2023 D.J. Davis  All Rights Reserved</a:t>
+              <a:t>Copyright © 2023 D.J. Davis.  All Rights Reserved.</a:t>
             </a:r>
             <a:endParaRPr lang="en-US"/>
           </a:p>
@@ -34790,7 +35044,7 @@
                   <a:srgbClr val="F8A28B"/>
                 </a:solidFill>
               </a:rPr>
-              <a:t> Corp - cvs.mitre.org  --transitioning-to--&gt;  www.cve.org</a:t>
+              <a:t> Corp - cve.mitre.org  --transitioning-to--&gt;  www.cve.org</a:t>
             </a:r>
           </a:p>
           <a:p>
@@ -34814,7 +35068,7 @@
                   <a:srgbClr val="81C8BD"/>
                 </a:solidFill>
               </a:rPr>
-              <a:t>Search - cvs.mitre.org/</a:t>
+              <a:t>Search - cve.mitre.org/</a:t>
             </a:r>
             <a:r>
               <a:rPr lang="en-US" sz="2600" dirty="0" err="1" smtClean="0">
@@ -35077,8 +35331,21 @@
                   <a:srgbClr val="81C8BD"/>
                 </a:solidFill>
               </a:rPr>
-              <a:t>API Security Top 10 2019  (2023 release candidate is available; we can contribute)</a:t>
-            </a:r>
+              <a:t>API Security Top 10 </a:t>
+            </a:r>
+            <a:r>
+              <a:rPr lang="en-US" dirty="0" smtClean="0">
+                <a:solidFill>
+                  <a:srgbClr val="81C8BD"/>
+                </a:solidFill>
+              </a:rPr>
+              <a:t> -  2023</a:t>
+            </a:r>
+            <a:endParaRPr lang="en-US" dirty="0" smtClean="0">
+              <a:solidFill>
+                <a:srgbClr val="81C8BD"/>
+              </a:solidFill>
+            </a:endParaRPr>
           </a:p>
           <a:p>
             <a:pPr marL="457200" lvl="1" indent="0">
@@ -35144,7 +35411,7 @@
           <a:p>
             <a:r>
               <a:rPr lang="en-US" smtClean="0"/>
-              <a:t>Copyright © 2023 D.J. Davis  All Rights Reserved</a:t>
+              <a:t>Copyright © 2023 D.J. Davis.  All Rights Reserved.</a:t>
             </a:r>
             <a:endParaRPr lang="en-US"/>
           </a:p>
@@ -35304,7 +35571,7 @@
                 </a:solidFill>
                 <a:cs typeface="Times New Roman" panose="02020603050405020304" pitchFamily="18" charset="0"/>
               </a:rPr>
-              <a:t>No Single Winner.  But </a:t>
+              <a:t>No Clear Winner.  But </a:t>
             </a:r>
             <a:r>
               <a:rPr lang="en-US" sz="1800" dirty="0" smtClean="0">
@@ -35354,7 +35621,25 @@
                 </a:solidFill>
                 <a:cs typeface="Times New Roman" panose="02020603050405020304" pitchFamily="18" charset="0"/>
               </a:rPr>
-              <a:t>) provide some features that reduce bugs in some </a:t>
+              <a:t>) provide some features that </a:t>
+            </a:r>
+            <a:r>
+              <a:rPr lang="en-US" sz="1800" dirty="0" smtClean="0">
+                <a:solidFill>
+                  <a:srgbClr val="81C8BD"/>
+                </a:solidFill>
+                <a:cs typeface="Times New Roman" panose="02020603050405020304" pitchFamily="18" charset="0"/>
+              </a:rPr>
+              <a:t>can reduce </a:t>
+            </a:r>
+            <a:r>
+              <a:rPr lang="en-US" sz="1800" dirty="0">
+                <a:solidFill>
+                  <a:srgbClr val="81C8BD"/>
+                </a:solidFill>
+                <a:cs typeface="Times New Roman" panose="02020603050405020304" pitchFamily="18" charset="0"/>
+              </a:rPr>
+              <a:t>bugs in some </a:t>
             </a:r>
             <a:r>
               <a:rPr lang="en-US" sz="1800" dirty="0" smtClean="0">
@@ -35407,7 +35692,7 @@
                 </a:solidFill>
                 <a:cs typeface="Times New Roman" panose="02020603050405020304" pitchFamily="18" charset="0"/>
               </a:rPr>
-              <a:t>(they don’t overrun easily</a:t>
+              <a:t>(they don’t overrun </a:t>
             </a:r>
             <a:r>
               <a:rPr lang="en-US" sz="1400" dirty="0" smtClean="0">
@@ -35416,7 +35701,7 @@
                 </a:solidFill>
                 <a:cs typeface="Times New Roman" panose="02020603050405020304" pitchFamily="18" charset="0"/>
               </a:rPr>
-              <a:t>);  </a:t>
+              <a:t>variables easily);  </a:t>
             </a:r>
             <a:r>
               <a:rPr lang="en-US" sz="1400" dirty="0">
@@ -35425,7 +35710,7 @@
                 </a:solidFill>
                 <a:cs typeface="Times New Roman" panose="02020603050405020304" pitchFamily="18" charset="0"/>
               </a:rPr>
-              <a:t>Better/easier object </a:t>
+              <a:t>E</a:t>
             </a:r>
             <a:r>
               <a:rPr lang="en-US" sz="1400" dirty="0" smtClean="0">
@@ -35434,7 +35719,7 @@
                 </a:solidFill>
                 <a:cs typeface="Times New Roman" panose="02020603050405020304" pitchFamily="18" charset="0"/>
               </a:rPr>
-              <a:t>handling;  intelligent, efficient </a:t>
+              <a:t>asier </a:t>
             </a:r>
             <a:r>
               <a:rPr lang="en-US" sz="1400" dirty="0">
@@ -35443,10 +35728,17 @@
                 </a:solidFill>
                 <a:cs typeface="Times New Roman" panose="02020603050405020304" pitchFamily="18" charset="0"/>
               </a:rPr>
-              <a:t>garbage collection</a:t>
-            </a:r>
-          </a:p>
-          <a:p>
+              <a:t>object </a:t>
+            </a:r>
+            <a:r>
+              <a:rPr lang="en-US" sz="1400" dirty="0" smtClean="0">
+                <a:solidFill>
+                  <a:srgbClr val="ECDA2D"/>
+                </a:solidFill>
+                <a:cs typeface="Times New Roman" panose="02020603050405020304" pitchFamily="18" charset="0"/>
+              </a:rPr>
+              <a:t>handling (fewer mistakes);  </a:t>
+            </a:r>
             <a:r>
               <a:rPr lang="en-US" sz="1400" dirty="0">
                 <a:solidFill>
@@ -35454,7 +35746,7 @@
                 </a:solidFill>
                 <a:cs typeface="Times New Roman" panose="02020603050405020304" pitchFamily="18" charset="0"/>
               </a:rPr>
-              <a:t>Less dependence on </a:t>
+              <a:t>E</a:t>
             </a:r>
             <a:r>
               <a:rPr lang="en-US" sz="1400" dirty="0" smtClean="0">
@@ -35463,7 +35755,43 @@
                 </a:solidFill>
                 <a:cs typeface="Times New Roman" panose="02020603050405020304" pitchFamily="18" charset="0"/>
               </a:rPr>
-              <a:t>pointers</a:t>
+              <a:t>fficient </a:t>
+            </a:r>
+            <a:r>
+              <a:rPr lang="en-US" sz="1400" dirty="0">
+                <a:solidFill>
+                  <a:srgbClr val="ECDA2D"/>
+                </a:solidFill>
+                <a:cs typeface="Times New Roman" panose="02020603050405020304" pitchFamily="18" charset="0"/>
+              </a:rPr>
+              <a:t>garbage </a:t>
+            </a:r>
+            <a:r>
+              <a:rPr lang="en-US" sz="1400" dirty="0" smtClean="0">
+                <a:solidFill>
+                  <a:srgbClr val="ECDA2D"/>
+                </a:solidFill>
+                <a:cs typeface="Times New Roman" panose="02020603050405020304" pitchFamily="18" charset="0"/>
+              </a:rPr>
+              <a:t>collection (reduces resource exhaustion); Less </a:t>
+            </a:r>
+            <a:r>
+              <a:rPr lang="en-US" sz="1400" dirty="0">
+                <a:solidFill>
+                  <a:srgbClr val="ECDA2D"/>
+                </a:solidFill>
+                <a:cs typeface="Times New Roman" panose="02020603050405020304" pitchFamily="18" charset="0"/>
+              </a:rPr>
+              <a:t>dependence on </a:t>
+            </a:r>
+            <a:r>
+              <a:rPr lang="en-US" sz="1400" dirty="0" smtClean="0">
+                <a:solidFill>
+                  <a:srgbClr val="ECDA2D"/>
+                </a:solidFill>
+                <a:cs typeface="Times New Roman" panose="02020603050405020304" pitchFamily="18" charset="0"/>
+              </a:rPr>
+              <a:t>pointers (reduces data errors, resource exhaustion, program crashes)</a:t>
             </a:r>
             <a:endParaRPr lang="en-US" sz="1400" dirty="0" smtClean="0">
               <a:solidFill>
@@ -35483,7 +35811,7 @@
                 </a:solidFill>
                 <a:cs typeface="Times New Roman" panose="02020603050405020304" pitchFamily="18" charset="0"/>
               </a:rPr>
-              <a:t>Interpreters offer good input protection &amp; protection of variables but are less suited for systems work</a:t>
+              <a:t>Interpreters offer these benefits, good input protection, good protection of variables but interpreters are less suited for systems work and high performance applications (like video games)</a:t>
             </a:r>
           </a:p>
           <a:p>
@@ -35666,7 +35994,7 @@
                 </a:solidFill>
                 <a:cs typeface="Times New Roman" panose="02020603050405020304" pitchFamily="18" charset="0"/>
               </a:rPr>
-              <a:t>We have provided Examples and Information </a:t>
+              <a:t>We have provided Examples </a:t>
             </a:r>
             <a:r>
               <a:rPr lang="en-US" sz="1800" dirty="0">
@@ -35684,7 +36012,7 @@
                 </a:solidFill>
                 <a:cs typeface="Times New Roman" panose="02020603050405020304" pitchFamily="18" charset="0"/>
               </a:rPr>
-              <a:t>programming in 11 languages</a:t>
+              <a:t>programming in 12 languages</a:t>
             </a:r>
           </a:p>
         </p:txBody>
@@ -35736,7 +36064,7 @@
           <a:p>
             <a:r>
               <a:rPr lang="en-US" smtClean="0"/>
-              <a:t>Copyright © 2023 D.J. Davis  All Rights Reserved</a:t>
+              <a:t>Copyright © 2023 D.J. Davis.  All Rights Reserved.</a:t>
             </a:r>
             <a:endParaRPr lang="en-US"/>
           </a:p>
@@ -35880,7 +36208,7 @@
             <a:pPr marL="0" indent="0" algn="ctr">
               <a:buNone/>
             </a:pPr>
-            <a:endParaRPr lang="en-US" sz="6000" dirty="0" smtClean="0">
+            <a:endParaRPr lang="en-US" sz="3200" dirty="0" smtClean="0">
               <a:solidFill>
                 <a:srgbClr val="686EA0"/>
               </a:solidFill>
@@ -36164,7 +36492,51 @@
               <a:rPr lang="en-US" dirty="0" smtClean="0"/>
               <a:t>github.com/ipv3/DC31-BIC/</a:t>
             </a:r>
-            <a:endParaRPr lang="en-US" dirty="0"/>
+          </a:p>
+          <a:p>
+            <a:pPr marL="0" indent="0" algn="ctr">
+              <a:spcBef>
+                <a:spcPts val="0"/>
+              </a:spcBef>
+              <a:buNone/>
+            </a:pPr>
+            <a:r>
+              <a:rPr lang="en-US" sz="1800" dirty="0" smtClean="0">
+                <a:solidFill>
+                  <a:srgbClr val="ECDA2D"/>
+                </a:solidFill>
+              </a:rPr>
+              <a:t>&lt;  Slide deck</a:t>
+            </a:r>
+            <a:r>
+              <a:rPr lang="en-US" sz="1800" dirty="0" smtClean="0">
+                <a:solidFill>
+                  <a:srgbClr val="ECDA2D"/>
+                </a:solidFill>
+              </a:rPr>
+              <a:t>  -  </a:t>
+            </a:r>
+            <a:r>
+              <a:rPr lang="en-US" sz="1800" dirty="0">
+                <a:solidFill>
+                  <a:srgbClr val="ECDA2D"/>
+                </a:solidFill>
+              </a:rPr>
+              <a:t>P</a:t>
+            </a:r>
+            <a:r>
+              <a:rPr lang="en-US" sz="1800" dirty="0" smtClean="0">
+                <a:solidFill>
+                  <a:srgbClr val="ECDA2D"/>
+                </a:solidFill>
+              </a:rPr>
+              <a:t>rogram examples  -   Set up, back up, restore Linux  -  GDB commands  /&gt;</a:t>
+            </a:r>
+            <a:endParaRPr lang="en-US" sz="1800" dirty="0" smtClean="0">
+              <a:solidFill>
+                <a:srgbClr val="ECDA2D"/>
+              </a:solidFill>
+            </a:endParaRPr>
           </a:p>
         </p:txBody>
       </p:sp>
@@ -36215,7 +36587,7 @@
           <a:p>
             <a:r>
               <a:rPr lang="en-US" smtClean="0"/>
-              <a:t>Copyright © 2023 D.J. Davis  All Rights Reserved</a:t>
+              <a:t>Copyright © 2023 D.J. Davis.  All Rights Reserved.</a:t>
             </a:r>
             <a:endParaRPr lang="en-US"/>
           </a:p>
@@ -36449,23 +36821,8 @@
                 </a:solidFill>
                 <a:cs typeface="Times New Roman" panose="02020603050405020304" pitchFamily="18" charset="0"/>
               </a:rPr>
-              <a:t>PC, police/dispatch </a:t>
-            </a:r>
-            <a:r>
-              <a:rPr lang="en-US" sz="1800" dirty="0" smtClean="0">
-                <a:solidFill>
-                  <a:srgbClr val="81C8BD"/>
-                </a:solidFill>
-                <a:cs typeface="Times New Roman" panose="02020603050405020304" pitchFamily="18" charset="0"/>
-              </a:rPr>
-              <a:t>Midrange)</a:t>
-            </a:r>
-            <a:endParaRPr lang="en-US" sz="1800" dirty="0" smtClean="0">
-              <a:solidFill>
-                <a:srgbClr val="81C8BD"/>
-              </a:solidFill>
-              <a:cs typeface="Times New Roman" panose="02020603050405020304" pitchFamily="18" charset="0"/>
-            </a:endParaRPr>
+              <a:t>PC, police/dispatch Midrange)</a:t>
+            </a:r>
           </a:p>
           <a:p>
             <a:r>
@@ -36585,7 +36942,7 @@
           <a:p>
             <a:r>
               <a:rPr lang="en-US" smtClean="0"/>
-              <a:t>Copyright © 2023 D.J. Davis  All Rights Reserved</a:t>
+              <a:t>Copyright © 2023 D.J. Davis.  All Rights Reserved.</a:t>
             </a:r>
             <a:endParaRPr lang="en-US"/>
           </a:p>
@@ -37107,7 +37464,7 @@
           <a:p>
             <a:r>
               <a:rPr lang="en-US" smtClean="0"/>
-              <a:t>Copyright © 2023 D.J. Davis  All Rights Reserved</a:t>
+              <a:t>Copyright © 2023 D.J. Davis.  All Rights Reserved.</a:t>
             </a:r>
             <a:endParaRPr lang="en-US"/>
           </a:p>
@@ -37790,7 +38147,7 @@
           <a:p>
             <a:r>
               <a:rPr lang="en-US" dirty="0" smtClean="0"/>
-              <a:t>Initial growth of the World-Wide Web</a:t>
+              <a:t>Initial growth of the World Wide Web</a:t>
             </a:r>
             <a:endParaRPr lang="en-US" dirty="0"/>
           </a:p>
@@ -37843,7 +38200,7 @@
           <a:p>
             <a:r>
               <a:rPr lang="en-US" smtClean="0"/>
-              <a:t>Copyright © 2023 D.J. Davis  All Rights Reserved</a:t>
+              <a:t>Copyright © 2023 D.J. Davis.  All Rights Reserved.</a:t>
             </a:r>
             <a:endParaRPr lang="en-US"/>
           </a:p>
@@ -37999,23 +38356,33 @@
                   <a:srgbClr val="81C8BD"/>
                 </a:solidFill>
               </a:rPr>
-              <a:t> </a:t>
-            </a:r>
+              <a:t> 	Older languages are still available today and have evolved</a:t>
+            </a:r>
+          </a:p>
+          <a:p>
+            <a:pPr marL="0" indent="0">
+              <a:buNone/>
+            </a:pPr>
             <a:r>
               <a:rPr lang="en-US" sz="1800" dirty="0" smtClean="0">
                 <a:solidFill>
                   <a:srgbClr val="81C8BD"/>
                 </a:solidFill>
               </a:rPr>
-              <a:t>	Older </a:t>
-            </a:r>
+              <a:t>	Fortran is a popular language on supercomputers</a:t>
+            </a:r>
+          </a:p>
+          <a:p>
+            <a:pPr marL="0" indent="0">
+              <a:buNone/>
+            </a:pPr>
             <a:r>
               <a:rPr lang="en-US" sz="1800" dirty="0" smtClean="0">
                 <a:solidFill>
                   <a:srgbClr val="81C8BD"/>
                 </a:solidFill>
               </a:rPr>
-              <a:t>languages are still available today and have evolved</a:t>
+              <a:t>	Several legacy languages have OO versions</a:t>
             </a:r>
           </a:p>
           <a:p>
@@ -38028,57 +38395,7 @@
                   <a:srgbClr val="81C8BD"/>
                 </a:solidFill>
               </a:rPr>
-              <a:t>	Fortran </a:t>
-            </a:r>
-            <a:r>
-              <a:rPr lang="en-US" sz="1800" dirty="0" smtClean="0">
-                <a:solidFill>
-                  <a:srgbClr val="81C8BD"/>
-                </a:solidFill>
-              </a:rPr>
-              <a:t>is a popular language on supercomputers</a:t>
-            </a:r>
-          </a:p>
-          <a:p>
-            <a:pPr marL="0" indent="0">
-              <a:buNone/>
-            </a:pPr>
-            <a:r>
-              <a:rPr lang="en-US" sz="1800" dirty="0" smtClean="0">
-                <a:solidFill>
-                  <a:srgbClr val="81C8BD"/>
-                </a:solidFill>
-              </a:rPr>
-              <a:t>	Several </a:t>
-            </a:r>
-            <a:r>
-              <a:rPr lang="en-US" sz="1800" dirty="0" smtClean="0">
-                <a:solidFill>
-                  <a:srgbClr val="81C8BD"/>
-                </a:solidFill>
-              </a:rPr>
-              <a:t>legacy languages have OO versions</a:t>
-            </a:r>
-          </a:p>
-          <a:p>
-            <a:pPr marL="0" indent="0">
-              <a:buNone/>
-            </a:pPr>
-            <a:r>
-              <a:rPr lang="en-US" sz="1800" dirty="0" smtClean="0">
-                <a:solidFill>
-                  <a:srgbClr val="81C8BD"/>
-                </a:solidFill>
-              </a:rPr>
-              <a:t>	A </a:t>
-            </a:r>
-            <a:r>
-              <a:rPr lang="en-US" sz="1800" dirty="0" smtClean="0">
-                <a:solidFill>
-                  <a:srgbClr val="81C8BD"/>
-                </a:solidFill>
-              </a:rPr>
-              <a:t>language can be set up as both a compiler and an interpreter (e.g. APL, BASIC)</a:t>
+              <a:t>	A language can be set up as both a compiler and an interpreter (e.g. APL, BASIC)</a:t>
             </a:r>
           </a:p>
           <a:p>
@@ -38166,7 +38483,7 @@
           <a:p>
             <a:r>
               <a:rPr lang="en-US" smtClean="0"/>
-              <a:t>Copyright © 2023 D.J. Davis  All Rights Reserved</a:t>
+              <a:t>Copyright © 2023 D.J. Davis.  All Rights Reserved.</a:t>
             </a:r>
             <a:endParaRPr lang="en-US"/>
           </a:p>

--- a/Presentation.pptx
+++ b/Presentation.pptx
@@ -249,7 +249,7 @@
           <a:p>
             <a:fld id="{D5E4D04E-A147-4C8A-94A7-F57754D1BB44}" type="datetimeFigureOut">
               <a:rPr lang="en-US" smtClean="0"/>
-              <a:t>8/4/2023</a:t>
+              <a:t>8/5/2023</a:t>
             </a:fld>
             <a:endParaRPr lang="en-US"/>
           </a:p>
@@ -2645,7 +2645,7 @@
           <a:p>
             <a:fld id="{D1D6C988-5A9F-43B3-B11F-62FBB2283760}" type="datetime1">
               <a:rPr lang="en-US" smtClean="0"/>
-              <a:t>8/4/2023</a:t>
+              <a:t>8/5/2023</a:t>
             </a:fld>
             <a:endParaRPr lang="en-US"/>
           </a:p>
@@ -2819,7 +2819,7 @@
           <a:p>
             <a:fld id="{090D506C-771E-459B-B39E-4CC8DBC54817}" type="datetime1">
               <a:rPr lang="en-US" smtClean="0"/>
-              <a:t>8/4/2023</a:t>
+              <a:t>8/5/2023</a:t>
             </a:fld>
             <a:endParaRPr lang="en-US"/>
           </a:p>
@@ -3003,7 +3003,7 @@
           <a:p>
             <a:fld id="{1C1FAAD5-29F5-4098-BD5A-438757414B07}" type="datetime1">
               <a:rPr lang="en-US" smtClean="0"/>
-              <a:t>8/4/2023</a:t>
+              <a:t>8/5/2023</a:t>
             </a:fld>
             <a:endParaRPr lang="en-US"/>
           </a:p>
@@ -3177,7 +3177,7 @@
           <a:p>
             <a:fld id="{73D8CBC8-D114-44EB-A3EE-301188320D6A}" type="datetime1">
               <a:rPr lang="en-US" smtClean="0"/>
-              <a:t>8/4/2023</a:t>
+              <a:t>8/5/2023</a:t>
             </a:fld>
             <a:endParaRPr lang="en-US"/>
           </a:p>
@@ -3427,7 +3427,7 @@
           <a:p>
             <a:fld id="{55E59217-A885-423F-BC6C-DE78E39907AE}" type="datetime1">
               <a:rPr lang="en-US" smtClean="0"/>
-              <a:t>8/4/2023</a:t>
+              <a:t>8/5/2023</a:t>
             </a:fld>
             <a:endParaRPr lang="en-US"/>
           </a:p>
@@ -3663,7 +3663,7 @@
           <a:p>
             <a:fld id="{C51E93FE-4E98-4306-B0CC-2B6696AD1CFB}" type="datetime1">
               <a:rPr lang="en-US" smtClean="0"/>
-              <a:t>8/4/2023</a:t>
+              <a:t>8/5/2023</a:t>
             </a:fld>
             <a:endParaRPr lang="en-US"/>
           </a:p>
@@ -4034,7 +4034,7 @@
           <a:p>
             <a:fld id="{FAD04080-C194-4D4C-9F19-7AAC84251738}" type="datetime1">
               <a:rPr lang="en-US" smtClean="0"/>
-              <a:t>8/4/2023</a:t>
+              <a:t>8/5/2023</a:t>
             </a:fld>
             <a:endParaRPr lang="en-US"/>
           </a:p>
@@ -4156,7 +4156,7 @@
           <a:p>
             <a:fld id="{DC67A823-1B92-4025-BC0F-40F8975953C7}" type="datetime1">
               <a:rPr lang="en-US" smtClean="0"/>
-              <a:t>8/4/2023</a:t>
+              <a:t>8/5/2023</a:t>
             </a:fld>
             <a:endParaRPr lang="en-US"/>
           </a:p>
@@ -4255,7 +4255,7 @@
           <a:p>
             <a:fld id="{ABC8C156-D538-43AE-9CDE-EB1B977F1905}" type="datetime1">
               <a:rPr lang="en-US" smtClean="0"/>
-              <a:t>8/4/2023</a:t>
+              <a:t>8/5/2023</a:t>
             </a:fld>
             <a:endParaRPr lang="en-US"/>
           </a:p>
@@ -4536,7 +4536,7 @@
           <a:p>
             <a:fld id="{FAF1F5F7-F90E-4757-887B-E94C99372001}" type="datetime1">
               <a:rPr lang="en-US" smtClean="0"/>
-              <a:t>8/4/2023</a:t>
+              <a:t>8/5/2023</a:t>
             </a:fld>
             <a:endParaRPr lang="en-US"/>
           </a:p>
@@ -4797,7 +4797,7 @@
           <a:p>
             <a:fld id="{CE562B20-CAA1-452C-AF37-D65CE3C2B195}" type="datetime1">
               <a:rPr lang="en-US" smtClean="0"/>
-              <a:t>8/4/2023</a:t>
+              <a:t>8/5/2023</a:t>
             </a:fld>
             <a:endParaRPr lang="en-US"/>
           </a:p>
@@ -5039,7 +5039,7 @@
           <a:p>
             <a:fld id="{2EF9E0BA-BB06-463A-8171-74210A00AD52}" type="datetime1">
               <a:rPr lang="en-US" smtClean="0"/>
-              <a:t>8/4/2023</a:t>
+              <a:t>8/5/2023</a:t>
             </a:fld>
             <a:endParaRPr lang="en-US"/>
           </a:p>
@@ -17390,7 +17390,34 @@
                 </a:solidFill>
                 <a:cs typeface="Times New Roman" panose="02020603050405020304" pitchFamily="18" charset="0"/>
               </a:rPr>
-              <a:t>so SCREWED by the vulnerabilities... </a:t>
+              <a:t>so </a:t>
+            </a:r>
+            <a:r>
+              <a:rPr lang="en-US" sz="1800" smtClean="0">
+                <a:solidFill>
+                  <a:srgbClr val="686EA0"/>
+                </a:solidFill>
+                <a:cs typeface="Times New Roman" panose="02020603050405020304" pitchFamily="18" charset="0"/>
+              </a:rPr>
+              <a:t>MESS</a:t>
+            </a:r>
+            <a:r>
+              <a:rPr lang="en-US" sz="1800" smtClean="0">
+                <a:solidFill>
+                  <a:srgbClr val="686EA0"/>
+                </a:solidFill>
+                <a:cs typeface="Times New Roman" panose="02020603050405020304" pitchFamily="18" charset="0"/>
+              </a:rPr>
+              <a:t>ED UP by </a:t>
+            </a:r>
+            <a:r>
+              <a:rPr lang="en-US" sz="1800" dirty="0">
+                <a:solidFill>
+                  <a:srgbClr val="686EA0"/>
+                </a:solidFill>
+                <a:cs typeface="Times New Roman" panose="02020603050405020304" pitchFamily="18" charset="0"/>
+              </a:rPr>
+              <a:t>the vulnerabilities... </a:t>
             </a:r>
             <a:r>
               <a:rPr lang="en-US" sz="1800" dirty="0" smtClean="0">
@@ -18758,11 +18785,7 @@
             </a:r>
             <a:r>
               <a:rPr lang="en-US" dirty="0" smtClean="0"/>
-              <a:t>Byte, String, </a:t>
-            </a:r>
-            <a:r>
-              <a:rPr lang="en-US" dirty="0" smtClean="0"/>
-              <a:t>Boolean  </a:t>
+              <a:t>Byte, String, Boolean  </a:t>
             </a:r>
             <a:r>
               <a:rPr lang="en-US" dirty="0" smtClean="0">
@@ -32141,11 +32164,6 @@
               </a:rPr>
               <a:t>future.  Review language release notes</a:t>
             </a:r>
-            <a:endParaRPr lang="en-US" dirty="0" smtClean="0">
-              <a:solidFill>
-                <a:srgbClr val="F8A28B"/>
-              </a:solidFill>
-            </a:endParaRPr>
           </a:p>
           <a:p>
             <a:pPr lvl="1">
@@ -33106,23 +33124,7 @@
                   <a:srgbClr val="ECDA2D"/>
                 </a:solidFill>
               </a:rPr>
-              <a:t>or (x = 1; x &lt; 11; x++)   print the number ;    // counts to 10      D.J. prefers  to use   x &lt;= 10   but this </a:t>
-            </a:r>
-            <a:r>
-              <a:rPr lang="en-US" sz="1600" dirty="0" smtClean="0">
-                <a:solidFill>
-                  <a:srgbClr val="ECDA2D"/>
-                </a:solidFill>
-              </a:rPr>
-              <a:t>can generate </a:t>
-            </a:r>
-            <a:r>
-              <a:rPr lang="en-US" sz="1600" dirty="0" smtClean="0">
-                <a:solidFill>
-                  <a:srgbClr val="ECDA2D"/>
-                </a:solidFill>
-              </a:rPr>
-              <a:t>more Assembly instructions</a:t>
+              <a:t>or (x = 1; x &lt; 11; x++)   print the number ;    // counts to 10      D.J. prefers  to use   x &lt;= 10   but this can generate more Assembly instructions</a:t>
             </a:r>
           </a:p>
           <a:p>
@@ -35331,21 +35333,8 @@
                   <a:srgbClr val="81C8BD"/>
                 </a:solidFill>
               </a:rPr>
-              <a:t>API Security Top 10 </a:t>
-            </a:r>
-            <a:r>
-              <a:rPr lang="en-US" dirty="0" smtClean="0">
-                <a:solidFill>
-                  <a:srgbClr val="81C8BD"/>
-                </a:solidFill>
-              </a:rPr>
-              <a:t> -  2023</a:t>
-            </a:r>
-            <a:endParaRPr lang="en-US" dirty="0" smtClean="0">
-              <a:solidFill>
-                <a:srgbClr val="81C8BD"/>
-              </a:solidFill>
-            </a:endParaRPr>
+              <a:t>API Security Top 10  -  2023</a:t>
+            </a:r>
           </a:p>
           <a:p>
             <a:pPr marL="457200" lvl="1" indent="0">
@@ -36506,7 +36495,15 @@
                   <a:srgbClr val="ECDA2D"/>
                 </a:solidFill>
               </a:rPr>
-              <a:t>&lt;  Slide deck</a:t>
+              <a:t>&lt;  Slide deck  -  </a:t>
+            </a:r>
+            <a:r>
+              <a:rPr lang="en-US" sz="1800" dirty="0">
+                <a:solidFill>
+                  <a:srgbClr val="ECDA2D"/>
+                </a:solidFill>
+              </a:rPr>
+              <a:t>P</a:t>
             </a:r>
             <a:r>
               <a:rPr lang="en-US" sz="1800" dirty="0" smtClean="0">
@@ -36514,29 +36511,8 @@
                   <a:srgbClr val="ECDA2D"/>
                 </a:solidFill>
               </a:rPr>
-              <a:t>  -  </a:t>
-            </a:r>
-            <a:r>
-              <a:rPr lang="en-US" sz="1800" dirty="0">
-                <a:solidFill>
-                  <a:srgbClr val="ECDA2D"/>
-                </a:solidFill>
-              </a:rPr>
-              <a:t>P</a:t>
-            </a:r>
-            <a:r>
-              <a:rPr lang="en-US" sz="1800" dirty="0" smtClean="0">
-                <a:solidFill>
-                  <a:srgbClr val="ECDA2D"/>
-                </a:solidFill>
-              </a:rPr>
               <a:t>rogram examples  -   Set up, back up, restore Linux  -  GDB commands  /&gt;</a:t>
             </a:r>
-            <a:endParaRPr lang="en-US" sz="1800" dirty="0" smtClean="0">
-              <a:solidFill>
-                <a:srgbClr val="ECDA2D"/>
-              </a:solidFill>
-            </a:endParaRPr>
           </a:p>
         </p:txBody>
       </p:sp>
